--- a/hackproject/presentations/gaad-hackathon-playback-template.pptx
+++ b/hackproject/presentations/gaad-hackathon-playback-template.pptx
@@ -1,50 +1,50 @@
 
 <file path=ppt/presentation.xml><?xml version="1.0" encoding="utf-8"?>
-<p:presentation xmlns:a="http://schemas.openxmlformats.org/drawingml/2006/main" xmlns:r="http://schemas.openxmlformats.org/officeDocument/2006/relationships" xmlns:mc="http://schemas.openxmlformats.org/markup-compatibility/2006" xmlns:mv="urn:schemas-microsoft-com:mac:vml" xmlns:p="http://schemas.openxmlformats.org/presentationml/2006/main" xmlns:c="http://schemas.openxmlformats.org/drawingml/2006/chart" xmlns:dgm="http://schemas.openxmlformats.org/drawingml/2006/diagram" xmlns:o="urn:schemas-microsoft-com:office:office" xmlns:v="urn:schemas-microsoft-com:vml" xmlns:pvml="urn:schemas-microsoft-com:office:powerpoint" xmlns:com="http://schemas.openxmlformats.org/drawingml/2006/compatibility" xmlns:p14="http://schemas.microsoft.com/office/powerpoint/2010/main" xmlns:p15="http://schemas.microsoft.com/office/powerpoint/2012/main" xmlns:ahyp="http://schemas.microsoft.com/office/drawing/2018/hyperlinkcolor" autoCompressPictures="0" embedTrueTypeFonts="1" strictFirstAndLastChars="0" saveSubsetFonts="1">
+<p:presentation xmlns:a="http://schemas.openxmlformats.org/drawingml/2006/main" xmlns:r="http://schemas.openxmlformats.org/officeDocument/2006/relationships" xmlns:p="http://schemas.openxmlformats.org/presentationml/2006/main" strictFirstAndLastChars="0" embedTrueTypeFonts="1" saveSubsetFonts="1" autoCompressPictures="0">
   <p:sldMasterIdLst>
-    <p:sldMasterId id="2147483657" r:id="rId4"/>
+    <p:sldMasterId id="2147483657" r:id="rId1"/>
   </p:sldMasterIdLst>
   <p:notesMasterIdLst>
-    <p:notesMasterId r:id="rId5"/>
+    <p:notesMasterId r:id="rId11"/>
   </p:notesMasterIdLst>
   <p:sldIdLst>
-    <p:sldId id="256" r:id="rId6"/>
-    <p:sldId id="257" r:id="rId7"/>
-    <p:sldId id="258" r:id="rId8"/>
-    <p:sldId id="259" r:id="rId9"/>
-    <p:sldId id="260" r:id="rId10"/>
-    <p:sldId id="261" r:id="rId11"/>
-    <p:sldId id="262" r:id="rId12"/>
-    <p:sldId id="263" r:id="rId13"/>
-    <p:sldId id="264" r:id="rId14"/>
+    <p:sldId id="256" r:id="rId2"/>
+    <p:sldId id="257" r:id="rId3"/>
+    <p:sldId id="258" r:id="rId4"/>
+    <p:sldId id="259" r:id="rId5"/>
+    <p:sldId id="260" r:id="rId6"/>
+    <p:sldId id="261" r:id="rId7"/>
+    <p:sldId id="262" r:id="rId8"/>
+    <p:sldId id="263" r:id="rId9"/>
+    <p:sldId id="264" r:id="rId10"/>
   </p:sldIdLst>
-  <p:sldSz cy="5143500" cx="9144000"/>
+  <p:sldSz cx="9144000" cy="5143500" type="screen16x9"/>
   <p:notesSz cx="6858000" cy="9144000"/>
   <p:embeddedFontLst>
     <p:embeddedFont>
-      <p:font typeface="Montserrat"/>
-      <p:regular r:id="rId15"/>
-      <p:bold r:id="rId16"/>
-      <p:italic r:id="rId17"/>
-      <p:boldItalic r:id="rId18"/>
+      <p:font typeface="Montserrat" panose="00000500000000000000" pitchFamily="2" charset="0"/>
+      <p:regular r:id="rId12"/>
+      <p:bold r:id="rId13"/>
+      <p:italic r:id="rId14"/>
+      <p:boldItalic r:id="rId15"/>
     </p:embeddedFont>
     <p:embeddedFont>
-      <p:font typeface="Montserrat Medium"/>
-      <p:regular r:id="rId19"/>
-      <p:bold r:id="rId20"/>
-      <p:italic r:id="rId21"/>
-      <p:boldItalic r:id="rId22"/>
+      <p:font typeface="Montserrat Light" panose="00000400000000000000" pitchFamily="2" charset="0"/>
+      <p:regular r:id="rId16"/>
+      <p:bold r:id="rId17"/>
+      <p:italic r:id="rId18"/>
+      <p:boldItalic r:id="rId19"/>
     </p:embeddedFont>
     <p:embeddedFont>
-      <p:font typeface="Montserrat Light"/>
-      <p:regular r:id="rId23"/>
-      <p:bold r:id="rId24"/>
-      <p:italic r:id="rId25"/>
-      <p:boldItalic r:id="rId26"/>
+      <p:font typeface="Montserrat Medium" panose="00000600000000000000" pitchFamily="2" charset="0"/>
+      <p:regular r:id="rId20"/>
+      <p:bold r:id="rId21"/>
+      <p:italic r:id="rId22"/>
+      <p:boldItalic r:id="rId23"/>
     </p:embeddedFont>
   </p:embeddedFontLst>
   <p:defaultTextStyle>
-    <a:defPPr lvl="0" marR="0" rtl="0" algn="l">
+    <a:defPPr marR="0" lvl="0" algn="l" rtl="0">
       <a:lnSpc>
         <a:spcPct val="100000"/>
       </a:lnSpc>
@@ -55,7 +55,7 @@
         <a:spcPts val="0"/>
       </a:spcAft>
     </a:defPPr>
-    <a:lvl1pPr lvl="0" marR="0" rtl="0" algn="l">
+    <a:lvl1pPr marR="0" lvl="0" algn="l" rtl="0">
       <a:lnSpc>
         <a:spcPct val="100000"/>
       </a:lnSpc>
@@ -69,7 +69,7 @@
         <a:srgbClr val="000000"/>
       </a:buClr>
       <a:buFont typeface="Arial"/>
-      <a:defRPr b="0" i="0" sz="1400" u="none" cap="none" strike="noStrike">
+      <a:defRPr sz="1400" b="0" i="0" u="none" strike="noStrike" cap="none">
         <a:solidFill>
           <a:srgbClr val="000000"/>
         </a:solidFill>
@@ -79,7 +79,7 @@
         <a:sym typeface="Arial"/>
       </a:defRPr>
     </a:lvl1pPr>
-    <a:lvl2pPr lvl="1" marR="0" rtl="0" algn="l">
+    <a:lvl2pPr marR="0" lvl="1" algn="l" rtl="0">
       <a:lnSpc>
         <a:spcPct val="100000"/>
       </a:lnSpc>
@@ -93,7 +93,7 @@
         <a:srgbClr val="000000"/>
       </a:buClr>
       <a:buFont typeface="Arial"/>
-      <a:defRPr b="0" i="0" sz="1400" u="none" cap="none" strike="noStrike">
+      <a:defRPr sz="1400" b="0" i="0" u="none" strike="noStrike" cap="none">
         <a:solidFill>
           <a:srgbClr val="000000"/>
         </a:solidFill>
@@ -103,7 +103,7 @@
         <a:sym typeface="Arial"/>
       </a:defRPr>
     </a:lvl2pPr>
-    <a:lvl3pPr lvl="2" marR="0" rtl="0" algn="l">
+    <a:lvl3pPr marR="0" lvl="2" algn="l" rtl="0">
       <a:lnSpc>
         <a:spcPct val="100000"/>
       </a:lnSpc>
@@ -117,7 +117,7 @@
         <a:srgbClr val="000000"/>
       </a:buClr>
       <a:buFont typeface="Arial"/>
-      <a:defRPr b="0" i="0" sz="1400" u="none" cap="none" strike="noStrike">
+      <a:defRPr sz="1400" b="0" i="0" u="none" strike="noStrike" cap="none">
         <a:solidFill>
           <a:srgbClr val="000000"/>
         </a:solidFill>
@@ -127,7 +127,7 @@
         <a:sym typeface="Arial"/>
       </a:defRPr>
     </a:lvl3pPr>
-    <a:lvl4pPr lvl="3" marR="0" rtl="0" algn="l">
+    <a:lvl4pPr marR="0" lvl="3" algn="l" rtl="0">
       <a:lnSpc>
         <a:spcPct val="100000"/>
       </a:lnSpc>
@@ -141,7 +141,7 @@
         <a:srgbClr val="000000"/>
       </a:buClr>
       <a:buFont typeface="Arial"/>
-      <a:defRPr b="0" i="0" sz="1400" u="none" cap="none" strike="noStrike">
+      <a:defRPr sz="1400" b="0" i="0" u="none" strike="noStrike" cap="none">
         <a:solidFill>
           <a:srgbClr val="000000"/>
         </a:solidFill>
@@ -151,7 +151,7 @@
         <a:sym typeface="Arial"/>
       </a:defRPr>
     </a:lvl4pPr>
-    <a:lvl5pPr lvl="4" marR="0" rtl="0" algn="l">
+    <a:lvl5pPr marR="0" lvl="4" algn="l" rtl="0">
       <a:lnSpc>
         <a:spcPct val="100000"/>
       </a:lnSpc>
@@ -165,7 +165,7 @@
         <a:srgbClr val="000000"/>
       </a:buClr>
       <a:buFont typeface="Arial"/>
-      <a:defRPr b="0" i="0" sz="1400" u="none" cap="none" strike="noStrike">
+      <a:defRPr sz="1400" b="0" i="0" u="none" strike="noStrike" cap="none">
         <a:solidFill>
           <a:srgbClr val="000000"/>
         </a:solidFill>
@@ -175,7 +175,7 @@
         <a:sym typeface="Arial"/>
       </a:defRPr>
     </a:lvl5pPr>
-    <a:lvl6pPr lvl="5" marR="0" rtl="0" algn="l">
+    <a:lvl6pPr marR="0" lvl="5" algn="l" rtl="0">
       <a:lnSpc>
         <a:spcPct val="100000"/>
       </a:lnSpc>
@@ -189,7 +189,7 @@
         <a:srgbClr val="000000"/>
       </a:buClr>
       <a:buFont typeface="Arial"/>
-      <a:defRPr b="0" i="0" sz="1400" u="none" cap="none" strike="noStrike">
+      <a:defRPr sz="1400" b="0" i="0" u="none" strike="noStrike" cap="none">
         <a:solidFill>
           <a:srgbClr val="000000"/>
         </a:solidFill>
@@ -199,7 +199,7 @@
         <a:sym typeface="Arial"/>
       </a:defRPr>
     </a:lvl6pPr>
-    <a:lvl7pPr lvl="6" marR="0" rtl="0" algn="l">
+    <a:lvl7pPr marR="0" lvl="6" algn="l" rtl="0">
       <a:lnSpc>
         <a:spcPct val="100000"/>
       </a:lnSpc>
@@ -213,7 +213,7 @@
         <a:srgbClr val="000000"/>
       </a:buClr>
       <a:buFont typeface="Arial"/>
-      <a:defRPr b="0" i="0" sz="1400" u="none" cap="none" strike="noStrike">
+      <a:defRPr sz="1400" b="0" i="0" u="none" strike="noStrike" cap="none">
         <a:solidFill>
           <a:srgbClr val="000000"/>
         </a:solidFill>
@@ -223,7 +223,7 @@
         <a:sym typeface="Arial"/>
       </a:defRPr>
     </a:lvl7pPr>
-    <a:lvl8pPr lvl="7" marR="0" rtl="0" algn="l">
+    <a:lvl8pPr marR="0" lvl="7" algn="l" rtl="0">
       <a:lnSpc>
         <a:spcPct val="100000"/>
       </a:lnSpc>
@@ -237,7 +237,7 @@
         <a:srgbClr val="000000"/>
       </a:buClr>
       <a:buFont typeface="Arial"/>
-      <a:defRPr b="0" i="0" sz="1400" u="none" cap="none" strike="noStrike">
+      <a:defRPr sz="1400" b="0" i="0" u="none" strike="noStrike" cap="none">
         <a:solidFill>
           <a:srgbClr val="000000"/>
         </a:solidFill>
@@ -247,7 +247,7 @@
         <a:sym typeface="Arial"/>
       </a:defRPr>
     </a:lvl8pPr>
-    <a:lvl9pPr lvl="8" marR="0" rtl="0" algn="l">
+    <a:lvl9pPr marR="0" lvl="8" algn="l" rtl="0">
       <a:lnSpc>
         <a:spcPct val="100000"/>
       </a:lnSpc>
@@ -261,7 +261,7 @@
         <a:srgbClr val="000000"/>
       </a:buClr>
       <a:buFont typeface="Arial"/>
-      <a:defRPr b="0" i="0" sz="1400" u="none" cap="none" strike="noStrike">
+      <a:defRPr sz="1400" b="0" i="0" u="none" strike="noStrike" cap="none">
         <a:solidFill>
           <a:srgbClr val="000000"/>
         </a:solidFill>
@@ -274,7 +274,7 @@
   </p:defaultTextStyle>
   <p:extLst>
     <p:ext uri="{EFAFB233-063F-42B5-8137-9DF3F51BA10A}">
-      <p15:sldGuideLst>
+      <p15:sldGuideLst xmlns:p15="http://schemas.microsoft.com/office/powerpoint/2012/main">
         <p15:guide id="1" orient="horz" pos="1620">
           <p15:clr>
             <a:srgbClr val="747775"/>
@@ -292,11 +292,16 @@
 </file>
 
 <file path=ppt/notesMasters/notesMaster1.xml><?xml version="1.0" encoding="utf-8"?>
-<p:notesMaster xmlns:a="http://schemas.openxmlformats.org/drawingml/2006/main" xmlns:r="http://schemas.openxmlformats.org/officeDocument/2006/relationships" xmlns:mc="http://schemas.openxmlformats.org/markup-compatibility/2006" xmlns:mv="urn:schemas-microsoft-com:mac:vml" xmlns:p="http://schemas.openxmlformats.org/presentationml/2006/main" xmlns:c="http://schemas.openxmlformats.org/drawingml/2006/chart" xmlns:dgm="http://schemas.openxmlformats.org/drawingml/2006/diagram" xmlns:o="urn:schemas-microsoft-com:office:office" xmlns:v="urn:schemas-microsoft-com:vml" xmlns:pvml="urn:schemas-microsoft-com:office:powerpoint" xmlns:com="http://schemas.openxmlformats.org/drawingml/2006/compatibility" xmlns:p14="http://schemas.microsoft.com/office/powerpoint/2010/main" xmlns:p15="http://schemas.microsoft.com/office/powerpoint/2012/main" xmlns:ahyp="http://schemas.microsoft.com/office/drawing/2018/hyperlinkcolor">
+<p:notesMaster xmlns:a="http://schemas.openxmlformats.org/drawingml/2006/main" xmlns:r="http://schemas.openxmlformats.org/officeDocument/2006/relationships" xmlns:p="http://schemas.openxmlformats.org/presentationml/2006/main">
   <p:cSld>
+    <p:bg>
+      <p:bgRef idx="1001">
+        <a:schemeClr val="bg1"/>
+      </p:bgRef>
+    </p:bg>
     <p:spTree>
       <p:nvGrpSpPr>
-        <p:cNvPr id="2" name="Shape 2"/>
+        <p:cNvPr id="1" name="Shape 2"/>
         <p:cNvGrpSpPr/>
         <p:nvPr/>
       </p:nvGrpSpPr>
@@ -311,9 +316,11 @@
       <p:sp>
         <p:nvSpPr>
           <p:cNvPr id="3" name="Google Shape;3;n"/>
-          <p:cNvSpPr/>
+          <p:cNvSpPr>
+            <a:spLocks noGrp="1" noRot="1" noChangeAspect="1"/>
+          </p:cNvSpPr>
           <p:nvPr>
-            <p:ph idx="2" type="sldImg"/>
+            <p:ph type="sldImg" idx="2"/>
           </p:nvPr>
         </p:nvSpPr>
         <p:spPr>
@@ -322,9 +329,13 @@
             <a:ext cx="6096075" cy="3429000"/>
           </a:xfrm>
           <a:custGeom>
-            <a:rect b="b" l="l" r="r" t="t"/>
+            <a:avLst/>
+            <a:gdLst/>
+            <a:ahLst/>
+            <a:cxnLst/>
+            <a:rect l="l" t="t" r="r" b="b"/>
             <a:pathLst>
-              <a:path extrusionOk="0" h="120000" w="120000">
+              <a:path w="120000" h="120000" extrusionOk="0">
                 <a:moveTo>
                   <a:pt x="0" y="0"/>
                 </a:moveTo>
@@ -342,23 +353,25 @@
             </a:pathLst>
           </a:custGeom>
           <a:noFill/>
-          <a:ln cap="flat" cmpd="sng" w="9525">
+          <a:ln w="9525" cap="flat" cmpd="sng">
             <a:solidFill>
               <a:srgbClr val="000000"/>
             </a:solidFill>
             <a:prstDash val="solid"/>
             <a:round/>
-            <a:headEnd len="sm" w="sm" type="none"/>
-            <a:tailEnd len="sm" w="sm" type="none"/>
+            <a:headEnd type="none" w="sm" len="sm"/>
+            <a:tailEnd type="none" w="sm" len="sm"/>
           </a:ln>
         </p:spPr>
       </p:sp>
       <p:sp>
         <p:nvSpPr>
           <p:cNvPr id="4" name="Google Shape;4;n"/>
-          <p:cNvSpPr txBox="1"/>
+          <p:cNvSpPr txBox="1">
+            <a:spLocks noGrp="1"/>
+          </p:cNvSpPr>
           <p:nvPr>
-            <p:ph idx="1" type="body"/>
+            <p:ph type="body" idx="1"/>
           </p:nvPr>
         </p:nvSpPr>
         <p:spPr>
@@ -375,11 +388,11 @@
           </a:ln>
         </p:spPr>
         <p:txBody>
-          <a:bodyPr anchorCtr="0" anchor="t" bIns="91425" lIns="91425" spcFirstLastPara="1" rIns="91425" wrap="square" tIns="91425">
+          <a:bodyPr spcFirstLastPara="1" wrap="square" lIns="91425" tIns="91425" rIns="91425" bIns="91425" anchor="t" anchorCtr="0">
             <a:noAutofit/>
           </a:bodyPr>
           <a:lstStyle>
-            <a:lvl1pPr indent="-298450" lvl="0" marL="457200">
+            <a:lvl1pPr marL="457200" lvl="0" indent="-298450">
               <a:spcBef>
                 <a:spcPts val="0"/>
               </a:spcBef>
@@ -390,7 +403,7 @@
               <a:buChar char="●"/>
               <a:defRPr sz="1100"/>
             </a:lvl1pPr>
-            <a:lvl2pPr indent="-298450" lvl="1" marL="914400">
+            <a:lvl2pPr marL="914400" lvl="1" indent="-298450">
               <a:spcBef>
                 <a:spcPts val="0"/>
               </a:spcBef>
@@ -401,7 +414,7 @@
               <a:buChar char="○"/>
               <a:defRPr sz="1100"/>
             </a:lvl2pPr>
-            <a:lvl3pPr indent="-298450" lvl="2" marL="1371600">
+            <a:lvl3pPr marL="1371600" lvl="2" indent="-298450">
               <a:spcBef>
                 <a:spcPts val="0"/>
               </a:spcBef>
@@ -412,7 +425,7 @@
               <a:buChar char="■"/>
               <a:defRPr sz="1100"/>
             </a:lvl3pPr>
-            <a:lvl4pPr indent="-298450" lvl="3" marL="1828800">
+            <a:lvl4pPr marL="1828800" lvl="3" indent="-298450">
               <a:spcBef>
                 <a:spcPts val="0"/>
               </a:spcBef>
@@ -423,7 +436,7 @@
               <a:buChar char="●"/>
               <a:defRPr sz="1100"/>
             </a:lvl4pPr>
-            <a:lvl5pPr indent="-298450" lvl="4" marL="2286000">
+            <a:lvl5pPr marL="2286000" lvl="4" indent="-298450">
               <a:spcBef>
                 <a:spcPts val="0"/>
               </a:spcBef>
@@ -434,7 +447,7 @@
               <a:buChar char="○"/>
               <a:defRPr sz="1100"/>
             </a:lvl5pPr>
-            <a:lvl6pPr indent="-298450" lvl="5" marL="2743200">
+            <a:lvl6pPr marL="2743200" lvl="5" indent="-298450">
               <a:spcBef>
                 <a:spcPts val="0"/>
               </a:spcBef>
@@ -445,7 +458,7 @@
               <a:buChar char="■"/>
               <a:defRPr sz="1100"/>
             </a:lvl6pPr>
-            <a:lvl7pPr indent="-298450" lvl="6" marL="3200400">
+            <a:lvl7pPr marL="3200400" lvl="6" indent="-298450">
               <a:spcBef>
                 <a:spcPts val="0"/>
               </a:spcBef>
@@ -456,7 +469,7 @@
               <a:buChar char="●"/>
               <a:defRPr sz="1100"/>
             </a:lvl7pPr>
-            <a:lvl8pPr indent="-298450" lvl="7" marL="3657600">
+            <a:lvl8pPr marL="3657600" lvl="7" indent="-298450">
               <a:spcBef>
                 <a:spcPts val="0"/>
               </a:spcBef>
@@ -467,7 +480,7 @@
               <a:buChar char="○"/>
               <a:defRPr sz="1100"/>
             </a:lvl8pPr>
-            <a:lvl9pPr indent="-298450" lvl="8" marL="4114800">
+            <a:lvl9pPr marL="4114800" lvl="8" indent="-298450">
               <a:spcBef>
                 <a:spcPts val="0"/>
               </a:spcBef>
@@ -479,14 +492,16 @@
               <a:defRPr sz="1100"/>
             </a:lvl9pPr>
           </a:lstStyle>
-          <a:p/>
+          <a:p>
+            <a:endParaRPr/>
+          </a:p>
         </p:txBody>
       </p:sp>
     </p:spTree>
   </p:cSld>
-  <p:clrMap accent1="accent1" accent2="accent2" accent3="accent3" accent4="accent4" accent5="accent5" accent6="accent6" bg1="lt1" bg2="dk2" tx1="dk1" tx2="lt2" folHlink="folHlink" hlink="hlink"/>
+  <p:clrMap bg1="lt1" tx1="dk1" bg2="dk2" tx2="lt2" accent1="accent1" accent2="accent2" accent3="accent3" accent4="accent4" accent5="accent5" accent6="accent6" hlink="hlink" folHlink="folHlink"/>
   <p:notesStyle>
-    <a:defPPr lvl="0" marR="0" rtl="0" algn="l">
+    <a:defPPr marR="0" lvl="0" algn="l" rtl="0">
       <a:lnSpc>
         <a:spcPct val="100000"/>
       </a:lnSpc>
@@ -497,7 +512,7 @@
         <a:spcPts val="0"/>
       </a:spcAft>
     </a:defPPr>
-    <a:lvl1pPr lvl="0" marR="0" rtl="0" algn="l">
+    <a:lvl1pPr marR="0" lvl="0" algn="l" rtl="0">
       <a:lnSpc>
         <a:spcPct val="100000"/>
       </a:lnSpc>
@@ -511,7 +526,7 @@
         <a:srgbClr val="000000"/>
       </a:buClr>
       <a:buFont typeface="Arial"/>
-      <a:defRPr b="0" i="0" sz="1400" u="none" cap="none" strike="noStrike">
+      <a:defRPr sz="1400" b="0" i="0" u="none" strike="noStrike" cap="none">
         <a:solidFill>
           <a:srgbClr val="000000"/>
         </a:solidFill>
@@ -521,7 +536,7 @@
         <a:sym typeface="Arial"/>
       </a:defRPr>
     </a:lvl1pPr>
-    <a:lvl2pPr lvl="1" marR="0" rtl="0" algn="l">
+    <a:lvl2pPr marR="0" lvl="1" algn="l" rtl="0">
       <a:lnSpc>
         <a:spcPct val="100000"/>
       </a:lnSpc>
@@ -535,7 +550,7 @@
         <a:srgbClr val="000000"/>
       </a:buClr>
       <a:buFont typeface="Arial"/>
-      <a:defRPr b="0" i="0" sz="1400" u="none" cap="none" strike="noStrike">
+      <a:defRPr sz="1400" b="0" i="0" u="none" strike="noStrike" cap="none">
         <a:solidFill>
           <a:srgbClr val="000000"/>
         </a:solidFill>
@@ -545,7 +560,7 @@
         <a:sym typeface="Arial"/>
       </a:defRPr>
     </a:lvl2pPr>
-    <a:lvl3pPr lvl="2" marR="0" rtl="0" algn="l">
+    <a:lvl3pPr marR="0" lvl="2" algn="l" rtl="0">
       <a:lnSpc>
         <a:spcPct val="100000"/>
       </a:lnSpc>
@@ -559,7 +574,7 @@
         <a:srgbClr val="000000"/>
       </a:buClr>
       <a:buFont typeface="Arial"/>
-      <a:defRPr b="0" i="0" sz="1400" u="none" cap="none" strike="noStrike">
+      <a:defRPr sz="1400" b="0" i="0" u="none" strike="noStrike" cap="none">
         <a:solidFill>
           <a:srgbClr val="000000"/>
         </a:solidFill>
@@ -569,7 +584,7 @@
         <a:sym typeface="Arial"/>
       </a:defRPr>
     </a:lvl3pPr>
-    <a:lvl4pPr lvl="3" marR="0" rtl="0" algn="l">
+    <a:lvl4pPr marR="0" lvl="3" algn="l" rtl="0">
       <a:lnSpc>
         <a:spcPct val="100000"/>
       </a:lnSpc>
@@ -583,7 +598,7 @@
         <a:srgbClr val="000000"/>
       </a:buClr>
       <a:buFont typeface="Arial"/>
-      <a:defRPr b="0" i="0" sz="1400" u="none" cap="none" strike="noStrike">
+      <a:defRPr sz="1400" b="0" i="0" u="none" strike="noStrike" cap="none">
         <a:solidFill>
           <a:srgbClr val="000000"/>
         </a:solidFill>
@@ -593,7 +608,7 @@
         <a:sym typeface="Arial"/>
       </a:defRPr>
     </a:lvl4pPr>
-    <a:lvl5pPr lvl="4" marR="0" rtl="0" algn="l">
+    <a:lvl5pPr marR="0" lvl="4" algn="l" rtl="0">
       <a:lnSpc>
         <a:spcPct val="100000"/>
       </a:lnSpc>
@@ -607,7 +622,7 @@
         <a:srgbClr val="000000"/>
       </a:buClr>
       <a:buFont typeface="Arial"/>
-      <a:defRPr b="0" i="0" sz="1400" u="none" cap="none" strike="noStrike">
+      <a:defRPr sz="1400" b="0" i="0" u="none" strike="noStrike" cap="none">
         <a:solidFill>
           <a:srgbClr val="000000"/>
         </a:solidFill>
@@ -617,7 +632,7 @@
         <a:sym typeface="Arial"/>
       </a:defRPr>
     </a:lvl5pPr>
-    <a:lvl6pPr lvl="5" marR="0" rtl="0" algn="l">
+    <a:lvl6pPr marR="0" lvl="5" algn="l" rtl="0">
       <a:lnSpc>
         <a:spcPct val="100000"/>
       </a:lnSpc>
@@ -631,7 +646,7 @@
         <a:srgbClr val="000000"/>
       </a:buClr>
       <a:buFont typeface="Arial"/>
-      <a:defRPr b="0" i="0" sz="1400" u="none" cap="none" strike="noStrike">
+      <a:defRPr sz="1400" b="0" i="0" u="none" strike="noStrike" cap="none">
         <a:solidFill>
           <a:srgbClr val="000000"/>
         </a:solidFill>
@@ -641,7 +656,7 @@
         <a:sym typeface="Arial"/>
       </a:defRPr>
     </a:lvl6pPr>
-    <a:lvl7pPr lvl="6" marR="0" rtl="0" algn="l">
+    <a:lvl7pPr marR="0" lvl="6" algn="l" rtl="0">
       <a:lnSpc>
         <a:spcPct val="100000"/>
       </a:lnSpc>
@@ -655,7 +670,7 @@
         <a:srgbClr val="000000"/>
       </a:buClr>
       <a:buFont typeface="Arial"/>
-      <a:defRPr b="0" i="0" sz="1400" u="none" cap="none" strike="noStrike">
+      <a:defRPr sz="1400" b="0" i="0" u="none" strike="noStrike" cap="none">
         <a:solidFill>
           <a:srgbClr val="000000"/>
         </a:solidFill>
@@ -665,7 +680,7 @@
         <a:sym typeface="Arial"/>
       </a:defRPr>
     </a:lvl7pPr>
-    <a:lvl8pPr lvl="7" marR="0" rtl="0" algn="l">
+    <a:lvl8pPr marR="0" lvl="7" algn="l" rtl="0">
       <a:lnSpc>
         <a:spcPct val="100000"/>
       </a:lnSpc>
@@ -679,7 +694,7 @@
         <a:srgbClr val="000000"/>
       </a:buClr>
       <a:buFont typeface="Arial"/>
-      <a:defRPr b="0" i="0" sz="1400" u="none" cap="none" strike="noStrike">
+      <a:defRPr sz="1400" b="0" i="0" u="none" strike="noStrike" cap="none">
         <a:solidFill>
           <a:srgbClr val="000000"/>
         </a:solidFill>
@@ -689,7 +704,7 @@
         <a:sym typeface="Arial"/>
       </a:defRPr>
     </a:lvl8pPr>
-    <a:lvl9pPr lvl="8" marR="0" rtl="0" algn="l">
+    <a:lvl9pPr marR="0" lvl="8" algn="l" rtl="0">
       <a:lnSpc>
         <a:spcPct val="100000"/>
       </a:lnSpc>
@@ -703,7 +718,7 @@
         <a:srgbClr val="000000"/>
       </a:buClr>
       <a:buFont typeface="Arial"/>
-      <a:defRPr b="0" i="0" sz="1400" u="none" cap="none" strike="noStrike">
+      <a:defRPr sz="1400" b="0" i="0" u="none" strike="noStrike" cap="none">
         <a:solidFill>
           <a:srgbClr val="000000"/>
         </a:solidFill>
@@ -718,11 +733,11 @@
 </file>
 
 <file path=ppt/notesSlides/notesSlide1.xml><?xml version="1.0" encoding="utf-8"?>
-<p:notes xmlns:a="http://schemas.openxmlformats.org/drawingml/2006/main" xmlns:r="http://schemas.openxmlformats.org/officeDocument/2006/relationships" xmlns:mc="http://schemas.openxmlformats.org/markup-compatibility/2006" xmlns:mv="urn:schemas-microsoft-com:mac:vml" xmlns:p="http://schemas.openxmlformats.org/presentationml/2006/main" xmlns:c="http://schemas.openxmlformats.org/drawingml/2006/chart" xmlns:dgm="http://schemas.openxmlformats.org/drawingml/2006/diagram" xmlns:o="urn:schemas-microsoft-com:office:office" xmlns:v="urn:schemas-microsoft-com:vml" xmlns:pvml="urn:schemas-microsoft-com:office:powerpoint" xmlns:com="http://schemas.openxmlformats.org/drawingml/2006/compatibility" xmlns:p14="http://schemas.microsoft.com/office/powerpoint/2010/main" xmlns:p15="http://schemas.microsoft.com/office/powerpoint/2012/main" xmlns:ahyp="http://schemas.microsoft.com/office/drawing/2018/hyperlinkcolor" showMasterPhAnim="0" showMasterSp="0">
+<p:notes xmlns:a="http://schemas.openxmlformats.org/drawingml/2006/main" xmlns:r="http://schemas.openxmlformats.org/officeDocument/2006/relationships" xmlns:p="http://schemas.openxmlformats.org/presentationml/2006/main" showMasterSp="0" showMasterPhAnim="0">
   <p:cSld>
     <p:spTree>
       <p:nvGrpSpPr>
-        <p:cNvPr id="60" name="Shape 60"/>
+        <p:cNvPr id="1" name="Shape 60"/>
         <p:cNvGrpSpPr/>
         <p:nvPr/>
       </p:nvGrpSpPr>
@@ -737,20 +752,26 @@
       <p:sp>
         <p:nvSpPr>
           <p:cNvPr id="61" name="Google Shape;61;p:notes"/>
-          <p:cNvSpPr/>
+          <p:cNvSpPr>
+            <a:spLocks noGrp="1" noRot="1" noChangeAspect="1"/>
+          </p:cNvSpPr>
           <p:nvPr>
-            <p:ph idx="2" type="sldImg"/>
+            <p:ph type="sldImg" idx="2"/>
           </p:nvPr>
         </p:nvSpPr>
         <p:spPr>
           <a:xfrm>
-            <a:off x="381300" y="685800"/>
-            <a:ext cx="6096075" cy="3429000"/>
+            <a:off x="381000" y="685800"/>
+            <a:ext cx="6096000" cy="3429000"/>
           </a:xfrm>
           <a:custGeom>
-            <a:rect b="b" l="l" r="r" t="t"/>
+            <a:avLst/>
+            <a:gdLst/>
+            <a:ahLst/>
+            <a:cxnLst/>
+            <a:rect l="l" t="t" r="r" b="b"/>
             <a:pathLst>
-              <a:path extrusionOk="0" h="120000" w="120000">
+              <a:path w="120000" h="120000" extrusionOk="0">
                 <a:moveTo>
                   <a:pt x="0" y="0"/>
                 </a:moveTo>
@@ -772,9 +793,11 @@
       <p:sp>
         <p:nvSpPr>
           <p:cNvPr id="62" name="Google Shape;62;p:notes"/>
-          <p:cNvSpPr txBox="1"/>
+          <p:cNvSpPr txBox="1">
+            <a:spLocks noGrp="1"/>
+          </p:cNvSpPr>
           <p:nvPr>
-            <p:ph idx="1" type="body"/>
+            <p:ph type="body" idx="1"/>
           </p:nvPr>
         </p:nvSpPr>
         <p:spPr>
@@ -787,12 +810,12 @@
           </a:prstGeom>
         </p:spPr>
         <p:txBody>
-          <a:bodyPr anchorCtr="0" anchor="t" bIns="91425" lIns="91425" spcFirstLastPara="1" rIns="91425" wrap="square" tIns="91425">
+          <a:bodyPr spcFirstLastPara="1" wrap="square" lIns="91425" tIns="91425" rIns="91425" bIns="91425" anchor="t" anchorCtr="0">
             <a:noAutofit/>
           </a:bodyPr>
           <a:lstStyle/>
           <a:p>
-            <a:pPr indent="0" lvl="0" marL="0" rtl="0" algn="l">
+            <a:pPr marL="0" lvl="0" indent="0" algn="l" rtl="0">
               <a:spcBef>
                 <a:spcPts val="0"/>
               </a:spcBef>
@@ -801,9 +824,6 @@
               </a:spcAft>
               <a:buNone/>
             </a:pPr>
-            <a:r>
-              <a:t/>
-            </a:r>
             <a:endParaRPr/>
           </a:p>
         </p:txBody>
@@ -817,11 +837,11 @@
 </file>
 
 <file path=ppt/notesSlides/notesSlide2.xml><?xml version="1.0" encoding="utf-8"?>
-<p:notes xmlns:a="http://schemas.openxmlformats.org/drawingml/2006/main" xmlns:r="http://schemas.openxmlformats.org/officeDocument/2006/relationships" xmlns:mc="http://schemas.openxmlformats.org/markup-compatibility/2006" xmlns:mv="urn:schemas-microsoft-com:mac:vml" xmlns:p="http://schemas.openxmlformats.org/presentationml/2006/main" xmlns:c="http://schemas.openxmlformats.org/drawingml/2006/chart" xmlns:dgm="http://schemas.openxmlformats.org/drawingml/2006/diagram" xmlns:o="urn:schemas-microsoft-com:office:office" xmlns:v="urn:schemas-microsoft-com:vml" xmlns:pvml="urn:schemas-microsoft-com:office:powerpoint" xmlns:com="http://schemas.openxmlformats.org/drawingml/2006/compatibility" xmlns:p14="http://schemas.microsoft.com/office/powerpoint/2010/main" xmlns:p15="http://schemas.microsoft.com/office/powerpoint/2012/main" xmlns:ahyp="http://schemas.microsoft.com/office/drawing/2018/hyperlinkcolor" showMasterPhAnim="0" showMasterSp="0">
+<p:notes xmlns:a="http://schemas.openxmlformats.org/drawingml/2006/main" xmlns:r="http://schemas.openxmlformats.org/officeDocument/2006/relationships" xmlns:p="http://schemas.openxmlformats.org/presentationml/2006/main" showMasterSp="0" showMasterPhAnim="0">
   <p:cSld>
     <p:spTree>
       <p:nvGrpSpPr>
-        <p:cNvPr id="66" name="Shape 66"/>
+        <p:cNvPr id="1" name="Shape 66"/>
         <p:cNvGrpSpPr/>
         <p:nvPr/>
       </p:nvGrpSpPr>
@@ -836,20 +856,26 @@
       <p:sp>
         <p:nvSpPr>
           <p:cNvPr id="67" name="Google Shape;67;g2008ec59f9d_0_55:notes"/>
-          <p:cNvSpPr/>
+          <p:cNvSpPr>
+            <a:spLocks noGrp="1" noRot="1" noChangeAspect="1"/>
+          </p:cNvSpPr>
           <p:nvPr>
-            <p:ph idx="2" type="sldImg"/>
+            <p:ph type="sldImg" idx="2"/>
           </p:nvPr>
         </p:nvSpPr>
         <p:spPr>
           <a:xfrm>
-            <a:off x="381300" y="685800"/>
+            <a:off x="381000" y="685800"/>
             <a:ext cx="6096000" cy="3429000"/>
           </a:xfrm>
           <a:custGeom>
-            <a:rect b="b" l="l" r="r" t="t"/>
+            <a:avLst/>
+            <a:gdLst/>
+            <a:ahLst/>
+            <a:cxnLst/>
+            <a:rect l="l" t="t" r="r" b="b"/>
             <a:pathLst>
-              <a:path extrusionOk="0" h="120000" w="120000">
+              <a:path w="120000" h="120000" extrusionOk="0">
                 <a:moveTo>
                   <a:pt x="0" y="0"/>
                 </a:moveTo>
@@ -871,9 +897,11 @@
       <p:sp>
         <p:nvSpPr>
           <p:cNvPr id="68" name="Google Shape;68;g2008ec59f9d_0_55:notes"/>
-          <p:cNvSpPr txBox="1"/>
+          <p:cNvSpPr txBox="1">
+            <a:spLocks noGrp="1"/>
+          </p:cNvSpPr>
           <p:nvPr>
-            <p:ph idx="1" type="body"/>
+            <p:ph type="body" idx="1"/>
           </p:nvPr>
         </p:nvSpPr>
         <p:spPr>
@@ -886,12 +914,12 @@
           </a:prstGeom>
         </p:spPr>
         <p:txBody>
-          <a:bodyPr anchorCtr="0" anchor="t" bIns="91425" lIns="91425" spcFirstLastPara="1" rIns="91425" wrap="square" tIns="91425">
+          <a:bodyPr spcFirstLastPara="1" wrap="square" lIns="91425" tIns="91425" rIns="91425" bIns="91425" anchor="t" anchorCtr="0">
             <a:noAutofit/>
           </a:bodyPr>
           <a:lstStyle/>
           <a:p>
-            <a:pPr indent="0" lvl="0" marL="0" rtl="0" algn="l">
+            <a:pPr marL="0" lvl="0" indent="0" algn="l" rtl="0">
               <a:spcBef>
                 <a:spcPts val="0"/>
               </a:spcBef>
@@ -900,9 +928,6 @@
               </a:spcAft>
               <a:buNone/>
             </a:pPr>
-            <a:r>
-              <a:t/>
-            </a:r>
             <a:endParaRPr/>
           </a:p>
         </p:txBody>
@@ -916,11 +941,11 @@
 </file>
 
 <file path=ppt/notesSlides/notesSlide3.xml><?xml version="1.0" encoding="utf-8"?>
-<p:notes xmlns:a="http://schemas.openxmlformats.org/drawingml/2006/main" xmlns:r="http://schemas.openxmlformats.org/officeDocument/2006/relationships" xmlns:mc="http://schemas.openxmlformats.org/markup-compatibility/2006" xmlns:mv="urn:schemas-microsoft-com:mac:vml" xmlns:p="http://schemas.openxmlformats.org/presentationml/2006/main" xmlns:c="http://schemas.openxmlformats.org/drawingml/2006/chart" xmlns:dgm="http://schemas.openxmlformats.org/drawingml/2006/diagram" xmlns:o="urn:schemas-microsoft-com:office:office" xmlns:v="urn:schemas-microsoft-com:vml" xmlns:pvml="urn:schemas-microsoft-com:office:powerpoint" xmlns:com="http://schemas.openxmlformats.org/drawingml/2006/compatibility" xmlns:p14="http://schemas.microsoft.com/office/powerpoint/2010/main" xmlns:p15="http://schemas.microsoft.com/office/powerpoint/2012/main" xmlns:ahyp="http://schemas.microsoft.com/office/drawing/2018/hyperlinkcolor" showMasterPhAnim="0" showMasterSp="0">
+<p:notes xmlns:a="http://schemas.openxmlformats.org/drawingml/2006/main" xmlns:r="http://schemas.openxmlformats.org/officeDocument/2006/relationships" xmlns:p="http://schemas.openxmlformats.org/presentationml/2006/main" showMasterSp="0" showMasterPhAnim="0">
   <p:cSld>
     <p:spTree>
       <p:nvGrpSpPr>
-        <p:cNvPr id="72" name="Shape 72"/>
+        <p:cNvPr id="1" name="Shape 72"/>
         <p:cNvGrpSpPr/>
         <p:nvPr/>
       </p:nvGrpSpPr>
@@ -935,20 +960,26 @@
       <p:sp>
         <p:nvSpPr>
           <p:cNvPr id="73" name="Google Shape;73;g2008ec59f9d_0_67:notes"/>
-          <p:cNvSpPr/>
+          <p:cNvSpPr>
+            <a:spLocks noGrp="1" noRot="1" noChangeAspect="1"/>
+          </p:cNvSpPr>
           <p:nvPr>
-            <p:ph idx="2" type="sldImg"/>
+            <p:ph type="sldImg" idx="2"/>
           </p:nvPr>
         </p:nvSpPr>
         <p:spPr>
           <a:xfrm>
-            <a:off x="381300" y="685800"/>
+            <a:off x="381000" y="685800"/>
             <a:ext cx="6096000" cy="3429000"/>
           </a:xfrm>
           <a:custGeom>
-            <a:rect b="b" l="l" r="r" t="t"/>
+            <a:avLst/>
+            <a:gdLst/>
+            <a:ahLst/>
+            <a:cxnLst/>
+            <a:rect l="l" t="t" r="r" b="b"/>
             <a:pathLst>
-              <a:path extrusionOk="0" h="120000" w="120000">
+              <a:path w="120000" h="120000" extrusionOk="0">
                 <a:moveTo>
                   <a:pt x="0" y="0"/>
                 </a:moveTo>
@@ -970,9 +1001,11 @@
       <p:sp>
         <p:nvSpPr>
           <p:cNvPr id="74" name="Google Shape;74;g2008ec59f9d_0_67:notes"/>
-          <p:cNvSpPr txBox="1"/>
+          <p:cNvSpPr txBox="1">
+            <a:spLocks noGrp="1"/>
+          </p:cNvSpPr>
           <p:nvPr>
-            <p:ph idx="1" type="body"/>
+            <p:ph type="body" idx="1"/>
           </p:nvPr>
         </p:nvSpPr>
         <p:spPr>
@@ -985,12 +1018,12 @@
           </a:prstGeom>
         </p:spPr>
         <p:txBody>
-          <a:bodyPr anchorCtr="0" anchor="t" bIns="91425" lIns="91425" spcFirstLastPara="1" rIns="91425" wrap="square" tIns="91425">
+          <a:bodyPr spcFirstLastPara="1" wrap="square" lIns="91425" tIns="91425" rIns="91425" bIns="91425" anchor="t" anchorCtr="0">
             <a:noAutofit/>
           </a:bodyPr>
           <a:lstStyle/>
           <a:p>
-            <a:pPr indent="0" lvl="0" marL="0" rtl="0" algn="l">
+            <a:pPr marL="0" lvl="0" indent="0" algn="l" rtl="0">
               <a:spcBef>
                 <a:spcPts val="0"/>
               </a:spcBef>
@@ -999,9 +1032,6 @@
               </a:spcAft>
               <a:buNone/>
             </a:pPr>
-            <a:r>
-              <a:t/>
-            </a:r>
             <a:endParaRPr/>
           </a:p>
         </p:txBody>
@@ -1015,11 +1045,11 @@
 </file>
 
 <file path=ppt/notesSlides/notesSlide4.xml><?xml version="1.0" encoding="utf-8"?>
-<p:notes xmlns:a="http://schemas.openxmlformats.org/drawingml/2006/main" xmlns:r="http://schemas.openxmlformats.org/officeDocument/2006/relationships" xmlns:mc="http://schemas.openxmlformats.org/markup-compatibility/2006" xmlns:mv="urn:schemas-microsoft-com:mac:vml" xmlns:p="http://schemas.openxmlformats.org/presentationml/2006/main" xmlns:c="http://schemas.openxmlformats.org/drawingml/2006/chart" xmlns:dgm="http://schemas.openxmlformats.org/drawingml/2006/diagram" xmlns:o="urn:schemas-microsoft-com:office:office" xmlns:v="urn:schemas-microsoft-com:vml" xmlns:pvml="urn:schemas-microsoft-com:office:powerpoint" xmlns:com="http://schemas.openxmlformats.org/drawingml/2006/compatibility" xmlns:p14="http://schemas.microsoft.com/office/powerpoint/2010/main" xmlns:p15="http://schemas.microsoft.com/office/powerpoint/2012/main" xmlns:ahyp="http://schemas.microsoft.com/office/drawing/2018/hyperlinkcolor" showMasterPhAnim="0" showMasterSp="0">
+<p:notes xmlns:a="http://schemas.openxmlformats.org/drawingml/2006/main" xmlns:r="http://schemas.openxmlformats.org/officeDocument/2006/relationships" xmlns:p="http://schemas.openxmlformats.org/presentationml/2006/main" showMasterSp="0" showMasterPhAnim="0">
   <p:cSld>
     <p:spTree>
       <p:nvGrpSpPr>
-        <p:cNvPr id="78" name="Shape 78"/>
+        <p:cNvPr id="1" name="Shape 78"/>
         <p:cNvGrpSpPr/>
         <p:nvPr/>
       </p:nvGrpSpPr>
@@ -1034,20 +1064,26 @@
       <p:sp>
         <p:nvSpPr>
           <p:cNvPr id="79" name="Google Shape;79;g2008ec59f9d_0_73:notes"/>
-          <p:cNvSpPr/>
+          <p:cNvSpPr>
+            <a:spLocks noGrp="1" noRot="1" noChangeAspect="1"/>
+          </p:cNvSpPr>
           <p:nvPr>
-            <p:ph idx="2" type="sldImg"/>
+            <p:ph type="sldImg" idx="2"/>
           </p:nvPr>
         </p:nvSpPr>
         <p:spPr>
           <a:xfrm>
-            <a:off x="381300" y="685800"/>
+            <a:off x="381000" y="685800"/>
             <a:ext cx="6096000" cy="3429000"/>
           </a:xfrm>
           <a:custGeom>
-            <a:rect b="b" l="l" r="r" t="t"/>
+            <a:avLst/>
+            <a:gdLst/>
+            <a:ahLst/>
+            <a:cxnLst/>
+            <a:rect l="l" t="t" r="r" b="b"/>
             <a:pathLst>
-              <a:path extrusionOk="0" h="120000" w="120000">
+              <a:path w="120000" h="120000" extrusionOk="0">
                 <a:moveTo>
                   <a:pt x="0" y="0"/>
                 </a:moveTo>
@@ -1069,9 +1105,11 @@
       <p:sp>
         <p:nvSpPr>
           <p:cNvPr id="80" name="Google Shape;80;g2008ec59f9d_0_73:notes"/>
-          <p:cNvSpPr txBox="1"/>
+          <p:cNvSpPr txBox="1">
+            <a:spLocks noGrp="1"/>
+          </p:cNvSpPr>
           <p:nvPr>
-            <p:ph idx="1" type="body"/>
+            <p:ph type="body" idx="1"/>
           </p:nvPr>
         </p:nvSpPr>
         <p:spPr>
@@ -1084,12 +1122,12 @@
           </a:prstGeom>
         </p:spPr>
         <p:txBody>
-          <a:bodyPr anchorCtr="0" anchor="t" bIns="91425" lIns="91425" spcFirstLastPara="1" rIns="91425" wrap="square" tIns="91425">
+          <a:bodyPr spcFirstLastPara="1" wrap="square" lIns="91425" tIns="91425" rIns="91425" bIns="91425" anchor="t" anchorCtr="0">
             <a:noAutofit/>
           </a:bodyPr>
           <a:lstStyle/>
           <a:p>
-            <a:pPr indent="0" lvl="0" marL="0" rtl="0" algn="l">
+            <a:pPr marL="0" lvl="0" indent="0" algn="l" rtl="0">
               <a:spcBef>
                 <a:spcPts val="0"/>
               </a:spcBef>
@@ -1098,9 +1136,6 @@
               </a:spcAft>
               <a:buNone/>
             </a:pPr>
-            <a:r>
-              <a:t/>
-            </a:r>
             <a:endParaRPr/>
           </a:p>
         </p:txBody>
@@ -1114,11 +1149,11 @@
 </file>
 
 <file path=ppt/notesSlides/notesSlide5.xml><?xml version="1.0" encoding="utf-8"?>
-<p:notes xmlns:a="http://schemas.openxmlformats.org/drawingml/2006/main" xmlns:r="http://schemas.openxmlformats.org/officeDocument/2006/relationships" xmlns:mc="http://schemas.openxmlformats.org/markup-compatibility/2006" xmlns:mv="urn:schemas-microsoft-com:mac:vml" xmlns:p="http://schemas.openxmlformats.org/presentationml/2006/main" xmlns:c="http://schemas.openxmlformats.org/drawingml/2006/chart" xmlns:dgm="http://schemas.openxmlformats.org/drawingml/2006/diagram" xmlns:o="urn:schemas-microsoft-com:office:office" xmlns:v="urn:schemas-microsoft-com:vml" xmlns:pvml="urn:schemas-microsoft-com:office:powerpoint" xmlns:com="http://schemas.openxmlformats.org/drawingml/2006/compatibility" xmlns:p14="http://schemas.microsoft.com/office/powerpoint/2010/main" xmlns:p15="http://schemas.microsoft.com/office/powerpoint/2012/main" xmlns:ahyp="http://schemas.microsoft.com/office/drawing/2018/hyperlinkcolor" showMasterPhAnim="0" showMasterSp="0">
+<p:notes xmlns:a="http://schemas.openxmlformats.org/drawingml/2006/main" xmlns:r="http://schemas.openxmlformats.org/officeDocument/2006/relationships" xmlns:p="http://schemas.openxmlformats.org/presentationml/2006/main" showMasterSp="0" showMasterPhAnim="0">
   <p:cSld>
     <p:spTree>
       <p:nvGrpSpPr>
-        <p:cNvPr id="84" name="Shape 84"/>
+        <p:cNvPr id="1" name="Shape 84"/>
         <p:cNvGrpSpPr/>
         <p:nvPr/>
       </p:nvGrpSpPr>
@@ -1133,20 +1168,26 @@
       <p:sp>
         <p:nvSpPr>
           <p:cNvPr id="85" name="Google Shape;85;g2008ec59f9d_0_78:notes"/>
-          <p:cNvSpPr/>
+          <p:cNvSpPr>
+            <a:spLocks noGrp="1" noRot="1" noChangeAspect="1"/>
+          </p:cNvSpPr>
           <p:nvPr>
-            <p:ph idx="2" type="sldImg"/>
+            <p:ph type="sldImg" idx="2"/>
           </p:nvPr>
         </p:nvSpPr>
         <p:spPr>
           <a:xfrm>
-            <a:off x="381300" y="685800"/>
+            <a:off x="381000" y="685800"/>
             <a:ext cx="6096000" cy="3429000"/>
           </a:xfrm>
           <a:custGeom>
-            <a:rect b="b" l="l" r="r" t="t"/>
+            <a:avLst/>
+            <a:gdLst/>
+            <a:ahLst/>
+            <a:cxnLst/>
+            <a:rect l="l" t="t" r="r" b="b"/>
             <a:pathLst>
-              <a:path extrusionOk="0" h="120000" w="120000">
+              <a:path w="120000" h="120000" extrusionOk="0">
                 <a:moveTo>
                   <a:pt x="0" y="0"/>
                 </a:moveTo>
@@ -1168,9 +1209,11 @@
       <p:sp>
         <p:nvSpPr>
           <p:cNvPr id="86" name="Google Shape;86;g2008ec59f9d_0_78:notes"/>
-          <p:cNvSpPr txBox="1"/>
+          <p:cNvSpPr txBox="1">
+            <a:spLocks noGrp="1"/>
+          </p:cNvSpPr>
           <p:nvPr>
-            <p:ph idx="1" type="body"/>
+            <p:ph type="body" idx="1"/>
           </p:nvPr>
         </p:nvSpPr>
         <p:spPr>
@@ -1183,12 +1226,12 @@
           </a:prstGeom>
         </p:spPr>
         <p:txBody>
-          <a:bodyPr anchorCtr="0" anchor="t" bIns="91425" lIns="91425" spcFirstLastPara="1" rIns="91425" wrap="square" tIns="91425">
+          <a:bodyPr spcFirstLastPara="1" wrap="square" lIns="91425" tIns="91425" rIns="91425" bIns="91425" anchor="t" anchorCtr="0">
             <a:noAutofit/>
           </a:bodyPr>
           <a:lstStyle/>
           <a:p>
-            <a:pPr indent="0" lvl="0" marL="0" rtl="0" algn="l">
+            <a:pPr marL="0" lvl="0" indent="0" algn="l" rtl="0">
               <a:spcBef>
                 <a:spcPts val="0"/>
               </a:spcBef>
@@ -1197,9 +1240,6 @@
               </a:spcAft>
               <a:buNone/>
             </a:pPr>
-            <a:r>
-              <a:t/>
-            </a:r>
             <a:endParaRPr/>
           </a:p>
         </p:txBody>
@@ -1213,11 +1253,11 @@
 </file>
 
 <file path=ppt/notesSlides/notesSlide6.xml><?xml version="1.0" encoding="utf-8"?>
-<p:notes xmlns:a="http://schemas.openxmlformats.org/drawingml/2006/main" xmlns:r="http://schemas.openxmlformats.org/officeDocument/2006/relationships" xmlns:mc="http://schemas.openxmlformats.org/markup-compatibility/2006" xmlns:mv="urn:schemas-microsoft-com:mac:vml" xmlns:p="http://schemas.openxmlformats.org/presentationml/2006/main" xmlns:c="http://schemas.openxmlformats.org/drawingml/2006/chart" xmlns:dgm="http://schemas.openxmlformats.org/drawingml/2006/diagram" xmlns:o="urn:schemas-microsoft-com:office:office" xmlns:v="urn:schemas-microsoft-com:vml" xmlns:pvml="urn:schemas-microsoft-com:office:powerpoint" xmlns:com="http://schemas.openxmlformats.org/drawingml/2006/compatibility" xmlns:p14="http://schemas.microsoft.com/office/powerpoint/2010/main" xmlns:p15="http://schemas.microsoft.com/office/powerpoint/2012/main" xmlns:ahyp="http://schemas.microsoft.com/office/drawing/2018/hyperlinkcolor" showMasterPhAnim="0" showMasterSp="0">
+<p:notes xmlns:a="http://schemas.openxmlformats.org/drawingml/2006/main" xmlns:r="http://schemas.openxmlformats.org/officeDocument/2006/relationships" xmlns:p="http://schemas.openxmlformats.org/presentationml/2006/main" showMasterSp="0" showMasterPhAnim="0">
   <p:cSld>
     <p:spTree>
       <p:nvGrpSpPr>
-        <p:cNvPr id="89" name="Shape 89"/>
+        <p:cNvPr id="1" name="Shape 89"/>
         <p:cNvGrpSpPr/>
         <p:nvPr/>
       </p:nvGrpSpPr>
@@ -1232,20 +1272,26 @@
       <p:sp>
         <p:nvSpPr>
           <p:cNvPr id="90" name="Google Shape;90;g2008ec59f9d_0_82:notes"/>
-          <p:cNvSpPr/>
+          <p:cNvSpPr>
+            <a:spLocks noGrp="1" noRot="1" noChangeAspect="1"/>
+          </p:cNvSpPr>
           <p:nvPr>
-            <p:ph idx="2" type="sldImg"/>
+            <p:ph type="sldImg" idx="2"/>
           </p:nvPr>
         </p:nvSpPr>
         <p:spPr>
           <a:xfrm>
-            <a:off x="381300" y="685800"/>
+            <a:off x="381000" y="685800"/>
             <a:ext cx="6096000" cy="3429000"/>
           </a:xfrm>
           <a:custGeom>
-            <a:rect b="b" l="l" r="r" t="t"/>
+            <a:avLst/>
+            <a:gdLst/>
+            <a:ahLst/>
+            <a:cxnLst/>
+            <a:rect l="l" t="t" r="r" b="b"/>
             <a:pathLst>
-              <a:path extrusionOk="0" h="120000" w="120000">
+              <a:path w="120000" h="120000" extrusionOk="0">
                 <a:moveTo>
                   <a:pt x="0" y="0"/>
                 </a:moveTo>
@@ -1267,9 +1313,11 @@
       <p:sp>
         <p:nvSpPr>
           <p:cNvPr id="91" name="Google Shape;91;g2008ec59f9d_0_82:notes"/>
-          <p:cNvSpPr txBox="1"/>
+          <p:cNvSpPr txBox="1">
+            <a:spLocks noGrp="1"/>
+          </p:cNvSpPr>
           <p:nvPr>
-            <p:ph idx="1" type="body"/>
+            <p:ph type="body" idx="1"/>
           </p:nvPr>
         </p:nvSpPr>
         <p:spPr>
@@ -1282,12 +1330,12 @@
           </a:prstGeom>
         </p:spPr>
         <p:txBody>
-          <a:bodyPr anchorCtr="0" anchor="t" bIns="91425" lIns="91425" spcFirstLastPara="1" rIns="91425" wrap="square" tIns="91425">
+          <a:bodyPr spcFirstLastPara="1" wrap="square" lIns="91425" tIns="91425" rIns="91425" bIns="91425" anchor="t" anchorCtr="0">
             <a:noAutofit/>
           </a:bodyPr>
           <a:lstStyle/>
           <a:p>
-            <a:pPr indent="0" lvl="0" marL="0" rtl="0" algn="l">
+            <a:pPr marL="0" lvl="0" indent="0" algn="l" rtl="0">
               <a:spcBef>
                 <a:spcPts val="0"/>
               </a:spcBef>
@@ -1296,9 +1344,6 @@
               </a:spcAft>
               <a:buNone/>
             </a:pPr>
-            <a:r>
-              <a:t/>
-            </a:r>
             <a:endParaRPr/>
           </a:p>
         </p:txBody>
@@ -1312,11 +1357,11 @@
 </file>
 
 <file path=ppt/notesSlides/notesSlide7.xml><?xml version="1.0" encoding="utf-8"?>
-<p:notes xmlns:a="http://schemas.openxmlformats.org/drawingml/2006/main" xmlns:r="http://schemas.openxmlformats.org/officeDocument/2006/relationships" xmlns:mc="http://schemas.openxmlformats.org/markup-compatibility/2006" xmlns:mv="urn:schemas-microsoft-com:mac:vml" xmlns:p="http://schemas.openxmlformats.org/presentationml/2006/main" xmlns:c="http://schemas.openxmlformats.org/drawingml/2006/chart" xmlns:dgm="http://schemas.openxmlformats.org/drawingml/2006/diagram" xmlns:o="urn:schemas-microsoft-com:office:office" xmlns:v="urn:schemas-microsoft-com:vml" xmlns:pvml="urn:schemas-microsoft-com:office:powerpoint" xmlns:com="http://schemas.openxmlformats.org/drawingml/2006/compatibility" xmlns:p14="http://schemas.microsoft.com/office/powerpoint/2010/main" xmlns:p15="http://schemas.microsoft.com/office/powerpoint/2012/main" xmlns:ahyp="http://schemas.microsoft.com/office/drawing/2018/hyperlinkcolor" showMasterPhAnim="0" showMasterSp="0">
+<p:notes xmlns:a="http://schemas.openxmlformats.org/drawingml/2006/main" xmlns:r="http://schemas.openxmlformats.org/officeDocument/2006/relationships" xmlns:p="http://schemas.openxmlformats.org/presentationml/2006/main" showMasterSp="0" showMasterPhAnim="0">
   <p:cSld>
     <p:spTree>
       <p:nvGrpSpPr>
-        <p:cNvPr id="95" name="Shape 95"/>
+        <p:cNvPr id="1" name="Shape 95"/>
         <p:cNvGrpSpPr/>
         <p:nvPr/>
       </p:nvGrpSpPr>
@@ -1331,20 +1376,26 @@
       <p:sp>
         <p:nvSpPr>
           <p:cNvPr id="96" name="Google Shape;96;g2008ec59f9d_0_87:notes"/>
-          <p:cNvSpPr/>
+          <p:cNvSpPr>
+            <a:spLocks noGrp="1" noRot="1" noChangeAspect="1"/>
+          </p:cNvSpPr>
           <p:nvPr>
-            <p:ph idx="2" type="sldImg"/>
+            <p:ph type="sldImg" idx="2"/>
           </p:nvPr>
         </p:nvSpPr>
         <p:spPr>
           <a:xfrm>
-            <a:off x="381300" y="685800"/>
+            <a:off x="381000" y="685800"/>
             <a:ext cx="6096000" cy="3429000"/>
           </a:xfrm>
           <a:custGeom>
-            <a:rect b="b" l="l" r="r" t="t"/>
+            <a:avLst/>
+            <a:gdLst/>
+            <a:ahLst/>
+            <a:cxnLst/>
+            <a:rect l="l" t="t" r="r" b="b"/>
             <a:pathLst>
-              <a:path extrusionOk="0" h="120000" w="120000">
+              <a:path w="120000" h="120000" extrusionOk="0">
                 <a:moveTo>
                   <a:pt x="0" y="0"/>
                 </a:moveTo>
@@ -1366,9 +1417,11 @@
       <p:sp>
         <p:nvSpPr>
           <p:cNvPr id="97" name="Google Shape;97;g2008ec59f9d_0_87:notes"/>
-          <p:cNvSpPr txBox="1"/>
+          <p:cNvSpPr txBox="1">
+            <a:spLocks noGrp="1"/>
+          </p:cNvSpPr>
           <p:nvPr>
-            <p:ph idx="1" type="body"/>
+            <p:ph type="body" idx="1"/>
           </p:nvPr>
         </p:nvSpPr>
         <p:spPr>
@@ -1381,12 +1434,12 @@
           </a:prstGeom>
         </p:spPr>
         <p:txBody>
-          <a:bodyPr anchorCtr="0" anchor="t" bIns="91425" lIns="91425" spcFirstLastPara="1" rIns="91425" wrap="square" tIns="91425">
+          <a:bodyPr spcFirstLastPara="1" wrap="square" lIns="91425" tIns="91425" rIns="91425" bIns="91425" anchor="t" anchorCtr="0">
             <a:noAutofit/>
           </a:bodyPr>
           <a:lstStyle/>
           <a:p>
-            <a:pPr indent="0" lvl="0" marL="0" rtl="0" algn="l">
+            <a:pPr marL="0" lvl="0" indent="0" algn="l" rtl="0">
               <a:spcBef>
                 <a:spcPts val="0"/>
               </a:spcBef>
@@ -1395,9 +1448,6 @@
               </a:spcAft>
               <a:buNone/>
             </a:pPr>
-            <a:r>
-              <a:t/>
-            </a:r>
             <a:endParaRPr/>
           </a:p>
         </p:txBody>
@@ -1411,11 +1461,11 @@
 </file>
 
 <file path=ppt/notesSlides/notesSlide8.xml><?xml version="1.0" encoding="utf-8"?>
-<p:notes xmlns:a="http://schemas.openxmlformats.org/drawingml/2006/main" xmlns:r="http://schemas.openxmlformats.org/officeDocument/2006/relationships" xmlns:mc="http://schemas.openxmlformats.org/markup-compatibility/2006" xmlns:mv="urn:schemas-microsoft-com:mac:vml" xmlns:p="http://schemas.openxmlformats.org/presentationml/2006/main" xmlns:c="http://schemas.openxmlformats.org/drawingml/2006/chart" xmlns:dgm="http://schemas.openxmlformats.org/drawingml/2006/diagram" xmlns:o="urn:schemas-microsoft-com:office:office" xmlns:v="urn:schemas-microsoft-com:vml" xmlns:pvml="urn:schemas-microsoft-com:office:powerpoint" xmlns:com="http://schemas.openxmlformats.org/drawingml/2006/compatibility" xmlns:p14="http://schemas.microsoft.com/office/powerpoint/2010/main" xmlns:p15="http://schemas.microsoft.com/office/powerpoint/2012/main" xmlns:ahyp="http://schemas.microsoft.com/office/drawing/2018/hyperlinkcolor" showMasterPhAnim="0" showMasterSp="0">
+<p:notes xmlns:a="http://schemas.openxmlformats.org/drawingml/2006/main" xmlns:r="http://schemas.openxmlformats.org/officeDocument/2006/relationships" xmlns:p="http://schemas.openxmlformats.org/presentationml/2006/main" showMasterSp="0" showMasterPhAnim="0">
   <p:cSld>
     <p:spTree>
       <p:nvGrpSpPr>
-        <p:cNvPr id="101" name="Shape 101"/>
+        <p:cNvPr id="1" name="Shape 101"/>
         <p:cNvGrpSpPr/>
         <p:nvPr/>
       </p:nvGrpSpPr>
@@ -1430,20 +1480,26 @@
       <p:sp>
         <p:nvSpPr>
           <p:cNvPr id="102" name="Google Shape;102;g2008ec59f9d_0_92:notes"/>
-          <p:cNvSpPr/>
+          <p:cNvSpPr>
+            <a:spLocks noGrp="1" noRot="1" noChangeAspect="1"/>
+          </p:cNvSpPr>
           <p:nvPr>
-            <p:ph idx="2" type="sldImg"/>
+            <p:ph type="sldImg" idx="2"/>
           </p:nvPr>
         </p:nvSpPr>
         <p:spPr>
           <a:xfrm>
-            <a:off x="381300" y="685800"/>
+            <a:off x="381000" y="685800"/>
             <a:ext cx="6096000" cy="3429000"/>
           </a:xfrm>
           <a:custGeom>
-            <a:rect b="b" l="l" r="r" t="t"/>
+            <a:avLst/>
+            <a:gdLst/>
+            <a:ahLst/>
+            <a:cxnLst/>
+            <a:rect l="l" t="t" r="r" b="b"/>
             <a:pathLst>
-              <a:path extrusionOk="0" h="120000" w="120000">
+              <a:path w="120000" h="120000" extrusionOk="0">
                 <a:moveTo>
                   <a:pt x="0" y="0"/>
                 </a:moveTo>
@@ -1465,9 +1521,11 @@
       <p:sp>
         <p:nvSpPr>
           <p:cNvPr id="103" name="Google Shape;103;g2008ec59f9d_0_92:notes"/>
-          <p:cNvSpPr txBox="1"/>
+          <p:cNvSpPr txBox="1">
+            <a:spLocks noGrp="1"/>
+          </p:cNvSpPr>
           <p:nvPr>
-            <p:ph idx="1" type="body"/>
+            <p:ph type="body" idx="1"/>
           </p:nvPr>
         </p:nvSpPr>
         <p:spPr>
@@ -1480,12 +1538,12 @@
           </a:prstGeom>
         </p:spPr>
         <p:txBody>
-          <a:bodyPr anchorCtr="0" anchor="t" bIns="91425" lIns="91425" spcFirstLastPara="1" rIns="91425" wrap="square" tIns="91425">
+          <a:bodyPr spcFirstLastPara="1" wrap="square" lIns="91425" tIns="91425" rIns="91425" bIns="91425" anchor="t" anchorCtr="0">
             <a:noAutofit/>
           </a:bodyPr>
           <a:lstStyle/>
           <a:p>
-            <a:pPr indent="0" lvl="0" marL="0" rtl="0" algn="l">
+            <a:pPr marL="0" lvl="0" indent="0" algn="l" rtl="0">
               <a:spcBef>
                 <a:spcPts val="0"/>
               </a:spcBef>
@@ -1494,9 +1552,6 @@
               </a:spcAft>
               <a:buNone/>
             </a:pPr>
-            <a:r>
-              <a:t/>
-            </a:r>
             <a:endParaRPr/>
           </a:p>
         </p:txBody>
@@ -1510,11 +1565,11 @@
 </file>
 
 <file path=ppt/notesSlides/notesSlide9.xml><?xml version="1.0" encoding="utf-8"?>
-<p:notes xmlns:a="http://schemas.openxmlformats.org/drawingml/2006/main" xmlns:r="http://schemas.openxmlformats.org/officeDocument/2006/relationships" xmlns:mc="http://schemas.openxmlformats.org/markup-compatibility/2006" xmlns:mv="urn:schemas-microsoft-com:mac:vml" xmlns:p="http://schemas.openxmlformats.org/presentationml/2006/main" xmlns:c="http://schemas.openxmlformats.org/drawingml/2006/chart" xmlns:dgm="http://schemas.openxmlformats.org/drawingml/2006/diagram" xmlns:o="urn:schemas-microsoft-com:office:office" xmlns:v="urn:schemas-microsoft-com:vml" xmlns:pvml="urn:schemas-microsoft-com:office:powerpoint" xmlns:com="http://schemas.openxmlformats.org/drawingml/2006/compatibility" xmlns:p14="http://schemas.microsoft.com/office/powerpoint/2010/main" xmlns:p15="http://schemas.microsoft.com/office/powerpoint/2012/main" xmlns:ahyp="http://schemas.microsoft.com/office/drawing/2018/hyperlinkcolor" showMasterPhAnim="0" showMasterSp="0">
+<p:notes xmlns:a="http://schemas.openxmlformats.org/drawingml/2006/main" xmlns:r="http://schemas.openxmlformats.org/officeDocument/2006/relationships" xmlns:p="http://schemas.openxmlformats.org/presentationml/2006/main" showMasterSp="0" showMasterPhAnim="0">
   <p:cSld>
     <p:spTree>
       <p:nvGrpSpPr>
-        <p:cNvPr id="107" name="Shape 107"/>
+        <p:cNvPr id="1" name="Shape 107"/>
         <p:cNvGrpSpPr/>
         <p:nvPr/>
       </p:nvGrpSpPr>
@@ -1529,20 +1584,26 @@
       <p:sp>
         <p:nvSpPr>
           <p:cNvPr id="108" name="Google Shape;108;g2008ec59f9d_0_97:notes"/>
-          <p:cNvSpPr/>
+          <p:cNvSpPr>
+            <a:spLocks noGrp="1" noRot="1" noChangeAspect="1"/>
+          </p:cNvSpPr>
           <p:nvPr>
-            <p:ph idx="2" type="sldImg"/>
+            <p:ph type="sldImg" idx="2"/>
           </p:nvPr>
         </p:nvSpPr>
         <p:spPr>
           <a:xfrm>
-            <a:off x="381300" y="685800"/>
+            <a:off x="381000" y="685800"/>
             <a:ext cx="6096000" cy="3429000"/>
           </a:xfrm>
           <a:custGeom>
-            <a:rect b="b" l="l" r="r" t="t"/>
+            <a:avLst/>
+            <a:gdLst/>
+            <a:ahLst/>
+            <a:cxnLst/>
+            <a:rect l="l" t="t" r="r" b="b"/>
             <a:pathLst>
-              <a:path extrusionOk="0" h="120000" w="120000">
+              <a:path w="120000" h="120000" extrusionOk="0">
                 <a:moveTo>
                   <a:pt x="0" y="0"/>
                 </a:moveTo>
@@ -1564,9 +1625,11 @@
       <p:sp>
         <p:nvSpPr>
           <p:cNvPr id="109" name="Google Shape;109;g2008ec59f9d_0_97:notes"/>
-          <p:cNvSpPr txBox="1"/>
+          <p:cNvSpPr txBox="1">
+            <a:spLocks noGrp="1"/>
+          </p:cNvSpPr>
           <p:nvPr>
-            <p:ph idx="1" type="body"/>
+            <p:ph type="body" idx="1"/>
           </p:nvPr>
         </p:nvSpPr>
         <p:spPr>
@@ -1579,12 +1642,12 @@
           </a:prstGeom>
         </p:spPr>
         <p:txBody>
-          <a:bodyPr anchorCtr="0" anchor="t" bIns="91425" lIns="91425" spcFirstLastPara="1" rIns="91425" wrap="square" tIns="91425">
+          <a:bodyPr spcFirstLastPara="1" wrap="square" lIns="91425" tIns="91425" rIns="91425" bIns="91425" anchor="t" anchorCtr="0">
             <a:noAutofit/>
           </a:bodyPr>
           <a:lstStyle/>
           <a:p>
-            <a:pPr indent="0" lvl="0" marL="0" rtl="0" algn="l">
+            <a:pPr marL="0" lvl="0" indent="0" algn="l" rtl="0">
               <a:spcBef>
                 <a:spcPts val="0"/>
               </a:spcBef>
@@ -1593,9 +1656,6 @@
               </a:spcAft>
               <a:buNone/>
             </a:pPr>
-            <a:r>
-              <a:t/>
-            </a:r>
             <a:endParaRPr/>
           </a:p>
         </p:txBody>
@@ -1609,11 +1669,11 @@
 </file>
 
 <file path=ppt/slideLayouts/slideLayout1.xml><?xml version="1.0" encoding="utf-8"?>
-<p:sldLayout xmlns:a="http://schemas.openxmlformats.org/drawingml/2006/main" xmlns:r="http://schemas.openxmlformats.org/officeDocument/2006/relationships" xmlns:mc="http://schemas.openxmlformats.org/markup-compatibility/2006" xmlns:mv="urn:schemas-microsoft-com:mac:vml" xmlns:p="http://schemas.openxmlformats.org/presentationml/2006/main" xmlns:c="http://schemas.openxmlformats.org/drawingml/2006/chart" xmlns:dgm="http://schemas.openxmlformats.org/drawingml/2006/diagram" xmlns:o="urn:schemas-microsoft-com:office:office" xmlns:v="urn:schemas-microsoft-com:vml" xmlns:pvml="urn:schemas-microsoft-com:office:powerpoint" xmlns:com="http://schemas.openxmlformats.org/drawingml/2006/compatibility" xmlns:p14="http://schemas.microsoft.com/office/powerpoint/2010/main" xmlns:p15="http://schemas.microsoft.com/office/powerpoint/2012/main" xmlns:ahyp="http://schemas.microsoft.com/office/drawing/2018/hyperlinkcolor" matchingName="Title Slide" type="title">
+<p:sldLayout xmlns:a="http://schemas.openxmlformats.org/drawingml/2006/main" xmlns:r="http://schemas.openxmlformats.org/officeDocument/2006/relationships" xmlns:p="http://schemas.openxmlformats.org/presentationml/2006/main" matchingName="Title Slide" type="title">
   <p:cSld name="TITLE">
     <p:spTree>
       <p:nvGrpSpPr>
-        <p:cNvPr id="13" name="Shape 13"/>
+        <p:cNvPr id="1" name="Shape 13"/>
         <p:cNvGrpSpPr/>
         <p:nvPr/>
       </p:nvGrpSpPr>
@@ -1635,7 +1695,7 @@
           <a:blip r:embed="rId2">
             <a:alphaModFix/>
           </a:blip>
-          <a:srcRect b="0" l="0" r="0" t="0"/>
+          <a:srcRect/>
           <a:stretch/>
         </p:blipFill>
         <p:spPr>
@@ -1655,7 +1715,9 @@
       <p:sp>
         <p:nvSpPr>
           <p:cNvPr id="15" name="Google Shape;15;p2"/>
-          <p:cNvSpPr txBox="1"/>
+          <p:cNvSpPr txBox="1">
+            <a:spLocks noGrp="1"/>
+          </p:cNvSpPr>
           <p:nvPr>
             <p:ph type="ctrTitle"/>
           </p:nvPr>
@@ -1670,7 +1732,7 @@
           </a:prstGeom>
         </p:spPr>
         <p:txBody>
-          <a:bodyPr anchorCtr="0" anchor="t" bIns="91400" lIns="91400" spcFirstLastPara="1" rIns="91400" wrap="square" tIns="91400">
+          <a:bodyPr spcFirstLastPara="1" wrap="square" lIns="91400" tIns="91400" rIns="91400" bIns="91400" anchor="t" anchorCtr="0">
             <a:noAutofit/>
           </a:bodyPr>
           <a:lstStyle>
@@ -1692,7 +1754,7 @@
                 </a:solidFill>
               </a:defRPr>
             </a:lvl1pPr>
-            <a:lvl2pPr lvl="1" rtl="0" algn="ctr">
+            <a:lvl2pPr lvl="1" algn="ctr" rtl="0">
               <a:spcBef>
                 <a:spcPts val="0"/>
               </a:spcBef>
@@ -1703,7 +1765,7 @@
               <a:buNone/>
               <a:defRPr sz="5200"/>
             </a:lvl2pPr>
-            <a:lvl3pPr lvl="2" rtl="0" algn="ctr">
+            <a:lvl3pPr lvl="2" algn="ctr" rtl="0">
               <a:spcBef>
                 <a:spcPts val="0"/>
               </a:spcBef>
@@ -1714,7 +1776,7 @@
               <a:buNone/>
               <a:defRPr sz="5200"/>
             </a:lvl3pPr>
-            <a:lvl4pPr lvl="3" rtl="0" algn="ctr">
+            <a:lvl4pPr lvl="3" algn="ctr" rtl="0">
               <a:spcBef>
                 <a:spcPts val="0"/>
               </a:spcBef>
@@ -1725,7 +1787,7 @@
               <a:buNone/>
               <a:defRPr sz="5200"/>
             </a:lvl4pPr>
-            <a:lvl5pPr lvl="4" rtl="0" algn="ctr">
+            <a:lvl5pPr lvl="4" algn="ctr" rtl="0">
               <a:spcBef>
                 <a:spcPts val="0"/>
               </a:spcBef>
@@ -1736,7 +1798,7 @@
               <a:buNone/>
               <a:defRPr sz="5200"/>
             </a:lvl5pPr>
-            <a:lvl6pPr lvl="5" rtl="0" algn="ctr">
+            <a:lvl6pPr lvl="5" algn="ctr" rtl="0">
               <a:spcBef>
                 <a:spcPts val="0"/>
               </a:spcBef>
@@ -1747,7 +1809,7 @@
               <a:buNone/>
               <a:defRPr sz="5200"/>
             </a:lvl6pPr>
-            <a:lvl7pPr lvl="6" rtl="0" algn="ctr">
+            <a:lvl7pPr lvl="6" algn="ctr" rtl="0">
               <a:spcBef>
                 <a:spcPts val="0"/>
               </a:spcBef>
@@ -1758,7 +1820,7 @@
               <a:buNone/>
               <a:defRPr sz="5200"/>
             </a:lvl7pPr>
-            <a:lvl8pPr lvl="7" rtl="0" algn="ctr">
+            <a:lvl8pPr lvl="7" algn="ctr" rtl="0">
               <a:spcBef>
                 <a:spcPts val="0"/>
               </a:spcBef>
@@ -1769,7 +1831,7 @@
               <a:buNone/>
               <a:defRPr sz="5200"/>
             </a:lvl8pPr>
-            <a:lvl9pPr lvl="8" rtl="0" algn="ctr">
+            <a:lvl9pPr lvl="8" algn="ctr" rtl="0">
               <a:spcBef>
                 <a:spcPts val="0"/>
               </a:spcBef>
@@ -1781,15 +1843,19 @@
               <a:defRPr sz="5200"/>
             </a:lvl9pPr>
           </a:lstStyle>
-          <a:p/>
+          <a:p>
+            <a:endParaRPr/>
+          </a:p>
         </p:txBody>
       </p:sp>
       <p:sp>
         <p:nvSpPr>
           <p:cNvPr id="16" name="Google Shape;16;p2"/>
-          <p:cNvSpPr txBox="1"/>
+          <p:cNvSpPr txBox="1">
+            <a:spLocks noGrp="1"/>
+          </p:cNvSpPr>
           <p:nvPr>
-            <p:ph idx="1" type="subTitle"/>
+            <p:ph type="subTitle" idx="1"/>
           </p:nvPr>
         </p:nvSpPr>
         <p:spPr>
@@ -1802,7 +1868,7 @@
           </a:prstGeom>
         </p:spPr>
         <p:txBody>
-          <a:bodyPr anchorCtr="0" anchor="t" bIns="91400" lIns="91400" spcFirstLastPara="1" rIns="91400" wrap="square" tIns="91400">
+          <a:bodyPr spcFirstLastPara="1" wrap="square" lIns="91400" tIns="91400" rIns="91400" bIns="91400" anchor="t" anchorCtr="0">
             <a:noAutofit/>
           </a:bodyPr>
           <a:lstStyle>
@@ -1996,7 +2062,9 @@
               </a:defRPr>
             </a:lvl9pPr>
           </a:lstStyle>
-          <a:p/>
+          <a:p>
+            <a:endParaRPr/>
+          </a:p>
         </p:txBody>
       </p:sp>
       <p:pic>
@@ -2009,7 +2077,7 @@
           <a:blip r:embed="rId3">
             <a:alphaModFix/>
           </a:blip>
-          <a:srcRect b="108" l="0" r="0" t="39694"/>
+          <a:srcRect t="39694" b="108"/>
           <a:stretch/>
         </p:blipFill>
         <p:spPr>
@@ -2036,7 +2104,7 @@
           <a:blip r:embed="rId4">
             <a:alphaModFix/>
           </a:blip>
-          <a:srcRect b="17518" l="0" r="10241" t="0"/>
+          <a:srcRect r="10241" b="17518"/>
           <a:stretch/>
         </p:blipFill>
         <p:spPr>
@@ -2088,7 +2156,7 @@
   </p:clrMapOvr>
   <p:extLst>
     <p:ext uri="{DCECCB84-F9BA-43D5-87BE-67443E8EF086}">
-      <p15:sldGuideLst>
+      <p15:sldGuideLst xmlns:p15="http://schemas.microsoft.com/office/powerpoint/2012/main">
         <p15:guide id="1" orient="horz" pos="1620">
           <p15:clr>
             <a:srgbClr val="F9AD4C"/>
@@ -2106,11 +2174,11 @@
 </file>
 
 <file path=ppt/slideLayouts/slideLayout2.xml><?xml version="1.0" encoding="utf-8"?>
-<p:sldLayout xmlns:a="http://schemas.openxmlformats.org/drawingml/2006/main" xmlns:r="http://schemas.openxmlformats.org/officeDocument/2006/relationships" xmlns:mc="http://schemas.openxmlformats.org/markup-compatibility/2006" xmlns:mv="urn:schemas-microsoft-com:mac:vml" xmlns:p="http://schemas.openxmlformats.org/presentationml/2006/main" xmlns:c="http://schemas.openxmlformats.org/drawingml/2006/chart" xmlns:dgm="http://schemas.openxmlformats.org/drawingml/2006/diagram" xmlns:o="urn:schemas-microsoft-com:office:office" xmlns:v="urn:schemas-microsoft-com:vml" xmlns:pvml="urn:schemas-microsoft-com:office:powerpoint" xmlns:com="http://schemas.openxmlformats.org/drawingml/2006/compatibility" xmlns:p14="http://schemas.microsoft.com/office/powerpoint/2010/main" xmlns:p15="http://schemas.microsoft.com/office/powerpoint/2012/main" xmlns:ahyp="http://schemas.microsoft.com/office/drawing/2018/hyperlinkcolor" matchingName="Title and Content" type="tx">
+<p:sldLayout xmlns:a="http://schemas.openxmlformats.org/drawingml/2006/main" xmlns:r="http://schemas.openxmlformats.org/officeDocument/2006/relationships" xmlns:p="http://schemas.openxmlformats.org/presentationml/2006/main" matchingName="Title and Content" type="tx">
   <p:cSld name="TITLE_AND_BODY">
     <p:spTree>
       <p:nvGrpSpPr>
-        <p:cNvPr id="20" name="Shape 20"/>
+        <p:cNvPr id="1" name="Shape 20"/>
         <p:cNvGrpSpPr/>
         <p:nvPr/>
       </p:nvGrpSpPr>
@@ -2125,9 +2193,11 @@
       <p:sp>
         <p:nvSpPr>
           <p:cNvPr id="21" name="Google Shape;21;p3"/>
-          <p:cNvSpPr txBox="1"/>
+          <p:cNvSpPr txBox="1">
+            <a:spLocks noGrp="1"/>
+          </p:cNvSpPr>
           <p:nvPr>
-            <p:ph idx="12" type="sldNum"/>
+            <p:ph type="sldNum" idx="12"/>
           </p:nvPr>
         </p:nvSpPr>
         <p:spPr>
@@ -2140,7 +2210,7 @@
           </a:prstGeom>
         </p:spPr>
         <p:txBody>
-          <a:bodyPr anchorCtr="0" anchor="ctr" bIns="91400" lIns="91400" spcFirstLastPara="1" rIns="91400" wrap="square" tIns="91400">
+          <a:bodyPr spcFirstLastPara="1" wrap="square" lIns="91400" tIns="91400" rIns="91400" bIns="91400" anchor="ctr" anchorCtr="0">
             <a:noAutofit/>
           </a:bodyPr>
           <a:lstStyle>
@@ -2182,7 +2252,7 @@
             </a:lvl9pPr>
           </a:lstStyle>
           <a:p>
-            <a:pPr indent="0" lvl="0" marL="0" rtl="0" algn="r">
+            <a:pPr marL="0" lvl="0" indent="0" algn="r" rtl="0">
               <a:spcBef>
                 <a:spcPts val="0"/>
               </a:spcBef>
@@ -2219,12 +2289,12 @@
           </a:ln>
         </p:spPr>
         <p:txBody>
-          <a:bodyPr anchorCtr="0" anchor="b" bIns="34275" lIns="68575" spcFirstLastPara="1" rIns="68575" wrap="square" tIns="34275">
+          <a:bodyPr spcFirstLastPara="1" wrap="square" lIns="68575" tIns="34275" rIns="68575" bIns="34275" anchor="b" anchorCtr="0">
             <a:noAutofit/>
           </a:bodyPr>
           <a:lstStyle/>
           <a:p>
-            <a:pPr indent="0" lvl="0" marL="0" marR="0" rtl="0" algn="just">
+            <a:pPr marL="0" marR="0" lvl="0" indent="0" algn="just" rtl="0">
               <a:lnSpc>
                 <a:spcPct val="90000"/>
               </a:lnSpc>
@@ -2284,7 +2354,7 @@
             </a:endParaRPr>
           </a:p>
           <a:p>
-            <a:pPr indent="0" lvl="0" marL="0" marR="0" rtl="0" algn="just">
+            <a:pPr marL="0" marR="0" lvl="0" indent="0" algn="just" rtl="0">
               <a:lnSpc>
                 <a:spcPct val="90000"/>
               </a:lnSpc>
@@ -2325,11 +2395,11 @@
 </file>
 
 <file path=ppt/slideLayouts/slideLayout3.xml><?xml version="1.0" encoding="utf-8"?>
-<p:sldLayout xmlns:a="http://schemas.openxmlformats.org/drawingml/2006/main" xmlns:r="http://schemas.openxmlformats.org/officeDocument/2006/relationships" xmlns:mc="http://schemas.openxmlformats.org/markup-compatibility/2006" xmlns:mv="urn:schemas-microsoft-com:mac:vml" xmlns:p="http://schemas.openxmlformats.org/presentationml/2006/main" xmlns:c="http://schemas.openxmlformats.org/drawingml/2006/chart" xmlns:dgm="http://schemas.openxmlformats.org/drawingml/2006/diagram" xmlns:o="urn:schemas-microsoft-com:office:office" xmlns:v="urn:schemas-microsoft-com:vml" xmlns:pvml="urn:schemas-microsoft-com:office:powerpoint" xmlns:com="http://schemas.openxmlformats.org/drawingml/2006/compatibility" xmlns:p14="http://schemas.microsoft.com/office/powerpoint/2010/main" xmlns:p15="http://schemas.microsoft.com/office/powerpoint/2012/main" xmlns:ahyp="http://schemas.microsoft.com/office/drawing/2018/hyperlinkcolor" matchingName="Title and Content 2">
+<p:sldLayout xmlns:a="http://schemas.openxmlformats.org/drawingml/2006/main" xmlns:r="http://schemas.openxmlformats.org/officeDocument/2006/relationships" xmlns:p="http://schemas.openxmlformats.org/presentationml/2006/main" matchingName="Title and Content 2">
   <p:cSld name="TITLE_AND_BODY_2">
     <p:spTree>
       <p:nvGrpSpPr>
-        <p:cNvPr id="23" name="Shape 23"/>
+        <p:cNvPr id="1" name="Shape 23"/>
         <p:cNvGrpSpPr/>
         <p:nvPr/>
       </p:nvGrpSpPr>
@@ -2344,9 +2414,11 @@
       <p:sp>
         <p:nvSpPr>
           <p:cNvPr id="24" name="Google Shape;24;p4"/>
-          <p:cNvSpPr txBox="1"/>
+          <p:cNvSpPr txBox="1">
+            <a:spLocks noGrp="1"/>
+          </p:cNvSpPr>
           <p:nvPr>
-            <p:ph idx="12" type="sldNum"/>
+            <p:ph type="sldNum" idx="12"/>
           </p:nvPr>
         </p:nvSpPr>
         <p:spPr>
@@ -2359,7 +2431,7 @@
           </a:prstGeom>
         </p:spPr>
         <p:txBody>
-          <a:bodyPr anchorCtr="0" anchor="ctr" bIns="91400" lIns="91400" spcFirstLastPara="1" rIns="91400" wrap="square" tIns="91400">
+          <a:bodyPr spcFirstLastPara="1" wrap="square" lIns="91400" tIns="91400" rIns="91400" bIns="91400" anchor="ctr" anchorCtr="0">
             <a:noAutofit/>
           </a:bodyPr>
           <a:lstStyle>
@@ -2401,7 +2473,7 @@
             </a:lvl9pPr>
           </a:lstStyle>
           <a:p>
-            <a:pPr indent="0" lvl="0" marL="0" rtl="0" algn="r">
+            <a:pPr marL="0" lvl="0" indent="0" algn="r" rtl="0">
               <a:spcBef>
                 <a:spcPts val="0"/>
               </a:spcBef>
@@ -2438,12 +2510,12 @@
           </a:ln>
         </p:spPr>
         <p:txBody>
-          <a:bodyPr anchorCtr="0" anchor="ctr" bIns="34275" lIns="68575" spcFirstLastPara="1" rIns="68575" wrap="square" tIns="34275">
+          <a:bodyPr spcFirstLastPara="1" wrap="square" lIns="68575" tIns="34275" rIns="68575" bIns="34275" anchor="ctr" anchorCtr="0">
             <a:noAutofit/>
           </a:bodyPr>
           <a:lstStyle/>
           <a:p>
-            <a:pPr indent="0" lvl="0" marL="0" rtl="0" algn="l">
+            <a:pPr marL="0" lvl="0" indent="0" algn="l" rtl="0">
               <a:spcBef>
                 <a:spcPts val="0"/>
               </a:spcBef>
@@ -2469,7 +2541,7 @@
               </a:rPr>
               <a:t>Antitrust Policy Notice</a:t>
             </a:r>
-            <a:endParaRPr i="0" sz="2700" u="none" cap="none" strike="noStrike">
+            <a:endParaRPr sz="2700" i="0" u="none" strike="noStrike" cap="none">
               <a:solidFill>
                 <a:schemeClr val="accent1"/>
               </a:solidFill>
@@ -2501,12 +2573,12 @@
           </a:ln>
         </p:spPr>
         <p:txBody>
-          <a:bodyPr anchorCtr="0" anchor="t" bIns="34275" lIns="68575" spcFirstLastPara="1" rIns="68575" wrap="square" tIns="34275">
+          <a:bodyPr spcFirstLastPara="1" wrap="square" lIns="68575" tIns="34275" rIns="68575" bIns="34275" anchor="t" anchorCtr="0">
             <a:noAutofit/>
           </a:bodyPr>
           <a:lstStyle/>
           <a:p>
-            <a:pPr indent="-317500" lvl="0" marL="457200" marR="0" rtl="0" algn="l">
+            <a:pPr marL="457200" marR="0" lvl="0" indent="-317500" algn="l" rtl="0">
               <a:lnSpc>
                 <a:spcPct val="90000"/>
               </a:lnSpc>
@@ -2524,7 +2596,7 @@
               <a:buChar char="●"/>
             </a:pPr>
             <a:r>
-              <a:rPr i="0" lang="en" sz="1400" u="none" cap="none" strike="noStrike">
+              <a:rPr lang="en" sz="1400" i="0" u="none" strike="noStrike" cap="none">
                 <a:solidFill>
                   <a:srgbClr val="0086BF"/>
                 </a:solidFill>
@@ -2535,7 +2607,7 @@
               </a:rPr>
               <a:t>Linux Foundation meetings involve participation by industry competitors, and it is the intention of the Linux Foundation to conduct all of its activities in accordance with applicable antitrust and competition laws. It is therefore extremely important that attendees adhere to meeting agendas, and be aware of, and not participate in, any activities that are prohibited under applicable US state, federal or foreign antitrust and competition laws.</a:t>
             </a:r>
-            <a:endParaRPr i="0" sz="1400" u="none" cap="none" strike="noStrike">
+            <a:endParaRPr sz="1400" i="0" u="none" strike="noStrike" cap="none">
               <a:solidFill>
                 <a:srgbClr val="0086BF"/>
               </a:solidFill>
@@ -2546,7 +2618,7 @@
             </a:endParaRPr>
           </a:p>
           <a:p>
-            <a:pPr indent="0" lvl="0" marL="457200" marR="0" rtl="0" algn="l">
+            <a:pPr marL="457200" marR="0" lvl="0" indent="0" algn="l" rtl="0">
               <a:lnSpc>
                 <a:spcPct val="90000"/>
               </a:lnSpc>
@@ -2558,9 +2630,6 @@
               </a:spcAft>
               <a:buNone/>
             </a:pPr>
-            <a:r>
-              <a:t/>
-            </a:r>
             <a:endParaRPr sz="1400">
               <a:solidFill>
                 <a:srgbClr val="0086BF"/>
@@ -2572,7 +2641,7 @@
             </a:endParaRPr>
           </a:p>
           <a:p>
-            <a:pPr indent="-317500" lvl="0" marL="457200" marR="0" rtl="0" algn="l">
+            <a:pPr marL="457200" marR="0" lvl="0" indent="-317500" algn="l" rtl="0">
               <a:lnSpc>
                 <a:spcPct val="90000"/>
               </a:lnSpc>
@@ -2590,7 +2659,7 @@
               <a:buChar char="●"/>
             </a:pPr>
             <a:r>
-              <a:rPr i="0" lang="en" sz="1400" u="none" cap="none" strike="noStrike">
+              <a:rPr lang="en" sz="1400" i="0" u="none" strike="noStrike" cap="none">
                 <a:solidFill>
                   <a:srgbClr val="0086BF"/>
                 </a:solidFill>
@@ -2618,11 +2687,11 @@
 </file>
 
 <file path=ppt/slideLayouts/slideLayout4.xml><?xml version="1.0" encoding="utf-8"?>
-<p:sldLayout xmlns:a="http://schemas.openxmlformats.org/drawingml/2006/main" xmlns:r="http://schemas.openxmlformats.org/officeDocument/2006/relationships" xmlns:mc="http://schemas.openxmlformats.org/markup-compatibility/2006" xmlns:mv="urn:schemas-microsoft-com:mac:vml" xmlns:p="http://schemas.openxmlformats.org/presentationml/2006/main" xmlns:c="http://schemas.openxmlformats.org/drawingml/2006/chart" xmlns:dgm="http://schemas.openxmlformats.org/drawingml/2006/diagram" xmlns:o="urn:schemas-microsoft-com:office:office" xmlns:v="urn:schemas-microsoft-com:vml" xmlns:pvml="urn:schemas-microsoft-com:office:powerpoint" xmlns:com="http://schemas.openxmlformats.org/drawingml/2006/compatibility" xmlns:p14="http://schemas.microsoft.com/office/powerpoint/2010/main" xmlns:p15="http://schemas.microsoft.com/office/powerpoint/2012/main" xmlns:ahyp="http://schemas.microsoft.com/office/drawing/2018/hyperlinkcolor" matchingName="Title and Content 1">
+<p:sldLayout xmlns:a="http://schemas.openxmlformats.org/drawingml/2006/main" xmlns:r="http://schemas.openxmlformats.org/officeDocument/2006/relationships" xmlns:p="http://schemas.openxmlformats.org/presentationml/2006/main" matchingName="Title and Content 1">
   <p:cSld name="TITLE_AND_BODY_1">
     <p:spTree>
       <p:nvGrpSpPr>
-        <p:cNvPr id="27" name="Shape 27"/>
+        <p:cNvPr id="1" name="Shape 27"/>
         <p:cNvGrpSpPr/>
         <p:nvPr/>
       </p:nvGrpSpPr>
@@ -2637,7 +2706,9 @@
       <p:sp>
         <p:nvSpPr>
           <p:cNvPr id="28" name="Google Shape;28;p5"/>
-          <p:cNvSpPr txBox="1"/>
+          <p:cNvSpPr txBox="1">
+            <a:spLocks noGrp="1"/>
+          </p:cNvSpPr>
           <p:nvPr>
             <p:ph type="title"/>
           </p:nvPr>
@@ -2652,7 +2723,7 @@
           </a:prstGeom>
         </p:spPr>
         <p:txBody>
-          <a:bodyPr anchorCtr="0" anchor="t" bIns="91400" lIns="91400" spcFirstLastPara="1" rIns="91400" wrap="square" tIns="91400">
+          <a:bodyPr spcFirstLastPara="1" wrap="square" lIns="91400" tIns="91400" rIns="91400" bIns="91400" anchor="t" anchorCtr="0">
             <a:noAutofit/>
           </a:bodyPr>
           <a:lstStyle>
@@ -2756,15 +2827,19 @@
               <a:defRPr/>
             </a:lvl9pPr>
           </a:lstStyle>
-          <a:p/>
+          <a:p>
+            <a:endParaRPr/>
+          </a:p>
         </p:txBody>
       </p:sp>
       <p:sp>
         <p:nvSpPr>
           <p:cNvPr id="29" name="Google Shape;29;p5"/>
-          <p:cNvSpPr txBox="1"/>
+          <p:cNvSpPr txBox="1">
+            <a:spLocks noGrp="1"/>
+          </p:cNvSpPr>
           <p:nvPr>
-            <p:ph idx="1" type="body"/>
+            <p:ph type="body" idx="1"/>
           </p:nvPr>
         </p:nvSpPr>
         <p:spPr>
@@ -2777,11 +2852,11 @@
           </a:prstGeom>
         </p:spPr>
         <p:txBody>
-          <a:bodyPr anchorCtr="0" anchor="t" bIns="91400" lIns="91400" spcFirstLastPara="1" rIns="91400" wrap="square" tIns="91400">
+          <a:bodyPr spcFirstLastPara="1" wrap="square" lIns="91400" tIns="91400" rIns="91400" bIns="91400" anchor="t" anchorCtr="0">
             <a:noAutofit/>
           </a:bodyPr>
           <a:lstStyle>
-            <a:lvl1pPr indent="-323850" lvl="0" marL="457200" rtl="0">
+            <a:lvl1pPr marL="457200" lvl="0" indent="-323850" rtl="0">
               <a:spcBef>
                 <a:spcPts val="0"/>
               </a:spcBef>
@@ -2792,7 +2867,7 @@
               <a:buChar char="●"/>
               <a:defRPr/>
             </a:lvl1pPr>
-            <a:lvl2pPr indent="-317500" lvl="1" marL="914400" rtl="0">
+            <a:lvl2pPr marL="914400" lvl="1" indent="-317500" rtl="0">
               <a:spcBef>
                 <a:spcPts val="800"/>
               </a:spcBef>
@@ -2803,7 +2878,7 @@
               <a:buChar char="○"/>
               <a:defRPr/>
             </a:lvl2pPr>
-            <a:lvl3pPr indent="-298450" lvl="2" marL="1371600" rtl="0">
+            <a:lvl3pPr marL="1371600" lvl="2" indent="-298450" rtl="0">
               <a:spcBef>
                 <a:spcPts val="800"/>
               </a:spcBef>
@@ -2814,7 +2889,7 @@
               <a:buChar char="■"/>
               <a:defRPr/>
             </a:lvl3pPr>
-            <a:lvl4pPr indent="-285750" lvl="3" marL="1828800" rtl="0">
+            <a:lvl4pPr marL="1828800" lvl="3" indent="-285750" rtl="0">
               <a:spcBef>
                 <a:spcPts val="800"/>
               </a:spcBef>
@@ -2825,7 +2900,7 @@
               <a:buChar char="●"/>
               <a:defRPr/>
             </a:lvl4pPr>
-            <a:lvl5pPr indent="-285750" lvl="4" marL="2286000" rtl="0">
+            <a:lvl5pPr marL="2286000" lvl="4" indent="-285750" rtl="0">
               <a:spcBef>
                 <a:spcPts val="800"/>
               </a:spcBef>
@@ -2836,7 +2911,7 @@
               <a:buChar char="○"/>
               <a:defRPr/>
             </a:lvl5pPr>
-            <a:lvl6pPr indent="-285750" lvl="5" marL="2743200" rtl="0">
+            <a:lvl6pPr marL="2743200" lvl="5" indent="-285750" rtl="0">
               <a:spcBef>
                 <a:spcPts val="800"/>
               </a:spcBef>
@@ -2847,7 +2922,7 @@
               <a:buChar char="■"/>
               <a:defRPr/>
             </a:lvl6pPr>
-            <a:lvl7pPr indent="-285750" lvl="6" marL="3200400" rtl="0">
+            <a:lvl7pPr marL="3200400" lvl="6" indent="-285750" rtl="0">
               <a:spcBef>
                 <a:spcPts val="800"/>
               </a:spcBef>
@@ -2858,7 +2933,7 @@
               <a:buChar char="●"/>
               <a:defRPr/>
             </a:lvl7pPr>
-            <a:lvl8pPr indent="-285750" lvl="7" marL="3657600" rtl="0">
+            <a:lvl8pPr marL="3657600" lvl="7" indent="-285750" rtl="0">
               <a:spcBef>
                 <a:spcPts val="800"/>
               </a:spcBef>
@@ -2869,7 +2944,7 @@
               <a:buChar char="○"/>
               <a:defRPr/>
             </a:lvl8pPr>
-            <a:lvl9pPr indent="-285750" lvl="8" marL="4114800" rtl="0">
+            <a:lvl9pPr marL="4114800" lvl="8" indent="-285750" rtl="0">
               <a:spcBef>
                 <a:spcPts val="800"/>
               </a:spcBef>
@@ -2881,15 +2956,19 @@
               <a:defRPr/>
             </a:lvl9pPr>
           </a:lstStyle>
-          <a:p/>
+          <a:p>
+            <a:endParaRPr/>
+          </a:p>
         </p:txBody>
       </p:sp>
       <p:sp>
         <p:nvSpPr>
           <p:cNvPr id="30" name="Google Shape;30;p5"/>
-          <p:cNvSpPr txBox="1"/>
+          <p:cNvSpPr txBox="1">
+            <a:spLocks noGrp="1"/>
+          </p:cNvSpPr>
           <p:nvPr>
-            <p:ph idx="12" type="sldNum"/>
+            <p:ph type="sldNum" idx="12"/>
           </p:nvPr>
         </p:nvSpPr>
         <p:spPr>
@@ -2902,7 +2981,7 @@
           </a:prstGeom>
         </p:spPr>
         <p:txBody>
-          <a:bodyPr anchorCtr="0" anchor="ctr" bIns="91400" lIns="91400" spcFirstLastPara="1" rIns="91400" wrap="square" tIns="91400">
+          <a:bodyPr spcFirstLastPara="1" wrap="square" lIns="91400" tIns="91400" rIns="91400" bIns="91400" anchor="ctr" anchorCtr="0">
             <a:noAutofit/>
           </a:bodyPr>
           <a:lstStyle>
@@ -2944,7 +3023,7 @@
             </a:lvl9pPr>
           </a:lstStyle>
           <a:p>
-            <a:pPr indent="0" lvl="0" marL="0" rtl="0" algn="r">
+            <a:pPr marL="0" lvl="0" indent="0" algn="r" rtl="0">
               <a:spcBef>
                 <a:spcPts val="0"/>
               </a:spcBef>
@@ -2970,11 +3049,11 @@
 </file>
 
 <file path=ppt/slideLayouts/slideLayout5.xml><?xml version="1.0" encoding="utf-8"?>
-<p:sldLayout xmlns:a="http://schemas.openxmlformats.org/drawingml/2006/main" xmlns:r="http://schemas.openxmlformats.org/officeDocument/2006/relationships" xmlns:mc="http://schemas.openxmlformats.org/markup-compatibility/2006" xmlns:mv="urn:schemas-microsoft-com:mac:vml" xmlns:p="http://schemas.openxmlformats.org/presentationml/2006/main" xmlns:c="http://schemas.openxmlformats.org/drawingml/2006/chart" xmlns:dgm="http://schemas.openxmlformats.org/drawingml/2006/diagram" xmlns:o="urn:schemas-microsoft-com:office:office" xmlns:v="urn:schemas-microsoft-com:vml" xmlns:pvml="urn:schemas-microsoft-com:office:powerpoint" xmlns:com="http://schemas.openxmlformats.org/drawingml/2006/compatibility" xmlns:p14="http://schemas.microsoft.com/office/powerpoint/2010/main" xmlns:p15="http://schemas.microsoft.com/office/powerpoint/2012/main" xmlns:ahyp="http://schemas.microsoft.com/office/drawing/2018/hyperlinkcolor" matchingName="Content in 2 Columns" type="twoColTx">
+<p:sldLayout xmlns:a="http://schemas.openxmlformats.org/drawingml/2006/main" xmlns:r="http://schemas.openxmlformats.org/officeDocument/2006/relationships" xmlns:p="http://schemas.openxmlformats.org/presentationml/2006/main" matchingName="Content in 2 Columns" type="twoColTx">
   <p:cSld name="TITLE_AND_TWO_COLUMNS">
     <p:spTree>
       <p:nvGrpSpPr>
-        <p:cNvPr id="31" name="Shape 31"/>
+        <p:cNvPr id="1" name="Shape 31"/>
         <p:cNvGrpSpPr/>
         <p:nvPr/>
       </p:nvGrpSpPr>
@@ -2989,7 +3068,9 @@
       <p:sp>
         <p:nvSpPr>
           <p:cNvPr id="32" name="Google Shape;32;p6"/>
-          <p:cNvSpPr txBox="1"/>
+          <p:cNvSpPr txBox="1">
+            <a:spLocks noGrp="1"/>
+          </p:cNvSpPr>
           <p:nvPr>
             <p:ph type="title"/>
           </p:nvPr>
@@ -3004,7 +3085,7 @@
           </a:prstGeom>
         </p:spPr>
         <p:txBody>
-          <a:bodyPr anchorCtr="0" anchor="t" bIns="91400" lIns="91400" spcFirstLastPara="1" rIns="91400" wrap="square" tIns="91400">
+          <a:bodyPr spcFirstLastPara="1" wrap="square" lIns="91400" tIns="91400" rIns="91400" bIns="91400" anchor="t" anchorCtr="0">
             <a:noAutofit/>
           </a:bodyPr>
           <a:lstStyle>
@@ -3108,15 +3189,19 @@
               <a:defRPr/>
             </a:lvl9pPr>
           </a:lstStyle>
-          <a:p/>
+          <a:p>
+            <a:endParaRPr/>
+          </a:p>
         </p:txBody>
       </p:sp>
       <p:sp>
         <p:nvSpPr>
           <p:cNvPr id="33" name="Google Shape;33;p6"/>
-          <p:cNvSpPr txBox="1"/>
+          <p:cNvSpPr txBox="1">
+            <a:spLocks noGrp="1"/>
+          </p:cNvSpPr>
           <p:nvPr>
-            <p:ph idx="1" type="body"/>
+            <p:ph type="body" idx="1"/>
           </p:nvPr>
         </p:nvSpPr>
         <p:spPr>
@@ -3129,11 +3214,11 @@
           </a:prstGeom>
         </p:spPr>
         <p:txBody>
-          <a:bodyPr anchorCtr="0" anchor="t" bIns="91400" lIns="91400" spcFirstLastPara="1" rIns="91400" wrap="square" tIns="91400">
+          <a:bodyPr spcFirstLastPara="1" wrap="square" lIns="91400" tIns="91400" rIns="91400" bIns="91400" anchor="t" anchorCtr="0">
             <a:noAutofit/>
           </a:bodyPr>
           <a:lstStyle>
-            <a:lvl1pPr indent="-323850" lvl="0" marL="457200" rtl="0">
+            <a:lvl1pPr marL="457200" lvl="0" indent="-323850" rtl="0">
               <a:spcBef>
                 <a:spcPts val="0"/>
               </a:spcBef>
@@ -3144,7 +3229,7 @@
               <a:buChar char="●"/>
               <a:defRPr/>
             </a:lvl1pPr>
-            <a:lvl2pPr indent="-317500" lvl="1" marL="914400" rtl="0">
+            <a:lvl2pPr marL="914400" lvl="1" indent="-317500" rtl="0">
               <a:spcBef>
                 <a:spcPts val="800"/>
               </a:spcBef>
@@ -3155,7 +3240,7 @@
               <a:buChar char="○"/>
               <a:defRPr/>
             </a:lvl2pPr>
-            <a:lvl3pPr indent="-298450" lvl="2" marL="1371600" rtl="0">
+            <a:lvl3pPr marL="1371600" lvl="2" indent="-298450" rtl="0">
               <a:spcBef>
                 <a:spcPts val="800"/>
               </a:spcBef>
@@ -3166,7 +3251,7 @@
               <a:buChar char="■"/>
               <a:defRPr/>
             </a:lvl3pPr>
-            <a:lvl4pPr indent="-285750" lvl="3" marL="1828800" rtl="0">
+            <a:lvl4pPr marL="1828800" lvl="3" indent="-285750" rtl="0">
               <a:spcBef>
                 <a:spcPts val="800"/>
               </a:spcBef>
@@ -3177,7 +3262,7 @@
               <a:buChar char="●"/>
               <a:defRPr/>
             </a:lvl4pPr>
-            <a:lvl5pPr indent="-285750" lvl="4" marL="2286000" rtl="0">
+            <a:lvl5pPr marL="2286000" lvl="4" indent="-285750" rtl="0">
               <a:spcBef>
                 <a:spcPts val="800"/>
               </a:spcBef>
@@ -3188,7 +3273,7 @@
               <a:buChar char="○"/>
               <a:defRPr/>
             </a:lvl5pPr>
-            <a:lvl6pPr indent="-285750" lvl="5" marL="2743200" rtl="0">
+            <a:lvl6pPr marL="2743200" lvl="5" indent="-285750" rtl="0">
               <a:spcBef>
                 <a:spcPts val="800"/>
               </a:spcBef>
@@ -3199,7 +3284,7 @@
               <a:buChar char="■"/>
               <a:defRPr/>
             </a:lvl6pPr>
-            <a:lvl7pPr indent="-285750" lvl="6" marL="3200400" rtl="0">
+            <a:lvl7pPr marL="3200400" lvl="6" indent="-285750" rtl="0">
               <a:spcBef>
                 <a:spcPts val="800"/>
               </a:spcBef>
@@ -3210,7 +3295,7 @@
               <a:buChar char="●"/>
               <a:defRPr/>
             </a:lvl7pPr>
-            <a:lvl8pPr indent="-285750" lvl="7" marL="3657600" rtl="0">
+            <a:lvl8pPr marL="3657600" lvl="7" indent="-285750" rtl="0">
               <a:spcBef>
                 <a:spcPts val="800"/>
               </a:spcBef>
@@ -3221,7 +3306,7 @@
               <a:buChar char="○"/>
               <a:defRPr/>
             </a:lvl8pPr>
-            <a:lvl9pPr indent="-285750" lvl="8" marL="4114800" rtl="0">
+            <a:lvl9pPr marL="4114800" lvl="8" indent="-285750" rtl="0">
               <a:spcBef>
                 <a:spcPts val="800"/>
               </a:spcBef>
@@ -3233,15 +3318,19 @@
               <a:defRPr/>
             </a:lvl9pPr>
           </a:lstStyle>
-          <a:p/>
+          <a:p>
+            <a:endParaRPr/>
+          </a:p>
         </p:txBody>
       </p:sp>
       <p:sp>
         <p:nvSpPr>
           <p:cNvPr id="34" name="Google Shape;34;p6"/>
-          <p:cNvSpPr txBox="1"/>
+          <p:cNvSpPr txBox="1">
+            <a:spLocks noGrp="1"/>
+          </p:cNvSpPr>
           <p:nvPr>
-            <p:ph idx="2" type="body"/>
+            <p:ph type="body" idx="2"/>
           </p:nvPr>
         </p:nvSpPr>
         <p:spPr>
@@ -3254,11 +3343,11 @@
           </a:prstGeom>
         </p:spPr>
         <p:txBody>
-          <a:bodyPr anchorCtr="0" anchor="t" bIns="91400" lIns="91400" spcFirstLastPara="1" rIns="91400" wrap="square" tIns="91400">
+          <a:bodyPr spcFirstLastPara="1" wrap="square" lIns="91400" tIns="91400" rIns="91400" bIns="91400" anchor="t" anchorCtr="0">
             <a:noAutofit/>
           </a:bodyPr>
           <a:lstStyle>
-            <a:lvl1pPr indent="-323850" lvl="0" marL="457200" rtl="0">
+            <a:lvl1pPr marL="457200" lvl="0" indent="-323850" rtl="0">
               <a:spcBef>
                 <a:spcPts val="0"/>
               </a:spcBef>
@@ -3269,7 +3358,7 @@
               <a:buChar char="●"/>
               <a:defRPr/>
             </a:lvl1pPr>
-            <a:lvl2pPr indent="-317500" lvl="1" marL="914400" rtl="0">
+            <a:lvl2pPr marL="914400" lvl="1" indent="-317500" rtl="0">
               <a:spcBef>
                 <a:spcPts val="800"/>
               </a:spcBef>
@@ -3280,7 +3369,7 @@
               <a:buChar char="○"/>
               <a:defRPr/>
             </a:lvl2pPr>
-            <a:lvl3pPr indent="-298450" lvl="2" marL="1371600" rtl="0">
+            <a:lvl3pPr marL="1371600" lvl="2" indent="-298450" rtl="0">
               <a:spcBef>
                 <a:spcPts val="800"/>
               </a:spcBef>
@@ -3291,7 +3380,7 @@
               <a:buChar char="■"/>
               <a:defRPr/>
             </a:lvl3pPr>
-            <a:lvl4pPr indent="-285750" lvl="3" marL="1828800" rtl="0">
+            <a:lvl4pPr marL="1828800" lvl="3" indent="-285750" rtl="0">
               <a:spcBef>
                 <a:spcPts val="800"/>
               </a:spcBef>
@@ -3302,7 +3391,7 @@
               <a:buChar char="●"/>
               <a:defRPr/>
             </a:lvl4pPr>
-            <a:lvl5pPr indent="-285750" lvl="4" marL="2286000" rtl="0">
+            <a:lvl5pPr marL="2286000" lvl="4" indent="-285750" rtl="0">
               <a:spcBef>
                 <a:spcPts val="800"/>
               </a:spcBef>
@@ -3313,7 +3402,7 @@
               <a:buChar char="○"/>
               <a:defRPr/>
             </a:lvl5pPr>
-            <a:lvl6pPr indent="-285750" lvl="5" marL="2743200" rtl="0">
+            <a:lvl6pPr marL="2743200" lvl="5" indent="-285750" rtl="0">
               <a:spcBef>
                 <a:spcPts val="800"/>
               </a:spcBef>
@@ -3324,7 +3413,7 @@
               <a:buChar char="■"/>
               <a:defRPr/>
             </a:lvl6pPr>
-            <a:lvl7pPr indent="-285750" lvl="6" marL="3200400" rtl="0">
+            <a:lvl7pPr marL="3200400" lvl="6" indent="-285750" rtl="0">
               <a:spcBef>
                 <a:spcPts val="800"/>
               </a:spcBef>
@@ -3335,7 +3424,7 @@
               <a:buChar char="●"/>
               <a:defRPr/>
             </a:lvl7pPr>
-            <a:lvl8pPr indent="-285750" lvl="7" marL="3657600" rtl="0">
+            <a:lvl8pPr marL="3657600" lvl="7" indent="-285750" rtl="0">
               <a:spcBef>
                 <a:spcPts val="800"/>
               </a:spcBef>
@@ -3346,7 +3435,7 @@
               <a:buChar char="○"/>
               <a:defRPr/>
             </a:lvl8pPr>
-            <a:lvl9pPr indent="-285750" lvl="8" marL="4114800" rtl="0">
+            <a:lvl9pPr marL="4114800" lvl="8" indent="-285750" rtl="0">
               <a:spcBef>
                 <a:spcPts val="800"/>
               </a:spcBef>
@@ -3358,15 +3447,19 @@
               <a:defRPr/>
             </a:lvl9pPr>
           </a:lstStyle>
-          <a:p/>
+          <a:p>
+            <a:endParaRPr/>
+          </a:p>
         </p:txBody>
       </p:sp>
       <p:sp>
         <p:nvSpPr>
           <p:cNvPr id="35" name="Google Shape;35;p6"/>
-          <p:cNvSpPr txBox="1"/>
+          <p:cNvSpPr txBox="1">
+            <a:spLocks noGrp="1"/>
+          </p:cNvSpPr>
           <p:nvPr>
-            <p:ph idx="12" type="sldNum"/>
+            <p:ph type="sldNum" idx="12"/>
           </p:nvPr>
         </p:nvSpPr>
         <p:spPr>
@@ -3379,7 +3472,7 @@
           </a:prstGeom>
         </p:spPr>
         <p:txBody>
-          <a:bodyPr anchorCtr="0" anchor="ctr" bIns="91400" lIns="91400" spcFirstLastPara="1" rIns="91400" wrap="square" tIns="91400">
+          <a:bodyPr spcFirstLastPara="1" wrap="square" lIns="91400" tIns="91400" rIns="91400" bIns="91400" anchor="ctr" anchorCtr="0">
             <a:noAutofit/>
           </a:bodyPr>
           <a:lstStyle>
@@ -3421,7 +3514,7 @@
             </a:lvl9pPr>
           </a:lstStyle>
           <a:p>
-            <a:pPr indent="0" lvl="0" marL="0" rtl="0" algn="r">
+            <a:pPr marL="0" lvl="0" indent="0" algn="r" rtl="0">
               <a:spcBef>
                 <a:spcPts val="0"/>
               </a:spcBef>
@@ -3447,11 +3540,11 @@
 </file>
 
 <file path=ppt/slideLayouts/slideLayout6.xml><?xml version="1.0" encoding="utf-8"?>
-<p:sldLayout xmlns:a="http://schemas.openxmlformats.org/drawingml/2006/main" xmlns:r="http://schemas.openxmlformats.org/officeDocument/2006/relationships" xmlns:mc="http://schemas.openxmlformats.org/markup-compatibility/2006" xmlns:mv="urn:schemas-microsoft-com:mac:vml" xmlns:p="http://schemas.openxmlformats.org/presentationml/2006/main" xmlns:c="http://schemas.openxmlformats.org/drawingml/2006/chart" xmlns:dgm="http://schemas.openxmlformats.org/drawingml/2006/diagram" xmlns:o="urn:schemas-microsoft-com:office:office" xmlns:v="urn:schemas-microsoft-com:vml" xmlns:pvml="urn:schemas-microsoft-com:office:powerpoint" xmlns:com="http://schemas.openxmlformats.org/drawingml/2006/compatibility" xmlns:p14="http://schemas.microsoft.com/office/powerpoint/2010/main" xmlns:p15="http://schemas.microsoft.com/office/powerpoint/2012/main" xmlns:ahyp="http://schemas.microsoft.com/office/drawing/2018/hyperlinkcolor" matchingName="Blank">
+<p:sldLayout xmlns:a="http://schemas.openxmlformats.org/drawingml/2006/main" xmlns:r="http://schemas.openxmlformats.org/officeDocument/2006/relationships" xmlns:p="http://schemas.openxmlformats.org/presentationml/2006/main" matchingName="Blank">
   <p:cSld name="CUSTOM">
     <p:spTree>
       <p:nvGrpSpPr>
-        <p:cNvPr id="36" name="Shape 36"/>
+        <p:cNvPr id="1" name="Shape 36"/>
         <p:cNvGrpSpPr/>
         <p:nvPr/>
       </p:nvGrpSpPr>
@@ -3466,9 +3559,11 @@
       <p:sp>
         <p:nvSpPr>
           <p:cNvPr id="37" name="Google Shape;37;p7"/>
-          <p:cNvSpPr txBox="1"/>
+          <p:cNvSpPr txBox="1">
+            <a:spLocks noGrp="1"/>
+          </p:cNvSpPr>
           <p:nvPr>
-            <p:ph idx="12" type="sldNum"/>
+            <p:ph type="sldNum" idx="12"/>
           </p:nvPr>
         </p:nvSpPr>
         <p:spPr>
@@ -3481,7 +3576,7 @@
           </a:prstGeom>
         </p:spPr>
         <p:txBody>
-          <a:bodyPr anchorCtr="0" anchor="ctr" bIns="91400" lIns="91400" spcFirstLastPara="1" rIns="91400" wrap="square" tIns="91400">
+          <a:bodyPr spcFirstLastPara="1" wrap="square" lIns="91400" tIns="91400" rIns="91400" bIns="91400" anchor="ctr" anchorCtr="0">
             <a:noAutofit/>
           </a:bodyPr>
           <a:lstStyle>
@@ -3523,7 +3618,7 @@
             </a:lvl9pPr>
           </a:lstStyle>
           <a:p>
-            <a:pPr indent="0" lvl="0" marL="0" rtl="0" algn="r">
+            <a:pPr marL="0" lvl="0" indent="0" algn="r" rtl="0">
               <a:spcBef>
                 <a:spcPts val="0"/>
               </a:spcBef>
@@ -3549,11 +3644,11 @@
 </file>
 
 <file path=ppt/slideLayouts/slideLayout7.xml><?xml version="1.0" encoding="utf-8"?>
-<p:sldLayout xmlns:a="http://schemas.openxmlformats.org/drawingml/2006/main" xmlns:r="http://schemas.openxmlformats.org/officeDocument/2006/relationships" xmlns:mc="http://schemas.openxmlformats.org/markup-compatibility/2006" xmlns:mv="urn:schemas-microsoft-com:mac:vml" xmlns:p="http://schemas.openxmlformats.org/presentationml/2006/main" xmlns:c="http://schemas.openxmlformats.org/drawingml/2006/chart" xmlns:dgm="http://schemas.openxmlformats.org/drawingml/2006/diagram" xmlns:o="urn:schemas-microsoft-com:office:office" xmlns:v="urn:schemas-microsoft-com:vml" xmlns:pvml="urn:schemas-microsoft-com:office:powerpoint" xmlns:com="http://schemas.openxmlformats.org/drawingml/2006/compatibility" xmlns:p14="http://schemas.microsoft.com/office/powerpoint/2010/main" xmlns:p15="http://schemas.microsoft.com/office/powerpoint/2012/main" xmlns:ahyp="http://schemas.microsoft.com/office/drawing/2018/hyperlinkcolor" matchingName="Section Header - Gold 1">
+<p:sldLayout xmlns:a="http://schemas.openxmlformats.org/drawingml/2006/main" xmlns:r="http://schemas.openxmlformats.org/officeDocument/2006/relationships" xmlns:p="http://schemas.openxmlformats.org/presentationml/2006/main" matchingName="Section Header - Gold 1">
   <p:cSld name="CUSTOM_1_2">
     <p:spTree>
       <p:nvGrpSpPr>
-        <p:cNvPr id="38" name="Shape 38"/>
+        <p:cNvPr id="1" name="Shape 38"/>
         <p:cNvGrpSpPr/>
         <p:nvPr/>
       </p:nvGrpSpPr>
@@ -3575,7 +3670,7 @@
           <a:blip r:embed="rId2">
             <a:alphaModFix/>
           </a:blip>
-          <a:srcRect b="0" l="0" r="0" t="0"/>
+          <a:srcRect/>
           <a:stretch/>
         </p:blipFill>
         <p:spPr>
@@ -3595,7 +3690,9 @@
       <p:sp>
         <p:nvSpPr>
           <p:cNvPr id="40" name="Google Shape;40;p8"/>
-          <p:cNvSpPr txBox="1"/>
+          <p:cNvSpPr txBox="1">
+            <a:spLocks noGrp="1"/>
+          </p:cNvSpPr>
           <p:nvPr>
             <p:ph type="title"/>
           </p:nvPr>
@@ -3610,7 +3707,7 @@
           </a:prstGeom>
         </p:spPr>
         <p:txBody>
-          <a:bodyPr anchorCtr="0" anchor="t" bIns="91400" lIns="91400" spcFirstLastPara="1" rIns="91400" wrap="square" tIns="91400">
+          <a:bodyPr spcFirstLastPara="1" wrap="square" lIns="91400" tIns="91400" rIns="91400" bIns="91400" anchor="t" anchorCtr="0">
             <a:noAutofit/>
           </a:bodyPr>
           <a:lstStyle>
@@ -3709,15 +3806,19 @@
               <a:defRPr/>
             </a:lvl9pPr>
           </a:lstStyle>
-          <a:p/>
+          <a:p>
+            <a:endParaRPr/>
+          </a:p>
         </p:txBody>
       </p:sp>
       <p:sp>
         <p:nvSpPr>
           <p:cNvPr id="41" name="Google Shape;41;p8"/>
-          <p:cNvSpPr txBox="1"/>
+          <p:cNvSpPr txBox="1">
+            <a:spLocks noGrp="1"/>
+          </p:cNvSpPr>
           <p:nvPr>
-            <p:ph idx="1" type="subTitle"/>
+            <p:ph type="subTitle" idx="1"/>
           </p:nvPr>
         </p:nvSpPr>
         <p:spPr>
@@ -3730,7 +3831,7 @@
           </a:prstGeom>
         </p:spPr>
         <p:txBody>
-          <a:bodyPr anchorCtr="0" anchor="t" bIns="91400" lIns="91400" spcFirstLastPara="1" rIns="91400" wrap="square" tIns="91400">
+          <a:bodyPr spcFirstLastPara="1" wrap="square" lIns="91400" tIns="91400" rIns="91400" bIns="91400" anchor="t" anchorCtr="0">
             <a:noAutofit/>
           </a:bodyPr>
           <a:lstStyle>
@@ -3829,7 +3930,9 @@
               <a:defRPr/>
             </a:lvl9pPr>
           </a:lstStyle>
-          <a:p/>
+          <a:p>
+            <a:endParaRPr/>
+          </a:p>
         </p:txBody>
       </p:sp>
       <p:sp>
@@ -3839,7 +3942,7 @@
           <p:nvPr/>
         </p:nvSpPr>
         <p:spPr>
-          <a:xfrm flipH="1" rot="10800000">
+          <a:xfrm rot="10800000" flipH="1">
             <a:off x="0" y="0"/>
             <a:ext cx="4351200" cy="1364100"/>
           </a:xfrm>
@@ -3854,12 +3957,12 @@
           </a:ln>
         </p:spPr>
         <p:txBody>
-          <a:bodyPr anchorCtr="0" anchor="ctr" bIns="91425" lIns="91425" spcFirstLastPara="1" rIns="91425" wrap="square" tIns="91425">
+          <a:bodyPr spcFirstLastPara="1" wrap="square" lIns="91425" tIns="91425" rIns="91425" bIns="91425" anchor="ctr" anchorCtr="0">
             <a:noAutofit/>
           </a:bodyPr>
           <a:lstStyle/>
           <a:p>
-            <a:pPr indent="0" lvl="0" marL="0" rtl="0" algn="l">
+            <a:pPr marL="0" lvl="0" indent="0" algn="l" rtl="0">
               <a:spcBef>
                 <a:spcPts val="0"/>
               </a:spcBef>
@@ -3868,9 +3971,6 @@
               </a:spcAft>
               <a:buNone/>
             </a:pPr>
-            <a:r>
-              <a:t/>
-            </a:r>
             <a:endParaRPr/>
           </a:p>
         </p:txBody>
@@ -3899,12 +3999,12 @@
           </a:ln>
         </p:spPr>
         <p:txBody>
-          <a:bodyPr anchorCtr="0" anchor="ctr" bIns="91425" lIns="91425" spcFirstLastPara="1" rIns="91425" wrap="square" tIns="91425">
+          <a:bodyPr spcFirstLastPara="1" wrap="square" lIns="91425" tIns="91425" rIns="91425" bIns="91425" anchor="ctr" anchorCtr="0">
             <a:noAutofit/>
           </a:bodyPr>
           <a:lstStyle/>
           <a:p>
-            <a:pPr indent="0" lvl="0" marL="0" rtl="0" algn="l">
+            <a:pPr marL="0" lvl="0" indent="0" algn="l" rtl="0">
               <a:spcBef>
                 <a:spcPts val="0"/>
               </a:spcBef>
@@ -3913,9 +4013,6 @@
               </a:spcAft>
               <a:buNone/>
             </a:pPr>
-            <a:r>
-              <a:t/>
-            </a:r>
             <a:endParaRPr/>
           </a:p>
         </p:txBody>
@@ -3927,7 +4024,7 @@
           <p:nvPr/>
         </p:nvSpPr>
         <p:spPr>
-          <a:xfrm flipH="1" rot="-5400000">
+          <a:xfrm rot="-5400000" flipH="1">
             <a:off x="7757100" y="22800"/>
             <a:ext cx="1409700" cy="1364100"/>
           </a:xfrm>
@@ -3942,12 +4039,12 @@
           </a:ln>
         </p:spPr>
         <p:txBody>
-          <a:bodyPr anchorCtr="0" anchor="ctr" bIns="91425" lIns="91425" spcFirstLastPara="1" rIns="91425" wrap="square" tIns="91425">
+          <a:bodyPr spcFirstLastPara="1" wrap="square" lIns="91425" tIns="91425" rIns="91425" bIns="91425" anchor="ctr" anchorCtr="0">
             <a:noAutofit/>
           </a:bodyPr>
           <a:lstStyle/>
           <a:p>
-            <a:pPr indent="0" lvl="0" marL="0" rtl="0" algn="l">
+            <a:pPr marL="0" lvl="0" indent="0" algn="l" rtl="0">
               <a:spcBef>
                 <a:spcPts val="0"/>
               </a:spcBef>
@@ -3956,9 +4053,6 @@
               </a:spcAft>
               <a:buNone/>
             </a:pPr>
-            <a:r>
-              <a:t/>
-            </a:r>
             <a:endParaRPr/>
           </a:p>
         </p:txBody>
@@ -3966,9 +4060,11 @@
       <p:sp>
         <p:nvSpPr>
           <p:cNvPr id="45" name="Google Shape;45;p8"/>
-          <p:cNvSpPr txBox="1"/>
+          <p:cNvSpPr txBox="1">
+            <a:spLocks noGrp="1"/>
+          </p:cNvSpPr>
           <p:nvPr>
-            <p:ph idx="12" type="sldNum"/>
+            <p:ph type="sldNum" idx="12"/>
           </p:nvPr>
         </p:nvSpPr>
         <p:spPr>
@@ -3981,7 +4077,7 @@
           </a:prstGeom>
         </p:spPr>
         <p:txBody>
-          <a:bodyPr anchorCtr="0" anchor="t" bIns="91400" lIns="91400" spcFirstLastPara="1" rIns="91400" wrap="square" tIns="91400">
+          <a:bodyPr spcFirstLastPara="1" wrap="square" lIns="91400" tIns="91400" rIns="91400" bIns="91400" anchor="t" anchorCtr="0">
             <a:noAutofit/>
           </a:bodyPr>
           <a:lstStyle>
@@ -4095,7 +4191,7 @@
             </a:lvl9pPr>
           </a:lstStyle>
           <a:p>
-            <a:pPr indent="0" lvl="0" marL="0" rtl="0" algn="r">
+            <a:pPr marL="0" lvl="0" indent="0" algn="r" rtl="0">
               <a:spcBef>
                 <a:spcPts val="0"/>
               </a:spcBef>
@@ -4121,11 +4217,11 @@
 </file>
 
 <file path=ppt/slideLayouts/slideLayout8.xml><?xml version="1.0" encoding="utf-8"?>
-<p:sldLayout xmlns:a="http://schemas.openxmlformats.org/drawingml/2006/main" xmlns:r="http://schemas.openxmlformats.org/officeDocument/2006/relationships" xmlns:mc="http://schemas.openxmlformats.org/markup-compatibility/2006" xmlns:mv="urn:schemas-microsoft-com:mac:vml" xmlns:p="http://schemas.openxmlformats.org/presentationml/2006/main" xmlns:c="http://schemas.openxmlformats.org/drawingml/2006/chart" xmlns:dgm="http://schemas.openxmlformats.org/drawingml/2006/diagram" xmlns:o="urn:schemas-microsoft-com:office:office" xmlns:v="urn:schemas-microsoft-com:vml" xmlns:pvml="urn:schemas-microsoft-com:office:powerpoint" xmlns:com="http://schemas.openxmlformats.org/drawingml/2006/compatibility" xmlns:p14="http://schemas.microsoft.com/office/powerpoint/2010/main" xmlns:p15="http://schemas.microsoft.com/office/powerpoint/2012/main" xmlns:ahyp="http://schemas.microsoft.com/office/drawing/2018/hyperlinkcolor" matchingName="Closing Slide Blue">
+<p:sldLayout xmlns:a="http://schemas.openxmlformats.org/drawingml/2006/main" xmlns:r="http://schemas.openxmlformats.org/officeDocument/2006/relationships" xmlns:p="http://schemas.openxmlformats.org/presentationml/2006/main" matchingName="Closing Slide Blue">
   <p:cSld name="CUSTOM_2">
     <p:spTree>
       <p:nvGrpSpPr>
-        <p:cNvPr id="46" name="Shape 46"/>
+        <p:cNvPr id="1" name="Shape 46"/>
         <p:cNvGrpSpPr/>
         <p:nvPr/>
       </p:nvGrpSpPr>
@@ -4147,7 +4243,7 @@
           <a:blip r:embed="rId2">
             <a:alphaModFix/>
           </a:blip>
-          <a:srcRect b="0" l="0" r="0" t="0"/>
+          <a:srcRect/>
           <a:stretch/>
         </p:blipFill>
         <p:spPr>
@@ -4184,12 +4280,12 @@
           </a:ln>
         </p:spPr>
         <p:txBody>
-          <a:bodyPr anchorCtr="0" anchor="b" bIns="68575" lIns="68575" spcFirstLastPara="1" rIns="68575" wrap="square" tIns="68575">
+          <a:bodyPr spcFirstLastPara="1" wrap="square" lIns="68575" tIns="68575" rIns="68575" bIns="68575" anchor="b" anchorCtr="0">
             <a:noAutofit/>
           </a:bodyPr>
           <a:lstStyle/>
           <a:p>
-            <a:pPr indent="0" lvl="0" marL="0" rtl="0" algn="r">
+            <a:pPr marL="0" lvl="0" indent="0" algn="r" rtl="0">
               <a:spcBef>
                 <a:spcPts val="0"/>
               </a:spcBef>
@@ -4225,7 +4321,9 @@
       <p:sp>
         <p:nvSpPr>
           <p:cNvPr id="49" name="Google Shape;49;p9"/>
-          <p:cNvSpPr txBox="1"/>
+          <p:cNvSpPr txBox="1">
+            <a:spLocks noGrp="1"/>
+          </p:cNvSpPr>
           <p:nvPr>
             <p:ph type="title"/>
           </p:nvPr>
@@ -4240,7 +4338,7 @@
           </a:prstGeom>
         </p:spPr>
         <p:txBody>
-          <a:bodyPr anchorCtr="0" anchor="b" bIns="91400" lIns="91400" spcFirstLastPara="1" rIns="91400" wrap="square" tIns="91400">
+          <a:bodyPr spcFirstLastPara="1" wrap="square" lIns="91400" tIns="91400" rIns="91400" bIns="91400" anchor="b" anchorCtr="0">
             <a:noAutofit/>
           </a:bodyPr>
           <a:lstStyle>
@@ -4374,7 +4472,9 @@
               </a:defRPr>
             </a:lvl9pPr>
           </a:lstStyle>
-          <a:p/>
+          <a:p>
+            <a:endParaRPr/>
+          </a:p>
         </p:txBody>
       </p:sp>
       <p:pic>
@@ -4387,7 +4487,7 @@
           <a:blip r:embed="rId3">
             <a:alphaModFix/>
           </a:blip>
-          <a:srcRect b="109" l="0" r="0" t="109"/>
+          <a:srcRect t="109" b="109"/>
           <a:stretch/>
         </p:blipFill>
         <p:spPr>
@@ -4407,9 +4507,11 @@
       <p:sp>
         <p:nvSpPr>
           <p:cNvPr id="51" name="Google Shape;51;p9"/>
-          <p:cNvSpPr txBox="1"/>
+          <p:cNvSpPr txBox="1">
+            <a:spLocks noGrp="1"/>
+          </p:cNvSpPr>
           <p:nvPr>
-            <p:ph idx="12" type="sldNum"/>
+            <p:ph type="sldNum" idx="12"/>
           </p:nvPr>
         </p:nvSpPr>
         <p:spPr>
@@ -4422,7 +4524,7 @@
           </a:prstGeom>
         </p:spPr>
         <p:txBody>
-          <a:bodyPr anchorCtr="0" anchor="t" bIns="91400" lIns="91400" spcFirstLastPara="1" rIns="91400" wrap="square" tIns="91400">
+          <a:bodyPr spcFirstLastPara="1" wrap="square" lIns="91400" tIns="91400" rIns="91400" bIns="91400" anchor="t" anchorCtr="0">
             <a:noAutofit/>
           </a:bodyPr>
           <a:lstStyle>
@@ -4536,7 +4638,7 @@
             </a:lvl9pPr>
           </a:lstStyle>
           <a:p>
-            <a:pPr indent="0" lvl="0" marL="0" rtl="0" algn="r">
+            <a:pPr marL="0" lvl="0" indent="0" algn="r" rtl="0">
               <a:spcBef>
                 <a:spcPts val="0"/>
               </a:spcBef>
@@ -4590,11 +4692,11 @@
 </file>
 
 <file path=ppt/slideLayouts/slideLayout9.xml><?xml version="1.0" encoding="utf-8"?>
-<p:sldLayout xmlns:a="http://schemas.openxmlformats.org/drawingml/2006/main" xmlns:r="http://schemas.openxmlformats.org/officeDocument/2006/relationships" xmlns:mc="http://schemas.openxmlformats.org/markup-compatibility/2006" xmlns:mv="urn:schemas-microsoft-com:mac:vml" xmlns:p="http://schemas.openxmlformats.org/presentationml/2006/main" xmlns:c="http://schemas.openxmlformats.org/drawingml/2006/chart" xmlns:dgm="http://schemas.openxmlformats.org/drawingml/2006/diagram" xmlns:o="urn:schemas-microsoft-com:office:office" xmlns:v="urn:schemas-microsoft-com:vml" xmlns:pvml="urn:schemas-microsoft-com:office:powerpoint" xmlns:com="http://schemas.openxmlformats.org/drawingml/2006/compatibility" xmlns:p14="http://schemas.microsoft.com/office/powerpoint/2010/main" xmlns:p15="http://schemas.microsoft.com/office/powerpoint/2012/main" xmlns:ahyp="http://schemas.microsoft.com/office/drawing/2018/hyperlinkcolor" matchingName="Content with Side Bar">
+<p:sldLayout xmlns:a="http://schemas.openxmlformats.org/drawingml/2006/main" xmlns:r="http://schemas.openxmlformats.org/officeDocument/2006/relationships" xmlns:p="http://schemas.openxmlformats.org/presentationml/2006/main" matchingName="Content with Side Bar">
   <p:cSld name="TITLE_AND_TWO_COLUMNS_1">
     <p:spTree>
       <p:nvGrpSpPr>
-        <p:cNvPr id="53" name="Shape 53"/>
+        <p:cNvPr id="1" name="Shape 53"/>
         <p:cNvGrpSpPr/>
         <p:nvPr/>
       </p:nvGrpSpPr>
@@ -4628,12 +4730,12 @@
           </a:ln>
         </p:spPr>
         <p:txBody>
-          <a:bodyPr anchorCtr="0" anchor="ctr" bIns="34275" lIns="68575" spcFirstLastPara="1" rIns="68575" wrap="square" tIns="34275">
+          <a:bodyPr spcFirstLastPara="1" wrap="square" lIns="68575" tIns="34275" rIns="68575" bIns="34275" anchor="ctr" anchorCtr="0">
             <a:noAutofit/>
           </a:bodyPr>
           <a:lstStyle/>
           <a:p>
-            <a:pPr indent="0" lvl="0" marL="0" marR="0" rtl="0" algn="ctr">
+            <a:pPr marL="0" marR="0" lvl="0" indent="0" algn="ctr" rtl="0">
               <a:spcBef>
                 <a:spcPts val="0"/>
               </a:spcBef>
@@ -4642,10 +4744,7 @@
               </a:spcAft>
               <a:buNone/>
             </a:pPr>
-            <a:r>
-              <a:t/>
-            </a:r>
-            <a:endParaRPr i="0" sz="1400" u="none" cap="none" strike="noStrike">
+            <a:endParaRPr sz="1400" i="0" u="none" strike="noStrike" cap="none">
               <a:solidFill>
                 <a:srgbClr val="FFFFFF"/>
               </a:solidFill>
@@ -4660,7 +4759,9 @@
       <p:sp>
         <p:nvSpPr>
           <p:cNvPr id="55" name="Google Shape;55;p10"/>
-          <p:cNvSpPr txBox="1"/>
+          <p:cNvSpPr txBox="1">
+            <a:spLocks noGrp="1"/>
+          </p:cNvSpPr>
           <p:nvPr>
             <p:ph type="title"/>
           </p:nvPr>
@@ -4675,7 +4776,7 @@
           </a:prstGeom>
         </p:spPr>
         <p:txBody>
-          <a:bodyPr anchorCtr="0" anchor="t" bIns="91400" lIns="91400" spcFirstLastPara="1" rIns="91400" wrap="square" tIns="91400">
+          <a:bodyPr spcFirstLastPara="1" wrap="square" lIns="91400" tIns="91400" rIns="91400" bIns="91400" anchor="t" anchorCtr="0">
             <a:noAutofit/>
           </a:bodyPr>
           <a:lstStyle>
@@ -4779,15 +4880,19 @@
               <a:defRPr/>
             </a:lvl9pPr>
           </a:lstStyle>
-          <a:p/>
+          <a:p>
+            <a:endParaRPr/>
+          </a:p>
         </p:txBody>
       </p:sp>
       <p:sp>
         <p:nvSpPr>
           <p:cNvPr id="56" name="Google Shape;56;p10"/>
-          <p:cNvSpPr txBox="1"/>
+          <p:cNvSpPr txBox="1">
+            <a:spLocks noGrp="1"/>
+          </p:cNvSpPr>
           <p:nvPr>
-            <p:ph idx="1" type="body"/>
+            <p:ph type="body" idx="1"/>
           </p:nvPr>
         </p:nvSpPr>
         <p:spPr>
@@ -4800,11 +4905,11 @@
           </a:prstGeom>
         </p:spPr>
         <p:txBody>
-          <a:bodyPr anchorCtr="0" anchor="t" bIns="91400" lIns="91400" spcFirstLastPara="1" rIns="91400" wrap="square" tIns="91400">
+          <a:bodyPr spcFirstLastPara="1" wrap="square" lIns="91400" tIns="91400" rIns="91400" bIns="91400" anchor="t" anchorCtr="0">
             <a:noAutofit/>
           </a:bodyPr>
           <a:lstStyle>
-            <a:lvl1pPr indent="-323850" lvl="0" marL="457200" rtl="0">
+            <a:lvl1pPr marL="457200" lvl="0" indent="-323850" rtl="0">
               <a:spcBef>
                 <a:spcPts val="0"/>
               </a:spcBef>
@@ -4815,7 +4920,7 @@
               <a:buChar char="●"/>
               <a:defRPr/>
             </a:lvl1pPr>
-            <a:lvl2pPr indent="-317500" lvl="1" marL="914400" rtl="0">
+            <a:lvl2pPr marL="914400" lvl="1" indent="-317500" rtl="0">
               <a:spcBef>
                 <a:spcPts val="800"/>
               </a:spcBef>
@@ -4826,7 +4931,7 @@
               <a:buChar char="○"/>
               <a:defRPr/>
             </a:lvl2pPr>
-            <a:lvl3pPr indent="-298450" lvl="2" marL="1371600" rtl="0">
+            <a:lvl3pPr marL="1371600" lvl="2" indent="-298450" rtl="0">
               <a:spcBef>
                 <a:spcPts val="800"/>
               </a:spcBef>
@@ -4837,7 +4942,7 @@
               <a:buChar char="■"/>
               <a:defRPr/>
             </a:lvl3pPr>
-            <a:lvl4pPr indent="-285750" lvl="3" marL="1828800" rtl="0">
+            <a:lvl4pPr marL="1828800" lvl="3" indent="-285750" rtl="0">
               <a:spcBef>
                 <a:spcPts val="800"/>
               </a:spcBef>
@@ -4848,7 +4953,7 @@
               <a:buChar char="●"/>
               <a:defRPr/>
             </a:lvl4pPr>
-            <a:lvl5pPr indent="-285750" lvl="4" marL="2286000" rtl="0">
+            <a:lvl5pPr marL="2286000" lvl="4" indent="-285750" rtl="0">
               <a:spcBef>
                 <a:spcPts val="800"/>
               </a:spcBef>
@@ -4859,7 +4964,7 @@
               <a:buChar char="○"/>
               <a:defRPr/>
             </a:lvl5pPr>
-            <a:lvl6pPr indent="-285750" lvl="5" marL="2743200" rtl="0">
+            <a:lvl6pPr marL="2743200" lvl="5" indent="-285750" rtl="0">
               <a:spcBef>
                 <a:spcPts val="800"/>
               </a:spcBef>
@@ -4870,7 +4975,7 @@
               <a:buChar char="■"/>
               <a:defRPr/>
             </a:lvl6pPr>
-            <a:lvl7pPr indent="-285750" lvl="6" marL="3200400" rtl="0">
+            <a:lvl7pPr marL="3200400" lvl="6" indent="-285750" rtl="0">
               <a:spcBef>
                 <a:spcPts val="800"/>
               </a:spcBef>
@@ -4881,7 +4986,7 @@
               <a:buChar char="●"/>
               <a:defRPr/>
             </a:lvl7pPr>
-            <a:lvl8pPr indent="-285750" lvl="7" marL="3657600" rtl="0">
+            <a:lvl8pPr marL="3657600" lvl="7" indent="-285750" rtl="0">
               <a:spcBef>
                 <a:spcPts val="800"/>
               </a:spcBef>
@@ -4892,7 +4997,7 @@
               <a:buChar char="○"/>
               <a:defRPr/>
             </a:lvl8pPr>
-            <a:lvl9pPr indent="-285750" lvl="8" marL="4114800" rtl="0">
+            <a:lvl9pPr marL="4114800" lvl="8" indent="-285750" rtl="0">
               <a:spcBef>
                 <a:spcPts val="800"/>
               </a:spcBef>
@@ -4904,15 +5009,19 @@
               <a:defRPr/>
             </a:lvl9pPr>
           </a:lstStyle>
-          <a:p/>
+          <a:p>
+            <a:endParaRPr/>
+          </a:p>
         </p:txBody>
       </p:sp>
       <p:sp>
         <p:nvSpPr>
           <p:cNvPr id="57" name="Google Shape;57;p10"/>
-          <p:cNvSpPr txBox="1"/>
+          <p:cNvSpPr txBox="1">
+            <a:spLocks noGrp="1"/>
+          </p:cNvSpPr>
           <p:nvPr>
-            <p:ph idx="2" type="body"/>
+            <p:ph type="body" idx="2"/>
           </p:nvPr>
         </p:nvSpPr>
         <p:spPr>
@@ -4925,11 +5034,11 @@
           </a:prstGeom>
         </p:spPr>
         <p:txBody>
-          <a:bodyPr anchorCtr="0" anchor="t" bIns="91400" lIns="91400" spcFirstLastPara="1" rIns="91400" wrap="square" tIns="91400">
+          <a:bodyPr spcFirstLastPara="1" wrap="square" lIns="91400" tIns="91400" rIns="91400" bIns="91400" anchor="t" anchorCtr="0">
             <a:noAutofit/>
           </a:bodyPr>
           <a:lstStyle>
-            <a:lvl1pPr indent="-304800" lvl="0" marL="457200" rtl="0">
+            <a:lvl1pPr marL="457200" lvl="0" indent="-304800" rtl="0">
               <a:spcBef>
                 <a:spcPts val="0"/>
               </a:spcBef>
@@ -4947,7 +5056,7 @@
                 </a:solidFill>
               </a:defRPr>
             </a:lvl1pPr>
-            <a:lvl2pPr indent="-304800" lvl="1" marL="914400" rtl="0">
+            <a:lvl2pPr marL="914400" lvl="1" indent="-304800" rtl="0">
               <a:spcBef>
                 <a:spcPts val="1000"/>
               </a:spcBef>
@@ -4965,7 +5074,7 @@
                 </a:solidFill>
               </a:defRPr>
             </a:lvl2pPr>
-            <a:lvl3pPr indent="-304800" lvl="2" marL="1371600" rtl="0">
+            <a:lvl3pPr marL="1371600" lvl="2" indent="-304800" rtl="0">
               <a:spcBef>
                 <a:spcPts val="1000"/>
               </a:spcBef>
@@ -4983,7 +5092,7 @@
                 </a:solidFill>
               </a:defRPr>
             </a:lvl3pPr>
-            <a:lvl4pPr indent="-304800" lvl="3" marL="1828800" rtl="0">
+            <a:lvl4pPr marL="1828800" lvl="3" indent="-304800" rtl="0">
               <a:spcBef>
                 <a:spcPts val="1000"/>
               </a:spcBef>
@@ -5001,7 +5110,7 @@
                 </a:solidFill>
               </a:defRPr>
             </a:lvl4pPr>
-            <a:lvl5pPr indent="-304800" lvl="4" marL="2286000" rtl="0">
+            <a:lvl5pPr marL="2286000" lvl="4" indent="-304800" rtl="0">
               <a:spcBef>
                 <a:spcPts val="1000"/>
               </a:spcBef>
@@ -5019,7 +5128,7 @@
                 </a:solidFill>
               </a:defRPr>
             </a:lvl5pPr>
-            <a:lvl6pPr indent="-304800" lvl="5" marL="2743200" rtl="0">
+            <a:lvl6pPr marL="2743200" lvl="5" indent="-304800" rtl="0">
               <a:spcBef>
                 <a:spcPts val="1000"/>
               </a:spcBef>
@@ -5037,7 +5146,7 @@
                 </a:solidFill>
               </a:defRPr>
             </a:lvl6pPr>
-            <a:lvl7pPr indent="-304800" lvl="6" marL="3200400" rtl="0">
+            <a:lvl7pPr marL="3200400" lvl="6" indent="-304800" rtl="0">
               <a:spcBef>
                 <a:spcPts val="1000"/>
               </a:spcBef>
@@ -5055,7 +5164,7 @@
                 </a:solidFill>
               </a:defRPr>
             </a:lvl7pPr>
-            <a:lvl8pPr indent="-304800" lvl="7" marL="3657600" rtl="0">
+            <a:lvl8pPr marL="3657600" lvl="7" indent="-304800" rtl="0">
               <a:spcBef>
                 <a:spcPts val="1000"/>
               </a:spcBef>
@@ -5073,7 +5182,7 @@
                 </a:solidFill>
               </a:defRPr>
             </a:lvl8pPr>
-            <a:lvl9pPr indent="-304800" lvl="8" marL="4114800" rtl="0">
+            <a:lvl9pPr marL="4114800" lvl="8" indent="-304800" rtl="0">
               <a:spcBef>
                 <a:spcPts val="1000"/>
               </a:spcBef>
@@ -5092,15 +5201,19 @@
               </a:defRPr>
             </a:lvl9pPr>
           </a:lstStyle>
-          <a:p/>
+          <a:p>
+            <a:endParaRPr/>
+          </a:p>
         </p:txBody>
       </p:sp>
       <p:sp>
         <p:nvSpPr>
           <p:cNvPr id="58" name="Google Shape;58;p10"/>
-          <p:cNvSpPr txBox="1"/>
+          <p:cNvSpPr txBox="1">
+            <a:spLocks noGrp="1"/>
+          </p:cNvSpPr>
           <p:nvPr>
-            <p:ph idx="12" type="sldNum"/>
+            <p:ph type="sldNum" idx="12"/>
           </p:nvPr>
         </p:nvSpPr>
         <p:spPr>
@@ -5113,7 +5226,7 @@
           </a:prstGeom>
         </p:spPr>
         <p:txBody>
-          <a:bodyPr anchorCtr="0" anchor="ctr" bIns="91400" lIns="91400" spcFirstLastPara="1" rIns="91400" wrap="square" tIns="91400">
+          <a:bodyPr spcFirstLastPara="1" wrap="square" lIns="91400" tIns="91400" rIns="91400" bIns="91400" anchor="ctr" anchorCtr="0">
             <a:noAutofit/>
           </a:bodyPr>
           <a:lstStyle>
@@ -5155,7 +5268,7 @@
             </a:lvl9pPr>
           </a:lstStyle>
           <a:p>
-            <a:pPr indent="0" lvl="0" marL="0" rtl="0" algn="r">
+            <a:pPr marL="0" lvl="0" indent="0" algn="r" rtl="0">
               <a:spcBef>
                 <a:spcPts val="0"/>
               </a:spcBef>
@@ -5175,9 +5288,11 @@
       <p:sp>
         <p:nvSpPr>
           <p:cNvPr id="59" name="Google Shape;59;p10"/>
-          <p:cNvSpPr txBox="1"/>
+          <p:cNvSpPr txBox="1">
+            <a:spLocks noGrp="1"/>
+          </p:cNvSpPr>
           <p:nvPr>
-            <p:ph idx="3" type="subTitle"/>
+            <p:ph type="subTitle" idx="3"/>
           </p:nvPr>
         </p:nvSpPr>
         <p:spPr>
@@ -5190,7 +5305,7 @@
           </a:prstGeom>
         </p:spPr>
         <p:txBody>
-          <a:bodyPr anchorCtr="0" anchor="t" bIns="91400" lIns="91400" spcFirstLastPara="1" rIns="91400" wrap="square" tIns="91400">
+          <a:bodyPr spcFirstLastPara="1" wrap="square" lIns="91400" tIns="91400" rIns="91400" bIns="91400" anchor="t" anchorCtr="0">
             <a:noAutofit/>
           </a:bodyPr>
           <a:lstStyle>
@@ -5202,7 +5317,7 @@
                 <a:spcPts val="0"/>
               </a:spcAft>
               <a:buNone/>
-              <a:defRPr b="1" sz="1200">
+              <a:defRPr sz="1200" b="1">
                 <a:solidFill>
                   <a:srgbClr val="FFFFFF"/>
                 </a:solidFill>
@@ -5220,7 +5335,7 @@
                 <a:spcPts val="0"/>
               </a:spcAft>
               <a:buNone/>
-              <a:defRPr b="1" sz="1200">
+              <a:defRPr sz="1200" b="1">
                 <a:solidFill>
                   <a:srgbClr val="FFFFFF"/>
                 </a:solidFill>
@@ -5238,7 +5353,7 @@
                 <a:spcPts val="0"/>
               </a:spcAft>
               <a:buNone/>
-              <a:defRPr b="1" sz="1200">
+              <a:defRPr sz="1200" b="1">
                 <a:solidFill>
                   <a:srgbClr val="FFFFFF"/>
                 </a:solidFill>
@@ -5256,7 +5371,7 @@
                 <a:spcPts val="0"/>
               </a:spcAft>
               <a:buNone/>
-              <a:defRPr b="1" sz="1200">
+              <a:defRPr sz="1200" b="1">
                 <a:solidFill>
                   <a:srgbClr val="FFFFFF"/>
                 </a:solidFill>
@@ -5274,7 +5389,7 @@
                 <a:spcPts val="0"/>
               </a:spcAft>
               <a:buNone/>
-              <a:defRPr b="1" sz="1200">
+              <a:defRPr sz="1200" b="1">
                 <a:solidFill>
                   <a:srgbClr val="FFFFFF"/>
                 </a:solidFill>
@@ -5292,7 +5407,7 @@
                 <a:spcPts val="0"/>
               </a:spcAft>
               <a:buNone/>
-              <a:defRPr b="1" sz="1200">
+              <a:defRPr sz="1200" b="1">
                 <a:solidFill>
                   <a:srgbClr val="FFFFFF"/>
                 </a:solidFill>
@@ -5310,7 +5425,7 @@
                 <a:spcPts val="0"/>
               </a:spcAft>
               <a:buNone/>
-              <a:defRPr b="1" sz="1200">
+              <a:defRPr sz="1200" b="1">
                 <a:solidFill>
                   <a:srgbClr val="FFFFFF"/>
                 </a:solidFill>
@@ -5328,7 +5443,7 @@
                 <a:spcPts val="0"/>
               </a:spcAft>
               <a:buNone/>
-              <a:defRPr b="1" sz="1200">
+              <a:defRPr sz="1200" b="1">
                 <a:solidFill>
                   <a:srgbClr val="FFFFFF"/>
                 </a:solidFill>
@@ -5346,7 +5461,7 @@
                 <a:spcPts val="800"/>
               </a:spcAft>
               <a:buNone/>
-              <a:defRPr b="1" sz="1200">
+              <a:defRPr sz="1200" b="1">
                 <a:solidFill>
                   <a:srgbClr val="FFFFFF"/>
                 </a:solidFill>
@@ -5357,7 +5472,9 @@
               </a:defRPr>
             </a:lvl9pPr>
           </a:lstStyle>
-          <a:p/>
+          <a:p>
+            <a:endParaRPr/>
+          </a:p>
         </p:txBody>
       </p:sp>
     </p:spTree>
@@ -5369,18 +5486,19 @@
 </file>
 
 <file path=ppt/slideMasters/slideMaster1.xml><?xml version="1.0" encoding="utf-8"?>
-<p:sldMaster xmlns:a="http://schemas.openxmlformats.org/drawingml/2006/main" xmlns:r="http://schemas.openxmlformats.org/officeDocument/2006/relationships" xmlns:mc="http://schemas.openxmlformats.org/markup-compatibility/2006" xmlns:mv="urn:schemas-microsoft-com:mac:vml" xmlns:p="http://schemas.openxmlformats.org/presentationml/2006/main" xmlns:c="http://schemas.openxmlformats.org/drawingml/2006/chart" xmlns:dgm="http://schemas.openxmlformats.org/drawingml/2006/diagram" xmlns:o="urn:schemas-microsoft-com:office:office" xmlns:v="urn:schemas-microsoft-com:vml" xmlns:pvml="urn:schemas-microsoft-com:office:powerpoint" xmlns:com="http://schemas.openxmlformats.org/drawingml/2006/compatibility" xmlns:p14="http://schemas.microsoft.com/office/powerpoint/2010/main" xmlns:p15="http://schemas.microsoft.com/office/powerpoint/2012/main" xmlns:ahyp="http://schemas.microsoft.com/office/drawing/2018/hyperlinkcolor">
+<p:sldMaster xmlns:a="http://schemas.openxmlformats.org/drawingml/2006/main" xmlns:r="http://schemas.openxmlformats.org/officeDocument/2006/relationships" xmlns:p="http://schemas.openxmlformats.org/presentationml/2006/main">
   <p:cSld name="simple-light-2">
     <p:bg>
       <p:bgPr>
         <a:solidFill>
           <a:schemeClr val="lt1"/>
         </a:solidFill>
+        <a:effectLst/>
       </p:bgPr>
     </p:bg>
     <p:spTree>
       <p:nvGrpSpPr>
-        <p:cNvPr id="5" name="Shape 5"/>
+        <p:cNvPr id="1" name="Shape 5"/>
         <p:cNvGrpSpPr/>
         <p:nvPr/>
       </p:nvGrpSpPr>
@@ -5414,12 +5532,12 @@
           </a:ln>
         </p:spPr>
         <p:txBody>
-          <a:bodyPr anchorCtr="0" anchor="ctr" bIns="91425" lIns="91425" spcFirstLastPara="1" rIns="91425" wrap="square" tIns="91425">
+          <a:bodyPr spcFirstLastPara="1" wrap="square" lIns="91425" tIns="91425" rIns="91425" bIns="91425" anchor="ctr" anchorCtr="0">
             <a:noAutofit/>
           </a:bodyPr>
           <a:lstStyle/>
           <a:p>
-            <a:pPr indent="0" lvl="0" marL="0" rtl="0" algn="l">
+            <a:pPr marL="0" lvl="0" indent="0" algn="l" rtl="0">
               <a:spcBef>
                 <a:spcPts val="0"/>
               </a:spcBef>
@@ -5428,9 +5546,6 @@
               </a:spcAft>
               <a:buNone/>
             </a:pPr>
-            <a:r>
-              <a:t/>
-            </a:r>
             <a:endParaRPr>
               <a:solidFill>
                 <a:srgbClr val="888888"/>
@@ -5459,12 +5574,12 @@
           </a:ln>
         </p:spPr>
         <p:txBody>
-          <a:bodyPr anchorCtr="0" anchor="t" bIns="0" lIns="0" spcFirstLastPara="1" rIns="0" wrap="square" tIns="0">
+          <a:bodyPr spcFirstLastPara="1" wrap="square" lIns="0" tIns="0" rIns="0" bIns="0" anchor="t" anchorCtr="0">
             <a:noAutofit/>
           </a:bodyPr>
           <a:lstStyle/>
           <a:p>
-            <a:pPr indent="0" lvl="0" marL="0" marR="0" rtl="0" algn="r">
+            <a:pPr marL="0" marR="0" lvl="0" indent="0" algn="r" rtl="0">
               <a:spcBef>
                 <a:spcPts val="0"/>
               </a:spcBef>
@@ -5486,7 +5601,7 @@
               <a:t>finos.</a:t>
             </a:r>
             <a:r>
-              <a:rPr b="0" i="0" lang="en" sz="800" u="none" cap="none" strike="noStrike">
+              <a:rPr lang="en" sz="800" b="0" i="0" u="none" strike="noStrike" cap="none">
                 <a:solidFill>
                   <a:srgbClr val="FFFFFF"/>
                 </a:solidFill>
@@ -5497,7 +5612,7 @@
               </a:rPr>
               <a:t>org</a:t>
             </a:r>
-            <a:endParaRPr b="0" i="0" sz="800" u="none" cap="none" strike="noStrike">
+            <a:endParaRPr sz="800" b="0" i="0" u="none" strike="noStrike" cap="none">
               <a:solidFill>
                 <a:srgbClr val="FFFFFF"/>
               </a:solidFill>
@@ -5529,12 +5644,12 @@
           </a:ln>
         </p:spPr>
         <p:txBody>
-          <a:bodyPr anchorCtr="0" anchor="t" bIns="0" lIns="0" spcFirstLastPara="1" rIns="0" wrap="square" tIns="0">
+          <a:bodyPr spcFirstLastPara="1" wrap="square" lIns="0" tIns="0" rIns="0" bIns="0" anchor="t" anchorCtr="0">
             <a:noAutofit/>
           </a:bodyPr>
           <a:lstStyle/>
           <a:p>
-            <a:pPr indent="0" lvl="0" marL="0" marR="0" rtl="0" algn="l">
+            <a:pPr marL="0" marR="0" lvl="0" indent="0" algn="l" rtl="0">
               <a:spcBef>
                 <a:spcPts val="0"/>
               </a:spcBef>
@@ -5544,7 +5659,7 @@
               <a:buNone/>
             </a:pPr>
             <a:r>
-              <a:rPr b="0" i="0" lang="en" sz="800" u="none" cap="none" strike="noStrike">
+              <a:rPr lang="en" sz="800" b="0" i="0" u="none" strike="noStrike" cap="none">
                 <a:solidFill>
                   <a:srgbClr val="FFFFFF"/>
                 </a:solidFill>
@@ -5555,7 +5670,7 @@
               </a:rPr>
               <a:t>Fintech Open Source Foundation</a:t>
             </a:r>
-            <a:endParaRPr b="0" i="0" sz="800" u="none" cap="none" strike="noStrike">
+            <a:endParaRPr sz="800" b="0" i="0" u="none" strike="noStrike" cap="none">
               <a:solidFill>
                 <a:srgbClr val="FFFFFF"/>
               </a:solidFill>
@@ -5574,10 +5689,10 @@
           <p:nvPr/>
         </p:nvPicPr>
         <p:blipFill rotWithShape="1">
-          <a:blip r:embed="rId1">
+          <a:blip r:embed="rId11">
             <a:alphaModFix/>
           </a:blip>
-          <a:srcRect b="72172" l="0" r="0" t="0"/>
+          <a:srcRect b="72172"/>
           <a:stretch/>
         </p:blipFill>
         <p:spPr>
@@ -5597,7 +5712,9 @@
       <p:sp>
         <p:nvSpPr>
           <p:cNvPr id="10" name="Google Shape;10;p1"/>
-          <p:cNvSpPr txBox="1"/>
+          <p:cNvSpPr txBox="1">
+            <a:spLocks noGrp="1"/>
+          </p:cNvSpPr>
           <p:nvPr>
             <p:ph type="title"/>
           </p:nvPr>
@@ -5616,7 +5733,7 @@
           </a:ln>
         </p:spPr>
         <p:txBody>
-          <a:bodyPr anchorCtr="0" anchor="t" bIns="91400" lIns="91400" spcFirstLastPara="1" rIns="91400" wrap="square" tIns="91400">
+          <a:bodyPr spcFirstLastPara="1" wrap="square" lIns="91400" tIns="91400" rIns="91400" bIns="91400" anchor="t" anchorCtr="0">
             <a:noAutofit/>
           </a:bodyPr>
           <a:lstStyle>
@@ -5788,15 +5905,19 @@
               </a:defRPr>
             </a:lvl9pPr>
           </a:lstStyle>
-          <a:p/>
+          <a:p>
+            <a:endParaRPr/>
+          </a:p>
         </p:txBody>
       </p:sp>
       <p:sp>
         <p:nvSpPr>
           <p:cNvPr id="11" name="Google Shape;11;p1"/>
-          <p:cNvSpPr txBox="1"/>
+          <p:cNvSpPr txBox="1">
+            <a:spLocks noGrp="1"/>
+          </p:cNvSpPr>
           <p:nvPr>
-            <p:ph idx="1" type="body"/>
+            <p:ph type="body" idx="1"/>
           </p:nvPr>
         </p:nvSpPr>
         <p:spPr>
@@ -5813,11 +5934,11 @@
           </a:ln>
         </p:spPr>
         <p:txBody>
-          <a:bodyPr anchorCtr="0" anchor="t" bIns="91400" lIns="91400" spcFirstLastPara="1" rIns="91400" wrap="square" tIns="91400">
+          <a:bodyPr spcFirstLastPara="1" wrap="square" lIns="91400" tIns="91400" rIns="91400" bIns="91400" anchor="t" anchorCtr="0">
             <a:noAutofit/>
           </a:bodyPr>
           <a:lstStyle>
-            <a:lvl1pPr indent="-323850" lvl="0" marL="457200" rtl="0">
+            <a:lvl1pPr marL="457200" lvl="0" indent="-323850" rtl="0">
               <a:lnSpc>
                 <a:spcPct val="112000"/>
               </a:lnSpc>
@@ -5843,7 +5964,7 @@
                 <a:sym typeface="Montserrat Light"/>
               </a:defRPr>
             </a:lvl1pPr>
-            <a:lvl2pPr indent="-317500" lvl="1" marL="914400" rtl="0">
+            <a:lvl2pPr marL="914400" lvl="1" indent="-317500" rtl="0">
               <a:lnSpc>
                 <a:spcPct val="112000"/>
               </a:lnSpc>
@@ -5869,7 +5990,7 @@
                 <a:sym typeface="Montserrat Light"/>
               </a:defRPr>
             </a:lvl2pPr>
-            <a:lvl3pPr indent="-298450" lvl="2" marL="1371600" rtl="0">
+            <a:lvl3pPr marL="1371600" lvl="2" indent="-298450" rtl="0">
               <a:lnSpc>
                 <a:spcPct val="112000"/>
               </a:lnSpc>
@@ -5895,7 +6016,7 @@
                 <a:sym typeface="Montserrat Light"/>
               </a:defRPr>
             </a:lvl3pPr>
-            <a:lvl4pPr indent="-285750" lvl="3" marL="1828800" rtl="0">
+            <a:lvl4pPr marL="1828800" lvl="3" indent="-285750" rtl="0">
               <a:lnSpc>
                 <a:spcPct val="112000"/>
               </a:lnSpc>
@@ -5921,7 +6042,7 @@
                 <a:sym typeface="Montserrat Light"/>
               </a:defRPr>
             </a:lvl4pPr>
-            <a:lvl5pPr indent="-285750" lvl="4" marL="2286000" rtl="0">
+            <a:lvl5pPr marL="2286000" lvl="4" indent="-285750" rtl="0">
               <a:lnSpc>
                 <a:spcPct val="112000"/>
               </a:lnSpc>
@@ -5947,7 +6068,7 @@
                 <a:sym typeface="Montserrat Light"/>
               </a:defRPr>
             </a:lvl5pPr>
-            <a:lvl6pPr indent="-285750" lvl="5" marL="2743200" rtl="0">
+            <a:lvl6pPr marL="2743200" lvl="5" indent="-285750" rtl="0">
               <a:lnSpc>
                 <a:spcPct val="112000"/>
               </a:lnSpc>
@@ -5973,7 +6094,7 @@
                 <a:sym typeface="Montserrat Light"/>
               </a:defRPr>
             </a:lvl6pPr>
-            <a:lvl7pPr indent="-285750" lvl="6" marL="3200400" rtl="0">
+            <a:lvl7pPr marL="3200400" lvl="6" indent="-285750" rtl="0">
               <a:lnSpc>
                 <a:spcPct val="112000"/>
               </a:lnSpc>
@@ -5999,7 +6120,7 @@
                 <a:sym typeface="Montserrat Light"/>
               </a:defRPr>
             </a:lvl7pPr>
-            <a:lvl8pPr indent="-285750" lvl="7" marL="3657600" rtl="0">
+            <a:lvl8pPr marL="3657600" lvl="7" indent="-285750" rtl="0">
               <a:lnSpc>
                 <a:spcPct val="112000"/>
               </a:lnSpc>
@@ -6025,7 +6146,7 @@
                 <a:sym typeface="Montserrat Light"/>
               </a:defRPr>
             </a:lvl8pPr>
-            <a:lvl9pPr indent="-285750" lvl="8" marL="4114800" rtl="0">
+            <a:lvl9pPr marL="4114800" lvl="8" indent="-285750" rtl="0">
               <a:lnSpc>
                 <a:spcPct val="112000"/>
               </a:lnSpc>
@@ -6052,15 +6173,19 @@
               </a:defRPr>
             </a:lvl9pPr>
           </a:lstStyle>
-          <a:p/>
+          <a:p>
+            <a:endParaRPr/>
+          </a:p>
         </p:txBody>
       </p:sp>
       <p:sp>
         <p:nvSpPr>
           <p:cNvPr id="12" name="Google Shape;12;p1"/>
-          <p:cNvSpPr txBox="1"/>
+          <p:cNvSpPr txBox="1">
+            <a:spLocks noGrp="1"/>
+          </p:cNvSpPr>
           <p:nvPr>
-            <p:ph idx="12" type="sldNum"/>
+            <p:ph type="sldNum" idx="12"/>
           </p:nvPr>
         </p:nvSpPr>
         <p:spPr>
@@ -6077,11 +6202,11 @@
           </a:ln>
         </p:spPr>
         <p:txBody>
-          <a:bodyPr anchorCtr="0" anchor="ctr" bIns="91400" lIns="91400" spcFirstLastPara="1" rIns="91400" wrap="square" tIns="91400">
+          <a:bodyPr spcFirstLastPara="1" wrap="square" lIns="91400" tIns="91400" rIns="91400" bIns="91400" anchor="ctr" anchorCtr="0">
             <a:noAutofit/>
           </a:bodyPr>
           <a:lstStyle>
-            <a:lvl1pPr lvl="0" rtl="0" algn="r">
+            <a:lvl1pPr lvl="0" algn="r" rtl="0">
               <a:buNone/>
               <a:defRPr sz="800">
                 <a:solidFill>
@@ -6093,7 +6218,7 @@
                 <a:sym typeface="Montserrat Medium"/>
               </a:defRPr>
             </a:lvl1pPr>
-            <a:lvl2pPr lvl="1" rtl="0" algn="r">
+            <a:lvl2pPr lvl="1" algn="r" rtl="0">
               <a:buNone/>
               <a:defRPr sz="800">
                 <a:solidFill>
@@ -6105,7 +6230,7 @@
                 <a:sym typeface="Montserrat Medium"/>
               </a:defRPr>
             </a:lvl2pPr>
-            <a:lvl3pPr lvl="2" rtl="0" algn="r">
+            <a:lvl3pPr lvl="2" algn="r" rtl="0">
               <a:buNone/>
               <a:defRPr sz="800">
                 <a:solidFill>
@@ -6117,7 +6242,7 @@
                 <a:sym typeface="Montserrat Medium"/>
               </a:defRPr>
             </a:lvl3pPr>
-            <a:lvl4pPr lvl="3" rtl="0" algn="r">
+            <a:lvl4pPr lvl="3" algn="r" rtl="0">
               <a:buNone/>
               <a:defRPr sz="800">
                 <a:solidFill>
@@ -6129,7 +6254,7 @@
                 <a:sym typeface="Montserrat Medium"/>
               </a:defRPr>
             </a:lvl4pPr>
-            <a:lvl5pPr lvl="4" rtl="0" algn="r">
+            <a:lvl5pPr lvl="4" algn="r" rtl="0">
               <a:buNone/>
               <a:defRPr sz="800">
                 <a:solidFill>
@@ -6141,7 +6266,7 @@
                 <a:sym typeface="Montserrat Medium"/>
               </a:defRPr>
             </a:lvl5pPr>
-            <a:lvl6pPr lvl="5" rtl="0" algn="r">
+            <a:lvl6pPr lvl="5" algn="r" rtl="0">
               <a:buNone/>
               <a:defRPr sz="800">
                 <a:solidFill>
@@ -6153,7 +6278,7 @@
                 <a:sym typeface="Montserrat Medium"/>
               </a:defRPr>
             </a:lvl6pPr>
-            <a:lvl7pPr lvl="6" rtl="0" algn="r">
+            <a:lvl7pPr lvl="6" algn="r" rtl="0">
               <a:buNone/>
               <a:defRPr sz="800">
                 <a:solidFill>
@@ -6165,7 +6290,7 @@
                 <a:sym typeface="Montserrat Medium"/>
               </a:defRPr>
             </a:lvl7pPr>
-            <a:lvl8pPr lvl="7" rtl="0" algn="r">
+            <a:lvl8pPr lvl="7" algn="r" rtl="0">
               <a:buNone/>
               <a:defRPr sz="800">
                 <a:solidFill>
@@ -6177,7 +6302,7 @@
                 <a:sym typeface="Montserrat Medium"/>
               </a:defRPr>
             </a:lvl8pPr>
-            <a:lvl9pPr lvl="8" rtl="0" algn="r">
+            <a:lvl9pPr lvl="8" algn="r" rtl="0">
               <a:buNone/>
               <a:defRPr sz="800">
                 <a:solidFill>
@@ -6191,7 +6316,7 @@
             </a:lvl9pPr>
           </a:lstStyle>
           <a:p>
-            <a:pPr indent="0" lvl="0" marL="0" rtl="0" algn="r">
+            <a:pPr marL="0" lvl="0" indent="0" algn="r" rtl="0">
               <a:spcBef>
                 <a:spcPts val="0"/>
               </a:spcBef>
@@ -6210,22 +6335,22 @@
       </p:sp>
     </p:spTree>
   </p:cSld>
-  <p:clrMap accent1="accent1" accent2="accent2" accent3="accent3" accent4="accent4" accent5="accent5" accent6="accent6" bg1="lt1" bg2="dk2" tx1="dk1" tx2="lt2" folHlink="folHlink" hlink="hlink"/>
+  <p:clrMap bg1="lt1" tx1="dk1" bg2="dk2" tx2="lt2" accent1="accent1" accent2="accent2" accent3="accent3" accent4="accent4" accent5="accent5" accent6="accent6" hlink="hlink" folHlink="folHlink"/>
   <p:sldLayoutIdLst>
-    <p:sldLayoutId id="2147483648" r:id="rId2"/>
-    <p:sldLayoutId id="2147483649" r:id="rId3"/>
-    <p:sldLayoutId id="2147483650" r:id="rId4"/>
-    <p:sldLayoutId id="2147483651" r:id="rId5"/>
-    <p:sldLayoutId id="2147483652" r:id="rId6"/>
-    <p:sldLayoutId id="2147483653" r:id="rId7"/>
-    <p:sldLayoutId id="2147483654" r:id="rId8"/>
-    <p:sldLayoutId id="2147483655" r:id="rId9"/>
-    <p:sldLayoutId id="2147483656" r:id="rId10"/>
+    <p:sldLayoutId id="2147483648" r:id="rId1"/>
+    <p:sldLayoutId id="2147483649" r:id="rId2"/>
+    <p:sldLayoutId id="2147483650" r:id="rId3"/>
+    <p:sldLayoutId id="2147483651" r:id="rId4"/>
+    <p:sldLayoutId id="2147483652" r:id="rId5"/>
+    <p:sldLayoutId id="2147483653" r:id="rId6"/>
+    <p:sldLayoutId id="2147483654" r:id="rId7"/>
+    <p:sldLayoutId id="2147483655" r:id="rId8"/>
+    <p:sldLayoutId id="2147483656" r:id="rId9"/>
   </p:sldLayoutIdLst>
-  <p:hf dt="0" ftr="0" hdr="0" sldNum="0"/>
+  <p:hf sldNum="0" hdr="0" ftr="0" dt="0"/>
   <p:txStyles>
     <p:titleStyle>
-      <a:defPPr lvl="0" marR="0" rtl="0" algn="l">
+      <a:defPPr marR="0" lvl="0" algn="l" rtl="0">
         <a:lnSpc>
           <a:spcPct val="100000"/>
         </a:lnSpc>
@@ -6236,7 +6361,7 @@
           <a:spcPts val="0"/>
         </a:spcAft>
       </a:defPPr>
-      <a:lvl1pPr lvl="0" marR="0" rtl="0" algn="l">
+      <a:lvl1pPr marR="0" lvl="0" algn="l" rtl="0">
         <a:lnSpc>
           <a:spcPct val="100000"/>
         </a:lnSpc>
@@ -6250,7 +6375,7 @@
           <a:srgbClr val="000000"/>
         </a:buClr>
         <a:buFont typeface="Arial"/>
-        <a:defRPr b="0" i="0" sz="1400" u="none" cap="none" strike="noStrike">
+        <a:defRPr sz="1400" b="0" i="0" u="none" strike="noStrike" cap="none">
           <a:solidFill>
             <a:srgbClr val="000000"/>
           </a:solidFill>
@@ -6260,7 +6385,7 @@
           <a:sym typeface="Arial"/>
         </a:defRPr>
       </a:lvl1pPr>
-      <a:lvl2pPr lvl="1" marR="0" rtl="0" algn="l">
+      <a:lvl2pPr marR="0" lvl="1" algn="l" rtl="0">
         <a:lnSpc>
           <a:spcPct val="100000"/>
         </a:lnSpc>
@@ -6274,7 +6399,7 @@
           <a:srgbClr val="000000"/>
         </a:buClr>
         <a:buFont typeface="Arial"/>
-        <a:defRPr b="0" i="0" sz="1400" u="none" cap="none" strike="noStrike">
+        <a:defRPr sz="1400" b="0" i="0" u="none" strike="noStrike" cap="none">
           <a:solidFill>
             <a:srgbClr val="000000"/>
           </a:solidFill>
@@ -6284,7 +6409,7 @@
           <a:sym typeface="Arial"/>
         </a:defRPr>
       </a:lvl2pPr>
-      <a:lvl3pPr lvl="2" marR="0" rtl="0" algn="l">
+      <a:lvl3pPr marR="0" lvl="2" algn="l" rtl="0">
         <a:lnSpc>
           <a:spcPct val="100000"/>
         </a:lnSpc>
@@ -6298,7 +6423,7 @@
           <a:srgbClr val="000000"/>
         </a:buClr>
         <a:buFont typeface="Arial"/>
-        <a:defRPr b="0" i="0" sz="1400" u="none" cap="none" strike="noStrike">
+        <a:defRPr sz="1400" b="0" i="0" u="none" strike="noStrike" cap="none">
           <a:solidFill>
             <a:srgbClr val="000000"/>
           </a:solidFill>
@@ -6308,7 +6433,7 @@
           <a:sym typeface="Arial"/>
         </a:defRPr>
       </a:lvl3pPr>
-      <a:lvl4pPr lvl="3" marR="0" rtl="0" algn="l">
+      <a:lvl4pPr marR="0" lvl="3" algn="l" rtl="0">
         <a:lnSpc>
           <a:spcPct val="100000"/>
         </a:lnSpc>
@@ -6322,7 +6447,7 @@
           <a:srgbClr val="000000"/>
         </a:buClr>
         <a:buFont typeface="Arial"/>
-        <a:defRPr b="0" i="0" sz="1400" u="none" cap="none" strike="noStrike">
+        <a:defRPr sz="1400" b="0" i="0" u="none" strike="noStrike" cap="none">
           <a:solidFill>
             <a:srgbClr val="000000"/>
           </a:solidFill>
@@ -6332,7 +6457,7 @@
           <a:sym typeface="Arial"/>
         </a:defRPr>
       </a:lvl4pPr>
-      <a:lvl5pPr lvl="4" marR="0" rtl="0" algn="l">
+      <a:lvl5pPr marR="0" lvl="4" algn="l" rtl="0">
         <a:lnSpc>
           <a:spcPct val="100000"/>
         </a:lnSpc>
@@ -6346,7 +6471,7 @@
           <a:srgbClr val="000000"/>
         </a:buClr>
         <a:buFont typeface="Arial"/>
-        <a:defRPr b="0" i="0" sz="1400" u="none" cap="none" strike="noStrike">
+        <a:defRPr sz="1400" b="0" i="0" u="none" strike="noStrike" cap="none">
           <a:solidFill>
             <a:srgbClr val="000000"/>
           </a:solidFill>
@@ -6356,7 +6481,7 @@
           <a:sym typeface="Arial"/>
         </a:defRPr>
       </a:lvl5pPr>
-      <a:lvl6pPr lvl="5" marR="0" rtl="0" algn="l">
+      <a:lvl6pPr marR="0" lvl="5" algn="l" rtl="0">
         <a:lnSpc>
           <a:spcPct val="100000"/>
         </a:lnSpc>
@@ -6370,7 +6495,7 @@
           <a:srgbClr val="000000"/>
         </a:buClr>
         <a:buFont typeface="Arial"/>
-        <a:defRPr b="0" i="0" sz="1400" u="none" cap="none" strike="noStrike">
+        <a:defRPr sz="1400" b="0" i="0" u="none" strike="noStrike" cap="none">
           <a:solidFill>
             <a:srgbClr val="000000"/>
           </a:solidFill>
@@ -6380,7 +6505,7 @@
           <a:sym typeface="Arial"/>
         </a:defRPr>
       </a:lvl6pPr>
-      <a:lvl7pPr lvl="6" marR="0" rtl="0" algn="l">
+      <a:lvl7pPr marR="0" lvl="6" algn="l" rtl="0">
         <a:lnSpc>
           <a:spcPct val="100000"/>
         </a:lnSpc>
@@ -6394,7 +6519,7 @@
           <a:srgbClr val="000000"/>
         </a:buClr>
         <a:buFont typeface="Arial"/>
-        <a:defRPr b="0" i="0" sz="1400" u="none" cap="none" strike="noStrike">
+        <a:defRPr sz="1400" b="0" i="0" u="none" strike="noStrike" cap="none">
           <a:solidFill>
             <a:srgbClr val="000000"/>
           </a:solidFill>
@@ -6404,7 +6529,7 @@
           <a:sym typeface="Arial"/>
         </a:defRPr>
       </a:lvl7pPr>
-      <a:lvl8pPr lvl="7" marR="0" rtl="0" algn="l">
+      <a:lvl8pPr marR="0" lvl="7" algn="l" rtl="0">
         <a:lnSpc>
           <a:spcPct val="100000"/>
         </a:lnSpc>
@@ -6418,7 +6543,7 @@
           <a:srgbClr val="000000"/>
         </a:buClr>
         <a:buFont typeface="Arial"/>
-        <a:defRPr b="0" i="0" sz="1400" u="none" cap="none" strike="noStrike">
+        <a:defRPr sz="1400" b="0" i="0" u="none" strike="noStrike" cap="none">
           <a:solidFill>
             <a:srgbClr val="000000"/>
           </a:solidFill>
@@ -6428,7 +6553,7 @@
           <a:sym typeface="Arial"/>
         </a:defRPr>
       </a:lvl8pPr>
-      <a:lvl9pPr lvl="8" marR="0" rtl="0" algn="l">
+      <a:lvl9pPr marR="0" lvl="8" algn="l" rtl="0">
         <a:lnSpc>
           <a:spcPct val="100000"/>
         </a:lnSpc>
@@ -6442,7 +6567,7 @@
           <a:srgbClr val="000000"/>
         </a:buClr>
         <a:buFont typeface="Arial"/>
-        <a:defRPr b="0" i="0" sz="1400" u="none" cap="none" strike="noStrike">
+        <a:defRPr sz="1400" b="0" i="0" u="none" strike="noStrike" cap="none">
           <a:solidFill>
             <a:srgbClr val="000000"/>
           </a:solidFill>
@@ -6454,7 +6579,7 @@
       </a:lvl9pPr>
     </p:titleStyle>
     <p:bodyStyle>
-      <a:defPPr lvl="0" marR="0" rtl="0" algn="l">
+      <a:defPPr marR="0" lvl="0" algn="l" rtl="0">
         <a:lnSpc>
           <a:spcPct val="100000"/>
         </a:lnSpc>
@@ -6465,7 +6590,7 @@
           <a:spcPts val="0"/>
         </a:spcAft>
       </a:defPPr>
-      <a:lvl1pPr lvl="0" marR="0" rtl="0" algn="l">
+      <a:lvl1pPr marR="0" lvl="0" algn="l" rtl="0">
         <a:lnSpc>
           <a:spcPct val="100000"/>
         </a:lnSpc>
@@ -6479,7 +6604,7 @@
           <a:srgbClr val="000000"/>
         </a:buClr>
         <a:buFont typeface="Arial"/>
-        <a:defRPr b="0" i="0" sz="1400" u="none" cap="none" strike="noStrike">
+        <a:defRPr sz="1400" b="0" i="0" u="none" strike="noStrike" cap="none">
           <a:solidFill>
             <a:srgbClr val="000000"/>
           </a:solidFill>
@@ -6489,7 +6614,7 @@
           <a:sym typeface="Arial"/>
         </a:defRPr>
       </a:lvl1pPr>
-      <a:lvl2pPr lvl="1" marR="0" rtl="0" algn="l">
+      <a:lvl2pPr marR="0" lvl="1" algn="l" rtl="0">
         <a:lnSpc>
           <a:spcPct val="100000"/>
         </a:lnSpc>
@@ -6503,7 +6628,7 @@
           <a:srgbClr val="000000"/>
         </a:buClr>
         <a:buFont typeface="Arial"/>
-        <a:defRPr b="0" i="0" sz="1400" u="none" cap="none" strike="noStrike">
+        <a:defRPr sz="1400" b="0" i="0" u="none" strike="noStrike" cap="none">
           <a:solidFill>
             <a:srgbClr val="000000"/>
           </a:solidFill>
@@ -6513,7 +6638,7 @@
           <a:sym typeface="Arial"/>
         </a:defRPr>
       </a:lvl2pPr>
-      <a:lvl3pPr lvl="2" marR="0" rtl="0" algn="l">
+      <a:lvl3pPr marR="0" lvl="2" algn="l" rtl="0">
         <a:lnSpc>
           <a:spcPct val="100000"/>
         </a:lnSpc>
@@ -6527,7 +6652,7 @@
           <a:srgbClr val="000000"/>
         </a:buClr>
         <a:buFont typeface="Arial"/>
-        <a:defRPr b="0" i="0" sz="1400" u="none" cap="none" strike="noStrike">
+        <a:defRPr sz="1400" b="0" i="0" u="none" strike="noStrike" cap="none">
           <a:solidFill>
             <a:srgbClr val="000000"/>
           </a:solidFill>
@@ -6537,7 +6662,7 @@
           <a:sym typeface="Arial"/>
         </a:defRPr>
       </a:lvl3pPr>
-      <a:lvl4pPr lvl="3" marR="0" rtl="0" algn="l">
+      <a:lvl4pPr marR="0" lvl="3" algn="l" rtl="0">
         <a:lnSpc>
           <a:spcPct val="100000"/>
         </a:lnSpc>
@@ -6551,7 +6676,7 @@
           <a:srgbClr val="000000"/>
         </a:buClr>
         <a:buFont typeface="Arial"/>
-        <a:defRPr b="0" i="0" sz="1400" u="none" cap="none" strike="noStrike">
+        <a:defRPr sz="1400" b="0" i="0" u="none" strike="noStrike" cap="none">
           <a:solidFill>
             <a:srgbClr val="000000"/>
           </a:solidFill>
@@ -6561,7 +6686,7 @@
           <a:sym typeface="Arial"/>
         </a:defRPr>
       </a:lvl4pPr>
-      <a:lvl5pPr lvl="4" marR="0" rtl="0" algn="l">
+      <a:lvl5pPr marR="0" lvl="4" algn="l" rtl="0">
         <a:lnSpc>
           <a:spcPct val="100000"/>
         </a:lnSpc>
@@ -6575,7 +6700,7 @@
           <a:srgbClr val="000000"/>
         </a:buClr>
         <a:buFont typeface="Arial"/>
-        <a:defRPr b="0" i="0" sz="1400" u="none" cap="none" strike="noStrike">
+        <a:defRPr sz="1400" b="0" i="0" u="none" strike="noStrike" cap="none">
           <a:solidFill>
             <a:srgbClr val="000000"/>
           </a:solidFill>
@@ -6585,7 +6710,7 @@
           <a:sym typeface="Arial"/>
         </a:defRPr>
       </a:lvl5pPr>
-      <a:lvl6pPr lvl="5" marR="0" rtl="0" algn="l">
+      <a:lvl6pPr marR="0" lvl="5" algn="l" rtl="0">
         <a:lnSpc>
           <a:spcPct val="100000"/>
         </a:lnSpc>
@@ -6599,7 +6724,7 @@
           <a:srgbClr val="000000"/>
         </a:buClr>
         <a:buFont typeface="Arial"/>
-        <a:defRPr b="0" i="0" sz="1400" u="none" cap="none" strike="noStrike">
+        <a:defRPr sz="1400" b="0" i="0" u="none" strike="noStrike" cap="none">
           <a:solidFill>
             <a:srgbClr val="000000"/>
           </a:solidFill>
@@ -6609,7 +6734,7 @@
           <a:sym typeface="Arial"/>
         </a:defRPr>
       </a:lvl6pPr>
-      <a:lvl7pPr lvl="6" marR="0" rtl="0" algn="l">
+      <a:lvl7pPr marR="0" lvl="6" algn="l" rtl="0">
         <a:lnSpc>
           <a:spcPct val="100000"/>
         </a:lnSpc>
@@ -6623,7 +6748,7 @@
           <a:srgbClr val="000000"/>
         </a:buClr>
         <a:buFont typeface="Arial"/>
-        <a:defRPr b="0" i="0" sz="1400" u="none" cap="none" strike="noStrike">
+        <a:defRPr sz="1400" b="0" i="0" u="none" strike="noStrike" cap="none">
           <a:solidFill>
             <a:srgbClr val="000000"/>
           </a:solidFill>
@@ -6633,7 +6758,7 @@
           <a:sym typeface="Arial"/>
         </a:defRPr>
       </a:lvl7pPr>
-      <a:lvl8pPr lvl="7" marR="0" rtl="0" algn="l">
+      <a:lvl8pPr marR="0" lvl="7" algn="l" rtl="0">
         <a:lnSpc>
           <a:spcPct val="100000"/>
         </a:lnSpc>
@@ -6647,7 +6772,7 @@
           <a:srgbClr val="000000"/>
         </a:buClr>
         <a:buFont typeface="Arial"/>
-        <a:defRPr b="0" i="0" sz="1400" u="none" cap="none" strike="noStrike">
+        <a:defRPr sz="1400" b="0" i="0" u="none" strike="noStrike" cap="none">
           <a:solidFill>
             <a:srgbClr val="000000"/>
           </a:solidFill>
@@ -6657,7 +6782,7 @@
           <a:sym typeface="Arial"/>
         </a:defRPr>
       </a:lvl8pPr>
-      <a:lvl9pPr lvl="8" marR="0" rtl="0" algn="l">
+      <a:lvl9pPr marR="0" lvl="8" algn="l" rtl="0">
         <a:lnSpc>
           <a:spcPct val="100000"/>
         </a:lnSpc>
@@ -6671,7 +6796,7 @@
           <a:srgbClr val="000000"/>
         </a:buClr>
         <a:buFont typeface="Arial"/>
-        <a:defRPr b="0" i="0" sz="1400" u="none" cap="none" strike="noStrike">
+        <a:defRPr sz="1400" b="0" i="0" u="none" strike="noStrike" cap="none">
           <a:solidFill>
             <a:srgbClr val="000000"/>
           </a:solidFill>
@@ -6683,7 +6808,7 @@
       </a:lvl9pPr>
     </p:bodyStyle>
     <p:otherStyle>
-      <a:defPPr lvl="0" marR="0" rtl="0" algn="l">
+      <a:defPPr marR="0" lvl="0" algn="l" rtl="0">
         <a:lnSpc>
           <a:spcPct val="100000"/>
         </a:lnSpc>
@@ -6694,7 +6819,7 @@
           <a:spcPts val="0"/>
         </a:spcAft>
       </a:defPPr>
-      <a:lvl1pPr lvl="0" marR="0" rtl="0" algn="l">
+      <a:lvl1pPr marR="0" lvl="0" algn="l" rtl="0">
         <a:lnSpc>
           <a:spcPct val="100000"/>
         </a:lnSpc>
@@ -6708,7 +6833,7 @@
           <a:srgbClr val="000000"/>
         </a:buClr>
         <a:buFont typeface="Arial"/>
-        <a:defRPr b="0" i="0" sz="1400" u="none" cap="none" strike="noStrike">
+        <a:defRPr sz="1400" b="0" i="0" u="none" strike="noStrike" cap="none">
           <a:solidFill>
             <a:srgbClr val="000000"/>
           </a:solidFill>
@@ -6718,7 +6843,7 @@
           <a:sym typeface="Arial"/>
         </a:defRPr>
       </a:lvl1pPr>
-      <a:lvl2pPr lvl="1" marR="0" rtl="0" algn="l">
+      <a:lvl2pPr marR="0" lvl="1" algn="l" rtl="0">
         <a:lnSpc>
           <a:spcPct val="100000"/>
         </a:lnSpc>
@@ -6732,7 +6857,7 @@
           <a:srgbClr val="000000"/>
         </a:buClr>
         <a:buFont typeface="Arial"/>
-        <a:defRPr b="0" i="0" sz="1400" u="none" cap="none" strike="noStrike">
+        <a:defRPr sz="1400" b="0" i="0" u="none" strike="noStrike" cap="none">
           <a:solidFill>
             <a:srgbClr val="000000"/>
           </a:solidFill>
@@ -6742,7 +6867,7 @@
           <a:sym typeface="Arial"/>
         </a:defRPr>
       </a:lvl2pPr>
-      <a:lvl3pPr lvl="2" marR="0" rtl="0" algn="l">
+      <a:lvl3pPr marR="0" lvl="2" algn="l" rtl="0">
         <a:lnSpc>
           <a:spcPct val="100000"/>
         </a:lnSpc>
@@ -6756,7 +6881,7 @@
           <a:srgbClr val="000000"/>
         </a:buClr>
         <a:buFont typeface="Arial"/>
-        <a:defRPr b="0" i="0" sz="1400" u="none" cap="none" strike="noStrike">
+        <a:defRPr sz="1400" b="0" i="0" u="none" strike="noStrike" cap="none">
           <a:solidFill>
             <a:srgbClr val="000000"/>
           </a:solidFill>
@@ -6766,7 +6891,7 @@
           <a:sym typeface="Arial"/>
         </a:defRPr>
       </a:lvl3pPr>
-      <a:lvl4pPr lvl="3" marR="0" rtl="0" algn="l">
+      <a:lvl4pPr marR="0" lvl="3" algn="l" rtl="0">
         <a:lnSpc>
           <a:spcPct val="100000"/>
         </a:lnSpc>
@@ -6780,7 +6905,7 @@
           <a:srgbClr val="000000"/>
         </a:buClr>
         <a:buFont typeface="Arial"/>
-        <a:defRPr b="0" i="0" sz="1400" u="none" cap="none" strike="noStrike">
+        <a:defRPr sz="1400" b="0" i="0" u="none" strike="noStrike" cap="none">
           <a:solidFill>
             <a:srgbClr val="000000"/>
           </a:solidFill>
@@ -6790,7 +6915,7 @@
           <a:sym typeface="Arial"/>
         </a:defRPr>
       </a:lvl4pPr>
-      <a:lvl5pPr lvl="4" marR="0" rtl="0" algn="l">
+      <a:lvl5pPr marR="0" lvl="4" algn="l" rtl="0">
         <a:lnSpc>
           <a:spcPct val="100000"/>
         </a:lnSpc>
@@ -6804,7 +6929,7 @@
           <a:srgbClr val="000000"/>
         </a:buClr>
         <a:buFont typeface="Arial"/>
-        <a:defRPr b="0" i="0" sz="1400" u="none" cap="none" strike="noStrike">
+        <a:defRPr sz="1400" b="0" i="0" u="none" strike="noStrike" cap="none">
           <a:solidFill>
             <a:srgbClr val="000000"/>
           </a:solidFill>
@@ -6814,7 +6939,7 @@
           <a:sym typeface="Arial"/>
         </a:defRPr>
       </a:lvl5pPr>
-      <a:lvl6pPr lvl="5" marR="0" rtl="0" algn="l">
+      <a:lvl6pPr marR="0" lvl="5" algn="l" rtl="0">
         <a:lnSpc>
           <a:spcPct val="100000"/>
         </a:lnSpc>
@@ -6828,7 +6953,7 @@
           <a:srgbClr val="000000"/>
         </a:buClr>
         <a:buFont typeface="Arial"/>
-        <a:defRPr b="0" i="0" sz="1400" u="none" cap="none" strike="noStrike">
+        <a:defRPr sz="1400" b="0" i="0" u="none" strike="noStrike" cap="none">
           <a:solidFill>
             <a:srgbClr val="000000"/>
           </a:solidFill>
@@ -6838,7 +6963,7 @@
           <a:sym typeface="Arial"/>
         </a:defRPr>
       </a:lvl6pPr>
-      <a:lvl7pPr lvl="6" marR="0" rtl="0" algn="l">
+      <a:lvl7pPr marR="0" lvl="6" algn="l" rtl="0">
         <a:lnSpc>
           <a:spcPct val="100000"/>
         </a:lnSpc>
@@ -6852,7 +6977,7 @@
           <a:srgbClr val="000000"/>
         </a:buClr>
         <a:buFont typeface="Arial"/>
-        <a:defRPr b="0" i="0" sz="1400" u="none" cap="none" strike="noStrike">
+        <a:defRPr sz="1400" b="0" i="0" u="none" strike="noStrike" cap="none">
           <a:solidFill>
             <a:srgbClr val="000000"/>
           </a:solidFill>
@@ -6862,7 +6987,7 @@
           <a:sym typeface="Arial"/>
         </a:defRPr>
       </a:lvl7pPr>
-      <a:lvl8pPr lvl="7" marR="0" rtl="0" algn="l">
+      <a:lvl8pPr marR="0" lvl="7" algn="l" rtl="0">
         <a:lnSpc>
           <a:spcPct val="100000"/>
         </a:lnSpc>
@@ -6876,7 +7001,7 @@
           <a:srgbClr val="000000"/>
         </a:buClr>
         <a:buFont typeface="Arial"/>
-        <a:defRPr b="0" i="0" sz="1400" u="none" cap="none" strike="noStrike">
+        <a:defRPr sz="1400" b="0" i="0" u="none" strike="noStrike" cap="none">
           <a:solidFill>
             <a:srgbClr val="000000"/>
           </a:solidFill>
@@ -6886,7 +7011,7 @@
           <a:sym typeface="Arial"/>
         </a:defRPr>
       </a:lvl8pPr>
-      <a:lvl9pPr lvl="8" marR="0" rtl="0" algn="l">
+      <a:lvl9pPr marR="0" lvl="8" algn="l" rtl="0">
         <a:lnSpc>
           <a:spcPct val="100000"/>
         </a:lnSpc>
@@ -6900,7 +7025,7 @@
           <a:srgbClr val="000000"/>
         </a:buClr>
         <a:buFont typeface="Arial"/>
-        <a:defRPr b="0" i="0" sz="1400" u="none" cap="none" strike="noStrike">
+        <a:defRPr sz="1400" b="0" i="0" u="none" strike="noStrike" cap="none">
           <a:solidFill>
             <a:srgbClr val="000000"/>
           </a:solidFill>
@@ -6914,7 +7039,7 @@
   </p:txStyles>
   <p:extLst>
     <p:ext uri="{27BBF7A9-308A-43DC-89C8-2F10F3537804}">
-      <p15:sldGuideLst>
+      <p15:sldGuideLst xmlns:p15="http://schemas.microsoft.com/office/powerpoint/2012/main">
         <p15:guide id="1" pos="216">
           <p15:clr>
             <a:srgbClr val="F06B4A"/>
@@ -6942,11 +7067,11 @@
 </file>
 
 <file path=ppt/slides/slide1.xml><?xml version="1.0" encoding="utf-8"?>
-<p:sld xmlns:a="http://schemas.openxmlformats.org/drawingml/2006/main" xmlns:r="http://schemas.openxmlformats.org/officeDocument/2006/relationships" xmlns:mc="http://schemas.openxmlformats.org/markup-compatibility/2006" xmlns:mv="urn:schemas-microsoft-com:mac:vml" xmlns:p="http://schemas.openxmlformats.org/presentationml/2006/main" xmlns:c="http://schemas.openxmlformats.org/drawingml/2006/chart" xmlns:dgm="http://schemas.openxmlformats.org/drawingml/2006/diagram" xmlns:o="urn:schemas-microsoft-com:office:office" xmlns:v="urn:schemas-microsoft-com:vml" xmlns:pvml="urn:schemas-microsoft-com:office:powerpoint" xmlns:com="http://schemas.openxmlformats.org/drawingml/2006/compatibility" xmlns:p14="http://schemas.microsoft.com/office/powerpoint/2010/main" xmlns:p15="http://schemas.microsoft.com/office/powerpoint/2012/main" xmlns:ahyp="http://schemas.microsoft.com/office/drawing/2018/hyperlinkcolor">
+<p:sld xmlns:a="http://schemas.openxmlformats.org/drawingml/2006/main" xmlns:r="http://schemas.openxmlformats.org/officeDocument/2006/relationships" xmlns:p="http://schemas.openxmlformats.org/presentationml/2006/main">
   <p:cSld>
     <p:spTree>
       <p:nvGrpSpPr>
-        <p:cNvPr id="63" name="Shape 63"/>
+        <p:cNvPr id="1" name="Shape 63"/>
         <p:cNvGrpSpPr/>
         <p:nvPr/>
       </p:nvGrpSpPr>
@@ -6961,7 +7086,9 @@
       <p:sp>
         <p:nvSpPr>
           <p:cNvPr id="64" name="Google Shape;64;p11"/>
-          <p:cNvSpPr txBox="1"/>
+          <p:cNvSpPr txBox="1">
+            <a:spLocks noGrp="1"/>
+          </p:cNvSpPr>
           <p:nvPr>
             <p:ph type="ctrTitle"/>
           </p:nvPr>
@@ -6976,12 +7103,12 @@
           </a:prstGeom>
         </p:spPr>
         <p:txBody>
-          <a:bodyPr anchorCtr="0" anchor="t" bIns="91400" lIns="91400" spcFirstLastPara="1" rIns="91400" wrap="square" tIns="91400">
+          <a:bodyPr spcFirstLastPara="1" wrap="square" lIns="91400" tIns="91400" rIns="91400" bIns="91400" anchor="t" anchorCtr="0">
             <a:noAutofit/>
           </a:bodyPr>
           <a:lstStyle/>
           <a:p>
-            <a:pPr indent="0" lvl="0" marL="0" rtl="0" algn="l">
+            <a:pPr marL="0" lvl="0" indent="0" algn="l" rtl="0">
               <a:spcBef>
                 <a:spcPts val="0"/>
               </a:spcBef>
@@ -7001,9 +7128,11 @@
       <p:sp>
         <p:nvSpPr>
           <p:cNvPr id="65" name="Google Shape;65;p11"/>
-          <p:cNvSpPr txBox="1"/>
+          <p:cNvSpPr txBox="1">
+            <a:spLocks noGrp="1"/>
+          </p:cNvSpPr>
           <p:nvPr>
-            <p:ph idx="1" type="subTitle"/>
+            <p:ph type="subTitle" idx="1"/>
           </p:nvPr>
         </p:nvSpPr>
         <p:spPr>
@@ -7016,12 +7145,12 @@
           </a:prstGeom>
         </p:spPr>
         <p:txBody>
-          <a:bodyPr anchorCtr="0" anchor="t" bIns="91400" lIns="91400" spcFirstLastPara="1" rIns="91400" wrap="square" tIns="91400">
+          <a:bodyPr spcFirstLastPara="1" wrap="square" lIns="91400" tIns="91400" rIns="91400" bIns="91400" anchor="t" anchorCtr="0">
             <a:noAutofit/>
           </a:bodyPr>
           <a:lstStyle/>
           <a:p>
-            <a:pPr indent="0" lvl="0" marL="0" rtl="0" algn="l">
+            <a:pPr marL="0" lvl="0" indent="0" algn="l" rtl="0">
               <a:spcBef>
                 <a:spcPts val="0"/>
               </a:spcBef>
@@ -7031,13 +7160,13 @@
               <a:buNone/>
             </a:pPr>
             <a:r>
-              <a:rPr lang="en"/>
+              <a:rPr lang="en" dirty="0"/>
               <a:t>Playback Template</a:t>
             </a:r>
-            <a:endParaRPr/>
+            <a:endParaRPr dirty="0"/>
           </a:p>
           <a:p>
-            <a:pPr indent="0" lvl="0" marL="0" rtl="0" algn="l">
+            <a:pPr marL="0" lvl="0" indent="0" algn="l" rtl="0">
               <a:spcBef>
                 <a:spcPts val="0"/>
               </a:spcBef>
@@ -7047,10 +7176,10 @@
               <a:buNone/>
             </a:pPr>
             <a:r>
-              <a:rPr lang="en"/>
-              <a:t>&lt;insert team name here&gt;</a:t>
+              <a:rPr lang="en" dirty="0"/>
+              <a:t>CodeWarriors</a:t>
             </a:r>
-            <a:endParaRPr/>
+            <a:endParaRPr dirty="0"/>
           </a:p>
         </p:txBody>
       </p:sp>
@@ -7063,11 +7192,11 @@
 </file>
 
 <file path=ppt/slides/slide2.xml><?xml version="1.0" encoding="utf-8"?>
-<p:sld xmlns:a="http://schemas.openxmlformats.org/drawingml/2006/main" xmlns:r="http://schemas.openxmlformats.org/officeDocument/2006/relationships" xmlns:mc="http://schemas.openxmlformats.org/markup-compatibility/2006" xmlns:mv="urn:schemas-microsoft-com:mac:vml" xmlns:p="http://schemas.openxmlformats.org/presentationml/2006/main" xmlns:c="http://schemas.openxmlformats.org/drawingml/2006/chart" xmlns:dgm="http://schemas.openxmlformats.org/drawingml/2006/diagram" xmlns:o="urn:schemas-microsoft-com:office:office" xmlns:v="urn:schemas-microsoft-com:vml" xmlns:pvml="urn:schemas-microsoft-com:office:powerpoint" xmlns:com="http://schemas.openxmlformats.org/drawingml/2006/compatibility" xmlns:p14="http://schemas.microsoft.com/office/powerpoint/2010/main" xmlns:p15="http://schemas.microsoft.com/office/powerpoint/2012/main" xmlns:ahyp="http://schemas.microsoft.com/office/drawing/2018/hyperlinkcolor">
+<p:sld xmlns:a="http://schemas.openxmlformats.org/drawingml/2006/main" xmlns:r="http://schemas.openxmlformats.org/officeDocument/2006/relationships" xmlns:p="http://schemas.openxmlformats.org/presentationml/2006/main">
   <p:cSld>
     <p:spTree>
       <p:nvGrpSpPr>
-        <p:cNvPr id="69" name="Shape 69"/>
+        <p:cNvPr id="1" name="Shape 69"/>
         <p:cNvGrpSpPr/>
         <p:nvPr/>
       </p:nvGrpSpPr>
@@ -7082,7 +7211,9 @@
       <p:sp>
         <p:nvSpPr>
           <p:cNvPr id="70" name="Google Shape;70;p12"/>
-          <p:cNvSpPr txBox="1"/>
+          <p:cNvSpPr txBox="1">
+            <a:spLocks noGrp="1"/>
+          </p:cNvSpPr>
           <p:nvPr>
             <p:ph type="title"/>
           </p:nvPr>
@@ -7097,12 +7228,12 @@
           </a:prstGeom>
         </p:spPr>
         <p:txBody>
-          <a:bodyPr anchorCtr="0" anchor="t" bIns="91400" lIns="91400" spcFirstLastPara="1" rIns="91400" wrap="square" tIns="91400">
+          <a:bodyPr spcFirstLastPara="1" wrap="square" lIns="91400" tIns="91400" rIns="91400" bIns="91400" anchor="t" anchorCtr="0">
             <a:noAutofit/>
           </a:bodyPr>
           <a:lstStyle/>
           <a:p>
-            <a:pPr indent="0" lvl="0" marL="0" rtl="0" algn="l">
+            <a:pPr marL="0" lvl="0" indent="0" algn="l" rtl="0">
               <a:spcBef>
                 <a:spcPts val="0"/>
               </a:spcBef>
@@ -7112,19 +7243,21 @@
               <a:buNone/>
             </a:pPr>
             <a:r>
-              <a:rPr lang="en"/>
+              <a:rPr lang="en" dirty="0"/>
               <a:t>Why</a:t>
             </a:r>
-            <a:endParaRPr/>
+            <a:endParaRPr dirty="0"/>
           </a:p>
         </p:txBody>
       </p:sp>
       <p:sp>
         <p:nvSpPr>
           <p:cNvPr id="71" name="Google Shape;71;p12"/>
-          <p:cNvSpPr txBox="1"/>
+          <p:cNvSpPr txBox="1">
+            <a:spLocks noGrp="1"/>
+          </p:cNvSpPr>
           <p:nvPr>
-            <p:ph idx="1" type="body"/>
+            <p:ph type="body" idx="1"/>
           </p:nvPr>
         </p:nvSpPr>
         <p:spPr>
@@ -7137,12 +7270,12 @@
           </a:prstGeom>
         </p:spPr>
         <p:txBody>
-          <a:bodyPr anchorCtr="0" anchor="t" bIns="91400" lIns="91400" spcFirstLastPara="1" rIns="91400" wrap="square" tIns="91400">
+          <a:bodyPr spcFirstLastPara="1" wrap="square" lIns="91400" tIns="91400" rIns="91400" bIns="91400" anchor="t" anchorCtr="0">
             <a:noAutofit/>
           </a:bodyPr>
           <a:lstStyle/>
           <a:p>
-            <a:pPr indent="0" lvl="0" marL="0" rtl="0" algn="l">
+            <a:pPr marL="0" lvl="0" indent="0" algn="l" rtl="0">
               <a:spcBef>
                 <a:spcPts val="0"/>
               </a:spcBef>
@@ -7152,10 +7285,10 @@
               <a:buNone/>
             </a:pPr>
             <a:r>
-              <a:rPr lang="en"/>
-              <a:t>Tell us what the goal, value, and/or benefit is in 1-2 sentences</a:t>
+              <a:rPr lang="en" dirty="0"/>
+              <a:t>Integrate accessibility testing into development</a:t>
             </a:r>
-            <a:endParaRPr/>
+            <a:endParaRPr dirty="0"/>
           </a:p>
         </p:txBody>
       </p:sp>
@@ -7168,11 +7301,11 @@
 </file>
 
 <file path=ppt/slides/slide3.xml><?xml version="1.0" encoding="utf-8"?>
-<p:sld xmlns:a="http://schemas.openxmlformats.org/drawingml/2006/main" xmlns:r="http://schemas.openxmlformats.org/officeDocument/2006/relationships" xmlns:mc="http://schemas.openxmlformats.org/markup-compatibility/2006" xmlns:mv="urn:schemas-microsoft-com:mac:vml" xmlns:p="http://schemas.openxmlformats.org/presentationml/2006/main" xmlns:c="http://schemas.openxmlformats.org/drawingml/2006/chart" xmlns:dgm="http://schemas.openxmlformats.org/drawingml/2006/diagram" xmlns:o="urn:schemas-microsoft-com:office:office" xmlns:v="urn:schemas-microsoft-com:vml" xmlns:pvml="urn:schemas-microsoft-com:office:powerpoint" xmlns:com="http://schemas.openxmlformats.org/drawingml/2006/compatibility" xmlns:p14="http://schemas.microsoft.com/office/powerpoint/2010/main" xmlns:p15="http://schemas.microsoft.com/office/powerpoint/2012/main" xmlns:ahyp="http://schemas.microsoft.com/office/drawing/2018/hyperlinkcolor">
+<p:sld xmlns:a="http://schemas.openxmlformats.org/drawingml/2006/main" xmlns:r="http://schemas.openxmlformats.org/officeDocument/2006/relationships" xmlns:p="http://schemas.openxmlformats.org/presentationml/2006/main">
   <p:cSld>
     <p:spTree>
       <p:nvGrpSpPr>
-        <p:cNvPr id="75" name="Shape 75"/>
+        <p:cNvPr id="1" name="Shape 75"/>
         <p:cNvGrpSpPr/>
         <p:nvPr/>
       </p:nvGrpSpPr>
@@ -7187,7 +7320,9 @@
       <p:sp>
         <p:nvSpPr>
           <p:cNvPr id="76" name="Google Shape;76;p13"/>
-          <p:cNvSpPr txBox="1"/>
+          <p:cNvSpPr txBox="1">
+            <a:spLocks noGrp="1"/>
+          </p:cNvSpPr>
           <p:nvPr>
             <p:ph type="title"/>
           </p:nvPr>
@@ -7202,12 +7337,12 @@
           </a:prstGeom>
         </p:spPr>
         <p:txBody>
-          <a:bodyPr anchorCtr="0" anchor="t" bIns="91400" lIns="91400" spcFirstLastPara="1" rIns="91400" wrap="square" tIns="91400">
+          <a:bodyPr spcFirstLastPara="1" wrap="square" lIns="91400" tIns="91400" rIns="91400" bIns="91400" anchor="t" anchorCtr="0">
             <a:noAutofit/>
           </a:bodyPr>
           <a:lstStyle/>
           <a:p>
-            <a:pPr indent="0" lvl="0" marL="0" rtl="0" algn="l">
+            <a:pPr marL="0" lvl="0" indent="0" algn="l" rtl="0">
               <a:spcBef>
                 <a:spcPts val="0"/>
               </a:spcBef>
@@ -7227,9 +7362,11 @@
       <p:sp>
         <p:nvSpPr>
           <p:cNvPr id="77" name="Google Shape;77;p13"/>
-          <p:cNvSpPr txBox="1"/>
+          <p:cNvSpPr txBox="1">
+            <a:spLocks noGrp="1"/>
+          </p:cNvSpPr>
           <p:nvPr>
-            <p:ph idx="1" type="body"/>
+            <p:ph type="body" idx="1"/>
           </p:nvPr>
         </p:nvSpPr>
         <p:spPr>
@@ -7242,12 +7379,12 @@
           </a:prstGeom>
         </p:spPr>
         <p:txBody>
-          <a:bodyPr anchorCtr="0" anchor="t" bIns="91400" lIns="91400" spcFirstLastPara="1" rIns="91400" wrap="square" tIns="91400">
+          <a:bodyPr spcFirstLastPara="1" wrap="square" lIns="91400" tIns="91400" rIns="91400" bIns="91400" anchor="t" anchorCtr="0">
             <a:noAutofit/>
           </a:bodyPr>
           <a:lstStyle/>
           <a:p>
-            <a:pPr indent="0" lvl="0" marL="0" rtl="0" algn="l">
+            <a:pPr marL="0" lvl="0" indent="0" algn="l" rtl="0">
               <a:spcBef>
                 <a:spcPts val="0"/>
               </a:spcBef>
@@ -7257,15 +7394,26 @@
               <a:buNone/>
             </a:pPr>
             <a:r>
-              <a:rPr lang="en"/>
-              <a:t>Tell us what the problem you’re solving is in 1-2 sentences.</a:t>
+              <a:rPr lang="en-US" dirty="0"/>
+              <a:t>Developers often find it tedious and time-consuming to test for accessibility</a:t>
             </a:r>
-            <a:endParaRPr/>
           </a:p>
           <a:p>
-            <a:pPr indent="0" lvl="0" marL="0" rtl="0" algn="l">
-              <a:spcBef>
-                <a:spcPts val="800"/>
+            <a:pPr marL="0" lvl="0" indent="0" algn="l" rtl="0">
+              <a:spcBef>
+                <a:spcPts val="0"/>
+              </a:spcBef>
+              <a:spcAft>
+                <a:spcPts val="0"/>
+              </a:spcAft>
+              <a:buNone/>
+            </a:pPr>
+            <a:endParaRPr lang="en-US" dirty="0"/>
+          </a:p>
+          <a:p>
+            <a:pPr marL="0" lvl="0" indent="0" algn="l" rtl="0">
+              <a:spcBef>
+                <a:spcPts val="0"/>
               </a:spcBef>
               <a:spcAft>
                 <a:spcPts val="0"/>
@@ -7273,76 +7421,9 @@
               <a:buNone/>
             </a:pPr>
             <a:r>
-              <a:t/>
+              <a:rPr lang="en-US" dirty="0"/>
+              <a:t>Accessibility testing is often done after the development and deployment stages, which results in limited feedback on the areas where the accessibility has failed</a:t>
             </a:r>
-            <a:endParaRPr/>
-          </a:p>
-          <a:p>
-            <a:pPr indent="0" lvl="0" marL="0" rtl="0" algn="l">
-              <a:spcBef>
-                <a:spcPts val="800"/>
-              </a:spcBef>
-              <a:spcAft>
-                <a:spcPts val="0"/>
-              </a:spcAft>
-              <a:buNone/>
-            </a:pPr>
-            <a:r>
-              <a:rPr lang="en"/>
-              <a:t>Lorem ispum dolor sit amet, consectetur adipiscing elit</a:t>
-            </a:r>
-            <a:endParaRPr/>
-          </a:p>
-          <a:p>
-            <a:pPr indent="-323850" lvl="0" marL="457200" rtl="0" algn="l">
-              <a:spcBef>
-                <a:spcPts val="800"/>
-              </a:spcBef>
-              <a:spcAft>
-                <a:spcPts val="0"/>
-              </a:spcAft>
-              <a:buSzPts val="1500"/>
-              <a:buChar char="●"/>
-            </a:pPr>
-            <a:r>
-              <a:rPr lang="en"/>
-              <a:t>Example</a:t>
-            </a:r>
-            <a:endParaRPr/>
-          </a:p>
-          <a:p>
-            <a:pPr indent="-323850" lvl="0" marL="457200" rtl="0" algn="l">
-              <a:spcBef>
-                <a:spcPts val="0"/>
-              </a:spcBef>
-              <a:spcAft>
-                <a:spcPts val="0"/>
-              </a:spcAft>
-              <a:buSzPts val="1500"/>
-              <a:buChar char="●"/>
-            </a:pPr>
-            <a:r>
-              <a:rPr lang="en"/>
-              <a:t>Example</a:t>
-            </a:r>
-            <a:endParaRPr/>
-          </a:p>
-          <a:p>
-            <a:pPr indent="-323850" lvl="0" marL="457200" rtl="0" algn="l">
-              <a:spcBef>
-                <a:spcPts val="0"/>
-              </a:spcBef>
-              <a:spcAft>
-                <a:spcPts val="0"/>
-              </a:spcAft>
-              <a:buSzPts val="1500"/>
-              <a:buChar char="●"/>
-            </a:pPr>
-            <a:r>
-              <a:rPr lang="en"/>
-              <a:t>Example</a:t>
-            </a:r>
-            <a:endParaRPr/>
           </a:p>
         </p:txBody>
       </p:sp>
@@ -7355,11 +7436,11 @@
 </file>
 
 <file path=ppt/slides/slide4.xml><?xml version="1.0" encoding="utf-8"?>
-<p:sld xmlns:a="http://schemas.openxmlformats.org/drawingml/2006/main" xmlns:r="http://schemas.openxmlformats.org/officeDocument/2006/relationships" xmlns:mc="http://schemas.openxmlformats.org/markup-compatibility/2006" xmlns:mv="urn:schemas-microsoft-com:mac:vml" xmlns:p="http://schemas.openxmlformats.org/presentationml/2006/main" xmlns:c="http://schemas.openxmlformats.org/drawingml/2006/chart" xmlns:dgm="http://schemas.openxmlformats.org/drawingml/2006/diagram" xmlns:o="urn:schemas-microsoft-com:office:office" xmlns:v="urn:schemas-microsoft-com:vml" xmlns:pvml="urn:schemas-microsoft-com:office:powerpoint" xmlns:com="http://schemas.openxmlformats.org/drawingml/2006/compatibility" xmlns:p14="http://schemas.microsoft.com/office/powerpoint/2010/main" xmlns:p15="http://schemas.microsoft.com/office/powerpoint/2012/main" xmlns:ahyp="http://schemas.microsoft.com/office/drawing/2018/hyperlinkcolor">
+<p:sld xmlns:a="http://schemas.openxmlformats.org/drawingml/2006/main" xmlns:r="http://schemas.openxmlformats.org/officeDocument/2006/relationships" xmlns:p="http://schemas.openxmlformats.org/presentationml/2006/main">
   <p:cSld>
     <p:spTree>
       <p:nvGrpSpPr>
-        <p:cNvPr id="81" name="Shape 81"/>
+        <p:cNvPr id="1" name="Shape 81"/>
         <p:cNvGrpSpPr/>
         <p:nvPr/>
       </p:nvGrpSpPr>
@@ -7374,7 +7455,9 @@
       <p:sp>
         <p:nvSpPr>
           <p:cNvPr id="82" name="Google Shape;82;p14"/>
-          <p:cNvSpPr txBox="1"/>
+          <p:cNvSpPr txBox="1">
+            <a:spLocks noGrp="1"/>
+          </p:cNvSpPr>
           <p:nvPr>
             <p:ph type="title"/>
           </p:nvPr>
@@ -7389,12 +7472,12 @@
           </a:prstGeom>
         </p:spPr>
         <p:txBody>
-          <a:bodyPr anchorCtr="0" anchor="t" bIns="91400" lIns="91400" spcFirstLastPara="1" rIns="91400" wrap="square" tIns="91400">
+          <a:bodyPr spcFirstLastPara="1" wrap="square" lIns="91400" tIns="91400" rIns="91400" bIns="91400" anchor="t" anchorCtr="0">
             <a:noAutofit/>
           </a:bodyPr>
           <a:lstStyle/>
           <a:p>
-            <a:pPr indent="0" lvl="0" marL="0" rtl="0" algn="l">
+            <a:pPr marL="0" lvl="0" indent="0" algn="l" rtl="0">
               <a:spcBef>
                 <a:spcPts val="0"/>
               </a:spcBef>
@@ -7414,9 +7497,11 @@
       <p:sp>
         <p:nvSpPr>
           <p:cNvPr id="83" name="Google Shape;83;p14"/>
-          <p:cNvSpPr txBox="1"/>
+          <p:cNvSpPr txBox="1">
+            <a:spLocks noGrp="1"/>
+          </p:cNvSpPr>
           <p:nvPr>
-            <p:ph idx="1" type="body"/>
+            <p:ph type="body" idx="1"/>
           </p:nvPr>
         </p:nvSpPr>
         <p:spPr>
@@ -7429,12 +7514,12 @@
           </a:prstGeom>
         </p:spPr>
         <p:txBody>
-          <a:bodyPr anchorCtr="0" anchor="t" bIns="91400" lIns="91400" spcFirstLastPara="1" rIns="91400" wrap="square" tIns="91400">
+          <a:bodyPr spcFirstLastPara="1" wrap="square" lIns="91400" tIns="91400" rIns="91400" bIns="91400" anchor="t" anchorCtr="0">
             <a:noAutofit/>
           </a:bodyPr>
           <a:lstStyle/>
           <a:p>
-            <a:pPr indent="0" lvl="0" marL="0" rtl="0" algn="l">
+            <a:pPr marL="0" lvl="0" indent="0" algn="l" rtl="0">
               <a:spcBef>
                 <a:spcPts val="0"/>
               </a:spcBef>
@@ -7444,92 +7529,10 @@
               <a:buNone/>
             </a:pPr>
             <a:r>
-              <a:rPr lang="en"/>
-              <a:t>Tell us who you’re solving for</a:t>
+              <a:rPr lang="en-US" dirty="0"/>
+              <a:t>Frontend developers responsible for implementing user interface components using HTML and CSS</a:t>
             </a:r>
-            <a:endParaRPr/>
-          </a:p>
-          <a:p>
-            <a:pPr indent="0" lvl="0" marL="0" rtl="0" algn="l">
-              <a:spcBef>
-                <a:spcPts val="800"/>
-              </a:spcBef>
-              <a:spcAft>
-                <a:spcPts val="0"/>
-              </a:spcAft>
-              <a:buNone/>
-            </a:pPr>
-            <a:r>
-              <a:t/>
-            </a:r>
-            <a:endParaRPr/>
-          </a:p>
-          <a:p>
-            <a:pPr indent="0" lvl="0" marL="0" rtl="0" algn="l">
-              <a:spcBef>
-                <a:spcPts val="800"/>
-              </a:spcBef>
-              <a:spcAft>
-                <a:spcPts val="0"/>
-              </a:spcAft>
-              <a:buNone/>
-            </a:pPr>
-            <a:r>
-              <a:rPr lang="en"/>
-              <a:t>Lorem ispum dolor sit amet, consectetur adipiscing elit</a:t>
-            </a:r>
-            <a:endParaRPr/>
-          </a:p>
-          <a:p>
-            <a:pPr indent="-323850" lvl="0" marL="457200" rtl="0" algn="l">
-              <a:spcBef>
-                <a:spcPts val="800"/>
-              </a:spcBef>
-              <a:spcAft>
-                <a:spcPts val="0"/>
-              </a:spcAft>
-              <a:buSzPts val="1500"/>
-              <a:buChar char="●"/>
-            </a:pPr>
-            <a:r>
-              <a:rPr lang="en"/>
-              <a:t>Example</a:t>
-            </a:r>
-            <a:endParaRPr/>
-          </a:p>
-          <a:p>
-            <a:pPr indent="-323850" lvl="0" marL="457200" rtl="0" algn="l">
-              <a:spcBef>
-                <a:spcPts val="0"/>
-              </a:spcBef>
-              <a:spcAft>
-                <a:spcPts val="0"/>
-              </a:spcAft>
-              <a:buSzPts val="1500"/>
-              <a:buChar char="●"/>
-            </a:pPr>
-            <a:r>
-              <a:rPr lang="en"/>
-              <a:t>Example</a:t>
-            </a:r>
-            <a:endParaRPr/>
-          </a:p>
-          <a:p>
-            <a:pPr indent="-323850" lvl="0" marL="457200" rtl="0" algn="l">
-              <a:spcBef>
-                <a:spcPts val="0"/>
-              </a:spcBef>
-              <a:spcAft>
-                <a:spcPts val="0"/>
-              </a:spcAft>
-              <a:buSzPts val="1500"/>
-              <a:buChar char="●"/>
-            </a:pPr>
-            <a:r>
-              <a:rPr lang="en"/>
-              <a:t>Example</a:t>
-            </a:r>
-            <a:endParaRPr/>
+            <a:endParaRPr dirty="0"/>
           </a:p>
         </p:txBody>
       </p:sp>
@@ -7542,11 +7545,11 @@
 </file>
 
 <file path=ppt/slides/slide5.xml><?xml version="1.0" encoding="utf-8"?>
-<p:sld xmlns:a="http://schemas.openxmlformats.org/drawingml/2006/main" xmlns:r="http://schemas.openxmlformats.org/officeDocument/2006/relationships" xmlns:mc="http://schemas.openxmlformats.org/markup-compatibility/2006" xmlns:mv="urn:schemas-microsoft-com:mac:vml" xmlns:p="http://schemas.openxmlformats.org/presentationml/2006/main" xmlns:c="http://schemas.openxmlformats.org/drawingml/2006/chart" xmlns:dgm="http://schemas.openxmlformats.org/drawingml/2006/diagram" xmlns:o="urn:schemas-microsoft-com:office:office" xmlns:v="urn:schemas-microsoft-com:vml" xmlns:pvml="urn:schemas-microsoft-com:office:powerpoint" xmlns:com="http://schemas.openxmlformats.org/drawingml/2006/compatibility" xmlns:p14="http://schemas.microsoft.com/office/powerpoint/2010/main" xmlns:p15="http://schemas.microsoft.com/office/powerpoint/2012/main" xmlns:ahyp="http://schemas.microsoft.com/office/drawing/2018/hyperlinkcolor">
+<p:sld xmlns:a="http://schemas.openxmlformats.org/drawingml/2006/main" xmlns:r="http://schemas.openxmlformats.org/officeDocument/2006/relationships" xmlns:p="http://schemas.openxmlformats.org/presentationml/2006/main">
   <p:cSld>
     <p:spTree>
       <p:nvGrpSpPr>
-        <p:cNvPr id="87" name="Shape 87"/>
+        <p:cNvPr id="1" name="Shape 87"/>
         <p:cNvGrpSpPr/>
         <p:nvPr/>
       </p:nvGrpSpPr>
@@ -7558,72 +7561,36 @@
           <a:chExt cx="0" cy="0"/>
         </a:xfrm>
       </p:grpSpPr>
-      <p:sp>
-        <p:nvSpPr>
-          <p:cNvPr id="88" name="Google Shape;88;p15"/>
-          <p:cNvSpPr/>
+      <p:pic>
+        <p:nvPicPr>
+          <p:cNvPr id="3" name="Picture 2">
+            <a:extLst>
+              <a:ext uri="{FF2B5EF4-FFF2-40B4-BE49-F238E27FC236}">
+                <a16:creationId xmlns:a16="http://schemas.microsoft.com/office/drawing/2014/main" id="{5730C3B5-DBEA-3011-85FB-0FFF78A33CAC}"/>
+              </a:ext>
+            </a:extLst>
+          </p:cNvPr>
+          <p:cNvPicPr>
+            <a:picLocks noChangeAspect="1"/>
+          </p:cNvPicPr>
           <p:nvPr/>
-        </p:nvSpPr>
+        </p:nvPicPr>
+        <p:blipFill>
+          <a:blip r:embed="rId3"/>
+          <a:stretch>
+            <a:fillRect/>
+          </a:stretch>
+        </p:blipFill>
         <p:spPr>
           <a:xfrm>
-            <a:off x="1943825" y="993750"/>
-            <a:ext cx="5547600" cy="2664600"/>
+            <a:off x="0" y="1664970"/>
+            <a:ext cx="9144000" cy="1813560"/>
           </a:xfrm>
           <a:prstGeom prst="rect">
             <a:avLst/>
           </a:prstGeom>
-          <a:solidFill>
-            <a:schemeClr val="lt2"/>
-          </a:solidFill>
-          <a:ln cap="flat" cmpd="sng" w="9525">
-            <a:solidFill>
-              <a:schemeClr val="dk2"/>
-            </a:solidFill>
-            <a:prstDash val="solid"/>
-            <a:round/>
-            <a:headEnd len="sm" w="sm" type="none"/>
-            <a:tailEnd len="sm" w="sm" type="none"/>
-          </a:ln>
         </p:spPr>
-        <p:txBody>
-          <a:bodyPr anchorCtr="0" anchor="ctr" bIns="91425" lIns="91425" spcFirstLastPara="1" rIns="91425" wrap="square" tIns="91425">
-            <a:noAutofit/>
-          </a:bodyPr>
-          <a:lstStyle/>
-          <a:p>
-            <a:pPr indent="0" lvl="0" marL="0" rtl="0" algn="ctr">
-              <a:spcBef>
-                <a:spcPts val="0"/>
-              </a:spcBef>
-              <a:spcAft>
-                <a:spcPts val="0"/>
-              </a:spcAft>
-              <a:buNone/>
-            </a:pPr>
-            <a:r>
-              <a:rPr lang="en"/>
-              <a:t>Add images of your Design Thinking Assets </a:t>
-            </a:r>
-            <a:endParaRPr/>
-          </a:p>
-          <a:p>
-            <a:pPr indent="0" lvl="0" marL="0" rtl="0" algn="ctr">
-              <a:spcBef>
-                <a:spcPts val="0"/>
-              </a:spcBef>
-              <a:spcAft>
-                <a:spcPts val="0"/>
-              </a:spcAft>
-              <a:buNone/>
-            </a:pPr>
-            <a:r>
-              <a:rPr lang="en"/>
-              <a:t>(Hint: export Mural boards as images)</a:t>
-            </a:r>
-            <a:endParaRPr/>
-          </a:p>
-        </p:txBody>
-      </p:sp>
+      </p:pic>
     </p:spTree>
   </p:cSld>
   <p:clrMapOvr>
@@ -7633,11 +7600,11 @@
 </file>
 
 <file path=ppt/slides/slide6.xml><?xml version="1.0" encoding="utf-8"?>
-<p:sld xmlns:a="http://schemas.openxmlformats.org/drawingml/2006/main" xmlns:r="http://schemas.openxmlformats.org/officeDocument/2006/relationships" xmlns:mc="http://schemas.openxmlformats.org/markup-compatibility/2006" xmlns:mv="urn:schemas-microsoft-com:mac:vml" xmlns:p="http://schemas.openxmlformats.org/presentationml/2006/main" xmlns:c="http://schemas.openxmlformats.org/drawingml/2006/chart" xmlns:dgm="http://schemas.openxmlformats.org/drawingml/2006/diagram" xmlns:o="urn:schemas-microsoft-com:office:office" xmlns:v="urn:schemas-microsoft-com:vml" xmlns:pvml="urn:schemas-microsoft-com:office:powerpoint" xmlns:com="http://schemas.openxmlformats.org/drawingml/2006/compatibility" xmlns:p14="http://schemas.microsoft.com/office/powerpoint/2010/main" xmlns:p15="http://schemas.microsoft.com/office/powerpoint/2012/main" xmlns:ahyp="http://schemas.microsoft.com/office/drawing/2018/hyperlinkcolor">
+<p:sld xmlns:a="http://schemas.openxmlformats.org/drawingml/2006/main" xmlns:r="http://schemas.openxmlformats.org/officeDocument/2006/relationships" xmlns:p="http://schemas.openxmlformats.org/presentationml/2006/main">
   <p:cSld>
     <p:spTree>
       <p:nvGrpSpPr>
-        <p:cNvPr id="92" name="Shape 92"/>
+        <p:cNvPr id="1" name="Shape 92"/>
         <p:cNvGrpSpPr/>
         <p:nvPr/>
       </p:nvGrpSpPr>
@@ -7652,7 +7619,9 @@
       <p:sp>
         <p:nvSpPr>
           <p:cNvPr id="93" name="Google Shape;93;p16"/>
-          <p:cNvSpPr txBox="1"/>
+          <p:cNvSpPr txBox="1">
+            <a:spLocks noGrp="1"/>
+          </p:cNvSpPr>
           <p:nvPr>
             <p:ph type="title"/>
           </p:nvPr>
@@ -7667,12 +7636,12 @@
           </a:prstGeom>
         </p:spPr>
         <p:txBody>
-          <a:bodyPr anchorCtr="0" anchor="t" bIns="91400" lIns="91400" spcFirstLastPara="1" rIns="91400" wrap="square" tIns="91400">
+          <a:bodyPr spcFirstLastPara="1" wrap="square" lIns="91400" tIns="91400" rIns="91400" bIns="91400" anchor="t" anchorCtr="0">
             <a:noAutofit/>
           </a:bodyPr>
           <a:lstStyle/>
           <a:p>
-            <a:pPr indent="0" lvl="0" marL="0" rtl="0" algn="l">
+            <a:pPr marL="0" lvl="0" indent="0" algn="l" rtl="0">
               <a:spcBef>
                 <a:spcPts val="0"/>
               </a:spcBef>
@@ -7692,9 +7661,11 @@
       <p:sp>
         <p:nvSpPr>
           <p:cNvPr id="94" name="Google Shape;94;p16"/>
-          <p:cNvSpPr txBox="1"/>
+          <p:cNvSpPr txBox="1">
+            <a:spLocks noGrp="1"/>
+          </p:cNvSpPr>
           <p:nvPr>
-            <p:ph idx="1" type="body"/>
+            <p:ph type="body" idx="1"/>
           </p:nvPr>
         </p:nvSpPr>
         <p:spPr>
@@ -7707,12 +7678,12 @@
           </a:prstGeom>
         </p:spPr>
         <p:txBody>
-          <a:bodyPr anchorCtr="0" anchor="t" bIns="91400" lIns="91400" spcFirstLastPara="1" rIns="91400" wrap="square" tIns="91400">
+          <a:bodyPr spcFirstLastPara="1" wrap="square" lIns="91400" tIns="91400" rIns="91400" bIns="91400" anchor="t" anchorCtr="0">
             <a:noAutofit/>
           </a:bodyPr>
           <a:lstStyle/>
           <a:p>
-            <a:pPr indent="0" lvl="0" marL="0" rtl="0" algn="l">
+            <a:pPr marL="0" lvl="0" indent="0" algn="l" rtl="0">
               <a:spcBef>
                 <a:spcPts val="0"/>
               </a:spcBef>
@@ -7722,92 +7693,10 @@
               <a:buNone/>
             </a:pPr>
             <a:r>
-              <a:rPr lang="en"/>
-              <a:t>Tell us where the context or situation is happening in 1-2 sentences</a:t>
+              <a:rPr lang="en-US" dirty="0"/>
+              <a:t>Digitally within the creation of the application</a:t>
             </a:r>
-            <a:endParaRPr/>
-          </a:p>
-          <a:p>
-            <a:pPr indent="0" lvl="0" marL="0" rtl="0" algn="l">
-              <a:spcBef>
-                <a:spcPts val="800"/>
-              </a:spcBef>
-              <a:spcAft>
-                <a:spcPts val="0"/>
-              </a:spcAft>
-              <a:buNone/>
-            </a:pPr>
-            <a:r>
-              <a:t/>
-            </a:r>
-            <a:endParaRPr/>
-          </a:p>
-          <a:p>
-            <a:pPr indent="0" lvl="0" marL="0" rtl="0" algn="l">
-              <a:spcBef>
-                <a:spcPts val="800"/>
-              </a:spcBef>
-              <a:spcAft>
-                <a:spcPts val="0"/>
-              </a:spcAft>
-              <a:buNone/>
-            </a:pPr>
-            <a:r>
-              <a:rPr lang="en"/>
-              <a:t>Lorem ispum dolor sit amet, consectetur adipiscing elit</a:t>
-            </a:r>
-            <a:endParaRPr/>
-          </a:p>
-          <a:p>
-            <a:pPr indent="-323850" lvl="0" marL="457200" rtl="0" algn="l">
-              <a:spcBef>
-                <a:spcPts val="800"/>
-              </a:spcBef>
-              <a:spcAft>
-                <a:spcPts val="0"/>
-              </a:spcAft>
-              <a:buSzPts val="1500"/>
-              <a:buChar char="●"/>
-            </a:pPr>
-            <a:r>
-              <a:rPr lang="en"/>
-              <a:t>Example</a:t>
-            </a:r>
-            <a:endParaRPr/>
-          </a:p>
-          <a:p>
-            <a:pPr indent="-323850" lvl="0" marL="457200" rtl="0" algn="l">
-              <a:spcBef>
-                <a:spcPts val="0"/>
-              </a:spcBef>
-              <a:spcAft>
-                <a:spcPts val="0"/>
-              </a:spcAft>
-              <a:buSzPts val="1500"/>
-              <a:buChar char="●"/>
-            </a:pPr>
-            <a:r>
-              <a:rPr lang="en"/>
-              <a:t>Example</a:t>
-            </a:r>
-            <a:endParaRPr/>
-          </a:p>
-          <a:p>
-            <a:pPr indent="-323850" lvl="0" marL="457200" rtl="0" algn="l">
-              <a:spcBef>
-                <a:spcPts val="0"/>
-              </a:spcBef>
-              <a:spcAft>
-                <a:spcPts val="0"/>
-              </a:spcAft>
-              <a:buSzPts val="1500"/>
-              <a:buChar char="●"/>
-            </a:pPr>
-            <a:r>
-              <a:rPr lang="en"/>
-              <a:t>Example</a:t>
-            </a:r>
-            <a:endParaRPr/>
+            <a:endParaRPr dirty="0"/>
           </a:p>
         </p:txBody>
       </p:sp>
@@ -7820,11 +7709,11 @@
 </file>
 
 <file path=ppt/slides/slide7.xml><?xml version="1.0" encoding="utf-8"?>
-<p:sld xmlns:a="http://schemas.openxmlformats.org/drawingml/2006/main" xmlns:r="http://schemas.openxmlformats.org/officeDocument/2006/relationships" xmlns:mc="http://schemas.openxmlformats.org/markup-compatibility/2006" xmlns:mv="urn:schemas-microsoft-com:mac:vml" xmlns:p="http://schemas.openxmlformats.org/presentationml/2006/main" xmlns:c="http://schemas.openxmlformats.org/drawingml/2006/chart" xmlns:dgm="http://schemas.openxmlformats.org/drawingml/2006/diagram" xmlns:o="urn:schemas-microsoft-com:office:office" xmlns:v="urn:schemas-microsoft-com:vml" xmlns:pvml="urn:schemas-microsoft-com:office:powerpoint" xmlns:com="http://schemas.openxmlformats.org/drawingml/2006/compatibility" xmlns:p14="http://schemas.microsoft.com/office/powerpoint/2010/main" xmlns:p15="http://schemas.microsoft.com/office/powerpoint/2012/main" xmlns:ahyp="http://schemas.microsoft.com/office/drawing/2018/hyperlinkcolor">
+<p:sld xmlns:a="http://schemas.openxmlformats.org/drawingml/2006/main" xmlns:r="http://schemas.openxmlformats.org/officeDocument/2006/relationships" xmlns:p="http://schemas.openxmlformats.org/presentationml/2006/main">
   <p:cSld>
     <p:spTree>
       <p:nvGrpSpPr>
-        <p:cNvPr id="98" name="Shape 98"/>
+        <p:cNvPr id="1" name="Shape 98"/>
         <p:cNvGrpSpPr/>
         <p:nvPr/>
       </p:nvGrpSpPr>
@@ -7839,7 +7728,9 @@
       <p:sp>
         <p:nvSpPr>
           <p:cNvPr id="99" name="Google Shape;99;p17"/>
-          <p:cNvSpPr txBox="1"/>
+          <p:cNvSpPr txBox="1">
+            <a:spLocks noGrp="1"/>
+          </p:cNvSpPr>
           <p:nvPr>
             <p:ph type="title"/>
           </p:nvPr>
@@ -7854,12 +7745,12 @@
           </a:prstGeom>
         </p:spPr>
         <p:txBody>
-          <a:bodyPr anchorCtr="0" anchor="t" bIns="91400" lIns="91400" spcFirstLastPara="1" rIns="91400" wrap="square" tIns="91400">
+          <a:bodyPr spcFirstLastPara="1" wrap="square" lIns="91400" tIns="91400" rIns="91400" bIns="91400" anchor="t" anchorCtr="0">
             <a:noAutofit/>
           </a:bodyPr>
           <a:lstStyle/>
           <a:p>
-            <a:pPr indent="0" lvl="0" marL="0" rtl="0" algn="l">
+            <a:pPr marL="0" lvl="0" indent="0" algn="l" rtl="0">
               <a:spcBef>
                 <a:spcPts val="0"/>
               </a:spcBef>
@@ -7879,9 +7770,11 @@
       <p:sp>
         <p:nvSpPr>
           <p:cNvPr id="100" name="Google Shape;100;p17"/>
-          <p:cNvSpPr txBox="1"/>
+          <p:cNvSpPr txBox="1">
+            <a:spLocks noGrp="1"/>
+          </p:cNvSpPr>
           <p:nvPr>
-            <p:ph idx="1" type="body"/>
+            <p:ph type="body" idx="1"/>
           </p:nvPr>
         </p:nvSpPr>
         <p:spPr>
@@ -7894,12 +7787,12 @@
           </a:prstGeom>
         </p:spPr>
         <p:txBody>
-          <a:bodyPr anchorCtr="0" anchor="t" bIns="91400" lIns="91400" spcFirstLastPara="1" rIns="91400" wrap="square" tIns="91400">
+          <a:bodyPr spcFirstLastPara="1" wrap="square" lIns="91400" tIns="91400" rIns="91400" bIns="91400" anchor="t" anchorCtr="0">
             <a:noAutofit/>
           </a:bodyPr>
           <a:lstStyle/>
           <a:p>
-            <a:pPr indent="0" lvl="0" marL="0" rtl="0" algn="l">
+            <a:pPr marL="0" lvl="0" indent="0" algn="l" rtl="0">
               <a:spcBef>
                 <a:spcPts val="0"/>
               </a:spcBef>
@@ -7909,92 +7802,10 @@
               <a:buNone/>
             </a:pPr>
             <a:r>
-              <a:rPr lang="en"/>
-              <a:t>Tell us when this is happening in 1-2 sentences</a:t>
+              <a:rPr lang="en-US" dirty="0"/>
+              <a:t>During the application development process</a:t>
             </a:r>
-            <a:endParaRPr/>
-          </a:p>
-          <a:p>
-            <a:pPr indent="0" lvl="0" marL="0" rtl="0" algn="l">
-              <a:spcBef>
-                <a:spcPts val="800"/>
-              </a:spcBef>
-              <a:spcAft>
-                <a:spcPts val="0"/>
-              </a:spcAft>
-              <a:buNone/>
-            </a:pPr>
-            <a:r>
-              <a:t/>
-            </a:r>
-            <a:endParaRPr/>
-          </a:p>
-          <a:p>
-            <a:pPr indent="0" lvl="0" marL="0" rtl="0" algn="l">
-              <a:spcBef>
-                <a:spcPts val="800"/>
-              </a:spcBef>
-              <a:spcAft>
-                <a:spcPts val="0"/>
-              </a:spcAft>
-              <a:buNone/>
-            </a:pPr>
-            <a:r>
-              <a:rPr lang="en"/>
-              <a:t>Lorem ispum dolor sit amet, consectetur adipiscing elit</a:t>
-            </a:r>
-            <a:endParaRPr/>
-          </a:p>
-          <a:p>
-            <a:pPr indent="-323850" lvl="0" marL="457200" rtl="0" algn="l">
-              <a:spcBef>
-                <a:spcPts val="800"/>
-              </a:spcBef>
-              <a:spcAft>
-                <a:spcPts val="0"/>
-              </a:spcAft>
-              <a:buSzPts val="1500"/>
-              <a:buChar char="●"/>
-            </a:pPr>
-            <a:r>
-              <a:rPr lang="en"/>
-              <a:t>Example</a:t>
-            </a:r>
-            <a:endParaRPr/>
-          </a:p>
-          <a:p>
-            <a:pPr indent="-323850" lvl="0" marL="457200" rtl="0" algn="l">
-              <a:spcBef>
-                <a:spcPts val="0"/>
-              </a:spcBef>
-              <a:spcAft>
-                <a:spcPts val="0"/>
-              </a:spcAft>
-              <a:buSzPts val="1500"/>
-              <a:buChar char="●"/>
-            </a:pPr>
-            <a:r>
-              <a:rPr lang="en"/>
-              <a:t>Example</a:t>
-            </a:r>
-            <a:endParaRPr/>
-          </a:p>
-          <a:p>
-            <a:pPr indent="-323850" lvl="0" marL="457200" rtl="0" algn="l">
-              <a:spcBef>
-                <a:spcPts val="0"/>
-              </a:spcBef>
-              <a:spcAft>
-                <a:spcPts val="0"/>
-              </a:spcAft>
-              <a:buSzPts val="1500"/>
-              <a:buChar char="●"/>
-            </a:pPr>
-            <a:r>
-              <a:rPr lang="en"/>
-              <a:t>Example</a:t>
-            </a:r>
-            <a:endParaRPr/>
+            <a:endParaRPr dirty="0"/>
           </a:p>
         </p:txBody>
       </p:sp>
@@ -8007,11 +7818,11 @@
 </file>
 
 <file path=ppt/slides/slide8.xml><?xml version="1.0" encoding="utf-8"?>
-<p:sld xmlns:a="http://schemas.openxmlformats.org/drawingml/2006/main" xmlns:r="http://schemas.openxmlformats.org/officeDocument/2006/relationships" xmlns:mc="http://schemas.openxmlformats.org/markup-compatibility/2006" xmlns:mv="urn:schemas-microsoft-com:mac:vml" xmlns:p="http://schemas.openxmlformats.org/presentationml/2006/main" xmlns:c="http://schemas.openxmlformats.org/drawingml/2006/chart" xmlns:dgm="http://schemas.openxmlformats.org/drawingml/2006/diagram" xmlns:o="urn:schemas-microsoft-com:office:office" xmlns:v="urn:schemas-microsoft-com:vml" xmlns:pvml="urn:schemas-microsoft-com:office:powerpoint" xmlns:com="http://schemas.openxmlformats.org/drawingml/2006/compatibility" xmlns:p14="http://schemas.microsoft.com/office/powerpoint/2010/main" xmlns:p15="http://schemas.microsoft.com/office/powerpoint/2012/main" xmlns:ahyp="http://schemas.microsoft.com/office/drawing/2018/hyperlinkcolor">
+<p:sld xmlns:a="http://schemas.openxmlformats.org/drawingml/2006/main" xmlns:r="http://schemas.openxmlformats.org/officeDocument/2006/relationships" xmlns:p="http://schemas.openxmlformats.org/presentationml/2006/main">
   <p:cSld>
     <p:spTree>
       <p:nvGrpSpPr>
-        <p:cNvPr id="104" name="Shape 104"/>
+        <p:cNvPr id="1" name="Shape 104"/>
         <p:cNvGrpSpPr/>
         <p:nvPr/>
       </p:nvGrpSpPr>
@@ -8026,7 +7837,9 @@
       <p:sp>
         <p:nvSpPr>
           <p:cNvPr id="105" name="Google Shape;105;p18"/>
-          <p:cNvSpPr txBox="1"/>
+          <p:cNvSpPr txBox="1">
+            <a:spLocks noGrp="1"/>
+          </p:cNvSpPr>
           <p:nvPr>
             <p:ph type="title"/>
           </p:nvPr>
@@ -8041,12 +7854,12 @@
           </a:prstGeom>
         </p:spPr>
         <p:txBody>
-          <a:bodyPr anchorCtr="0" anchor="t" bIns="91400" lIns="91400" spcFirstLastPara="1" rIns="91400" wrap="square" tIns="91400">
+          <a:bodyPr spcFirstLastPara="1" wrap="square" lIns="91400" tIns="91400" rIns="91400" bIns="91400" anchor="t" anchorCtr="0">
             <a:noAutofit/>
           </a:bodyPr>
           <a:lstStyle/>
           <a:p>
-            <a:pPr indent="0" lvl="0" marL="0" rtl="0" algn="l">
+            <a:pPr marL="0" lvl="0" indent="0" algn="l" rtl="0">
               <a:spcBef>
                 <a:spcPts val="0"/>
               </a:spcBef>
@@ -8066,9 +7879,11 @@
       <p:sp>
         <p:nvSpPr>
           <p:cNvPr id="106" name="Google Shape;106;p18"/>
-          <p:cNvSpPr txBox="1"/>
+          <p:cNvSpPr txBox="1">
+            <a:spLocks noGrp="1"/>
+          </p:cNvSpPr>
           <p:nvPr>
-            <p:ph idx="1" type="body"/>
+            <p:ph type="body" idx="1"/>
           </p:nvPr>
         </p:nvSpPr>
         <p:spPr>
@@ -8081,59 +7896,12 @@
           </a:prstGeom>
         </p:spPr>
         <p:txBody>
-          <a:bodyPr anchorCtr="0" anchor="t" bIns="91400" lIns="91400" spcFirstLastPara="1" rIns="91400" wrap="square" tIns="91400">
+          <a:bodyPr spcFirstLastPara="1" wrap="square" lIns="91400" tIns="91400" rIns="91400" bIns="91400" anchor="t" anchorCtr="0">
             <a:noAutofit/>
           </a:bodyPr>
           <a:lstStyle/>
           <a:p>
-            <a:pPr indent="0" lvl="0" marL="0" rtl="0" algn="l">
-              <a:spcBef>
-                <a:spcPts val="0"/>
-              </a:spcBef>
-              <a:spcAft>
-                <a:spcPts val="0"/>
-              </a:spcAft>
-              <a:buNone/>
-            </a:pPr>
-            <a:r>
-              <a:rPr lang="en"/>
-              <a:t>Tell us how this will benefit Financial Instituions </a:t>
-            </a:r>
-            <a:endParaRPr/>
-          </a:p>
-          <a:p>
-            <a:pPr indent="0" lvl="0" marL="0" rtl="0" algn="l">
-              <a:spcBef>
-                <a:spcPts val="800"/>
-              </a:spcBef>
-              <a:spcAft>
-                <a:spcPts val="0"/>
-              </a:spcAft>
-              <a:buNone/>
-            </a:pPr>
-            <a:r>
-              <a:t/>
-            </a:r>
-            <a:endParaRPr/>
-          </a:p>
-          <a:p>
-            <a:pPr indent="0" lvl="0" marL="0" rtl="0" algn="l">
-              <a:spcBef>
-                <a:spcPts val="800"/>
-              </a:spcBef>
-              <a:spcAft>
-                <a:spcPts val="0"/>
-              </a:spcAft>
-              <a:buNone/>
-            </a:pPr>
-            <a:r>
-              <a:rPr lang="en"/>
-              <a:t>Lorem ispum dolor sit amet, consectetur adipiscing elit</a:t>
-            </a:r>
-            <a:endParaRPr/>
-          </a:p>
-          <a:p>
-            <a:pPr indent="-323850" lvl="0" marL="457200" rtl="0" algn="l">
+            <a:pPr marL="457200" lvl="0" indent="-323850" algn="l" rtl="0">
               <a:spcBef>
                 <a:spcPts val="800"/>
               </a:spcBef>
@@ -8144,13 +7912,13 @@
               <a:buChar char="●"/>
             </a:pPr>
             <a:r>
-              <a:rPr lang="en"/>
-              <a:t>Example</a:t>
+              <a:rPr lang="en-US" dirty="0"/>
+              <a:t>Address accessibility issues earlier in the development process</a:t>
             </a:r>
-            <a:endParaRPr/>
+            <a:endParaRPr dirty="0"/>
           </a:p>
           <a:p>
-            <a:pPr indent="-323850" lvl="0" marL="457200" rtl="0" algn="l">
+            <a:pPr marL="457200" lvl="0" indent="-323850" algn="l" rtl="0">
               <a:spcBef>
                 <a:spcPts val="0"/>
               </a:spcBef>
@@ -8161,27 +7929,15 @@
               <a:buChar char="●"/>
             </a:pPr>
             <a:r>
-              <a:rPr lang="en"/>
-              <a:t>Example</a:t>
+              <a:rPr lang="en" dirty="0"/>
+              <a:t>Get better feedback on areas where accessibility has failed</a:t>
             </a:r>
-            <a:endParaRPr/>
           </a:p>
           <a:p>
-            <a:pPr indent="-323850" lvl="0" marL="457200" rtl="0" algn="l">
-              <a:spcBef>
-                <a:spcPts val="0"/>
-              </a:spcBef>
-              <a:spcAft>
-                <a:spcPts val="0"/>
-              </a:spcAft>
-              <a:buSzPts val="1500"/>
-              <a:buChar char="●"/>
-            </a:pPr>
             <a:r>
-              <a:rPr lang="en"/>
-              <a:t>Example</a:t>
+              <a:rPr lang="en-US" dirty="0"/>
+              <a:t>Improve accessibility compliance confidence</a:t>
             </a:r>
-            <a:endParaRPr/>
           </a:p>
         </p:txBody>
       </p:sp>
@@ -8194,11 +7950,11 @@
 </file>
 
 <file path=ppt/slides/slide9.xml><?xml version="1.0" encoding="utf-8"?>
-<p:sld xmlns:a="http://schemas.openxmlformats.org/drawingml/2006/main" xmlns:r="http://schemas.openxmlformats.org/officeDocument/2006/relationships" xmlns:mc="http://schemas.openxmlformats.org/markup-compatibility/2006" xmlns:mv="urn:schemas-microsoft-com:mac:vml" xmlns:p="http://schemas.openxmlformats.org/presentationml/2006/main" xmlns:c="http://schemas.openxmlformats.org/drawingml/2006/chart" xmlns:dgm="http://schemas.openxmlformats.org/drawingml/2006/diagram" xmlns:o="urn:schemas-microsoft-com:office:office" xmlns:v="urn:schemas-microsoft-com:vml" xmlns:pvml="urn:schemas-microsoft-com:office:powerpoint" xmlns:com="http://schemas.openxmlformats.org/drawingml/2006/compatibility" xmlns:p14="http://schemas.microsoft.com/office/powerpoint/2010/main" xmlns:p15="http://schemas.microsoft.com/office/powerpoint/2012/main" xmlns:ahyp="http://schemas.microsoft.com/office/drawing/2018/hyperlinkcolor">
+<p:sld xmlns:a="http://schemas.openxmlformats.org/drawingml/2006/main" xmlns:r="http://schemas.openxmlformats.org/officeDocument/2006/relationships" xmlns:p="http://schemas.openxmlformats.org/presentationml/2006/main">
   <p:cSld>
     <p:spTree>
       <p:nvGrpSpPr>
-        <p:cNvPr id="110" name="Shape 110"/>
+        <p:cNvPr id="1" name="Shape 110"/>
         <p:cNvGrpSpPr/>
         <p:nvPr/>
       </p:nvGrpSpPr>
@@ -8213,7 +7969,9 @@
       <p:sp>
         <p:nvSpPr>
           <p:cNvPr id="111" name="Google Shape;111;p19"/>
-          <p:cNvSpPr txBox="1"/>
+          <p:cNvSpPr txBox="1">
+            <a:spLocks noGrp="1"/>
+          </p:cNvSpPr>
           <p:nvPr>
             <p:ph type="title"/>
           </p:nvPr>
@@ -8228,12 +7986,12 @@
           </a:prstGeom>
         </p:spPr>
         <p:txBody>
-          <a:bodyPr anchorCtr="0" anchor="b" bIns="91400" lIns="91400" spcFirstLastPara="1" rIns="91400" wrap="square" tIns="91400">
+          <a:bodyPr spcFirstLastPara="1" wrap="square" lIns="91400" tIns="91400" rIns="91400" bIns="91400" anchor="b" anchorCtr="0">
             <a:noAutofit/>
           </a:bodyPr>
           <a:lstStyle/>
           <a:p>
-            <a:pPr indent="0" lvl="0" marL="0" rtl="0" algn="l">
+            <a:pPr marL="0" lvl="0" indent="0" algn="l" rtl="0">
               <a:spcBef>
                 <a:spcPts val="0"/>
               </a:spcBef>
@@ -8243,9 +8001,10 @@
               <a:buNone/>
             </a:pPr>
             <a:r>
-              <a:t/>
+              <a:rPr lang="en-US" dirty="0"/>
+              <a:t>Thank you</a:t>
             </a:r>
-            <a:endParaRPr/>
+            <a:endParaRPr dirty="0"/>
           </a:p>
         </p:txBody>
       </p:sp>
@@ -8258,7 +8017,7 @@
 </file>
 
 <file path=ppt/theme/theme1.xml><?xml version="1.0" encoding="utf-8"?>
-<a:theme xmlns:a="http://schemas.openxmlformats.org/drawingml/2006/main" xmlns:r="http://schemas.openxmlformats.org/officeDocument/2006/relationships" name="FINOS–Revised">
+<a:theme xmlns:a="http://schemas.openxmlformats.org/drawingml/2006/main" name="FINOS–Revised">
   <a:themeElements>
     <a:clrScheme name="Simple Light">
       <a:dk1>
@@ -8533,11 +8292,13 @@
       </a:bgFillStyleLst>
     </a:fmtScheme>
   </a:themeElements>
+  <a:objectDefaults/>
+  <a:extraClrSchemeLst/>
 </a:theme>
 </file>
 
 <file path=ppt/theme/theme2.xml><?xml version="1.0" encoding="utf-8"?>
-<a:theme xmlns:a="http://schemas.openxmlformats.org/drawingml/2006/main" xmlns:r="http://schemas.openxmlformats.org/officeDocument/2006/relationships">
+<a:theme xmlns:a="http://schemas.openxmlformats.org/drawingml/2006/main">
   <a:themeElements>
     <a:clrScheme name="Default">
       <a:dk1>
@@ -8812,5 +8573,7 @@
       </a:bgFillStyleLst>
     </a:fmtScheme>
   </a:themeElements>
+  <a:objectDefaults/>
+  <a:extraClrSchemeLst/>
 </a:theme>
 </file>